--- a/_book/plot/unnamed-chunk-53-1.pptx
+++ b/_book/plot/unnamed-chunk-53-1.pptx
@@ -3192,8 +3192,8 @@
           </p:nvSpPr>
           <p:spPr>
             <a:xfrm>
-              <a:off x="2023549" y="1590617"/>
-              <a:ext cx="6913543" cy="4048310"/>
+              <a:off x="2179881" y="1809173"/>
+              <a:ext cx="1295770" cy="3245468"/>
             </a:xfrm>
             <a:prstGeom prst="rect">
               <a:avLst/>
@@ -3218,28 +3218,28 @@
           </p:nvSpPr>
           <p:spPr>
             <a:xfrm>
-              <a:off x="2832764" y="1590617"/>
-              <a:ext cx="0" cy="4048310"/>
-            </a:xfrm>
-            <a:custGeom>
-              <a:avLst/>
-              <a:pathLst>
-                <a:path w="0" h="4048310">
-                  <a:moveTo>
-                    <a:pt x="0" y="4048310"/>
-                  </a:moveTo>
-                  <a:lnTo>
-                    <a:pt x="0" y="0"/>
-                  </a:lnTo>
-                  <a:lnTo>
-                    <a:pt x="0" y="0"/>
-                  </a:lnTo>
-                </a:path>
-              </a:pathLst>
-            </a:custGeom>
-            <a:ln w="3387" cap="flat">
-              <a:solidFill>
-                <a:srgbClr val="DEDEDE">
+              <a:off x="2179881" y="4549058"/>
+              <a:ext cx="1295770" cy="0"/>
+            </a:xfrm>
+            <a:custGeom>
+              <a:avLst/>
+              <a:pathLst>
+                <a:path w="1295770" h="0">
+                  <a:moveTo>
+                    <a:pt x="0" y="0"/>
+                  </a:moveTo>
+                  <a:lnTo>
+                    <a:pt x="1295770" y="0"/>
+                  </a:lnTo>
+                  <a:lnTo>
+                    <a:pt x="1295770" y="0"/>
+                  </a:lnTo>
+                </a:path>
+              </a:pathLst>
+            </a:custGeom>
+            <a:ln w="6775" cap="flat">
+              <a:solidFill>
+                <a:srgbClr val="EBEBEB">
                   <a:alpha val="100000"/>
                 </a:srgbClr>
               </a:solidFill>
@@ -3261,28 +3261,28 @@
           </p:nvSpPr>
           <p:spPr>
             <a:xfrm>
-              <a:off x="4451193" y="1590617"/>
-              <a:ext cx="0" cy="4048310"/>
-            </a:xfrm>
-            <a:custGeom>
-              <a:avLst/>
-              <a:pathLst>
-                <a:path w="0" h="4048310">
-                  <a:moveTo>
-                    <a:pt x="0" y="4048310"/>
-                  </a:moveTo>
-                  <a:lnTo>
-                    <a:pt x="0" y="0"/>
-                  </a:lnTo>
-                  <a:lnTo>
-                    <a:pt x="0" y="0"/>
-                  </a:lnTo>
-                </a:path>
-              </a:pathLst>
-            </a:custGeom>
-            <a:ln w="3387" cap="flat">
-              <a:solidFill>
-                <a:srgbClr val="DEDEDE">
+              <a:off x="2179881" y="3832936"/>
+              <a:ext cx="1295770" cy="0"/>
+            </a:xfrm>
+            <a:custGeom>
+              <a:avLst/>
+              <a:pathLst>
+                <a:path w="1295770" h="0">
+                  <a:moveTo>
+                    <a:pt x="0" y="0"/>
+                  </a:moveTo>
+                  <a:lnTo>
+                    <a:pt x="1295770" y="0"/>
+                  </a:lnTo>
+                  <a:lnTo>
+                    <a:pt x="1295770" y="0"/>
+                  </a:lnTo>
+                </a:path>
+              </a:pathLst>
+            </a:custGeom>
+            <a:ln w="6775" cap="flat">
+              <a:solidFill>
+                <a:srgbClr val="EBEBEB">
                   <a:alpha val="100000"/>
                 </a:srgbClr>
               </a:solidFill>
@@ -3304,28 +3304,28 @@
           </p:nvSpPr>
           <p:spPr>
             <a:xfrm>
-              <a:off x="6069623" y="1590617"/>
-              <a:ext cx="0" cy="4048310"/>
-            </a:xfrm>
-            <a:custGeom>
-              <a:avLst/>
-              <a:pathLst>
-                <a:path w="0" h="4048310">
-                  <a:moveTo>
-                    <a:pt x="0" y="4048310"/>
-                  </a:moveTo>
-                  <a:lnTo>
-                    <a:pt x="0" y="0"/>
-                  </a:lnTo>
-                  <a:lnTo>
-                    <a:pt x="0" y="0"/>
-                  </a:lnTo>
-                </a:path>
-              </a:pathLst>
-            </a:custGeom>
-            <a:ln w="3387" cap="flat">
-              <a:solidFill>
-                <a:srgbClr val="DEDEDE">
+              <a:off x="2179881" y="3116813"/>
+              <a:ext cx="1295770" cy="0"/>
+            </a:xfrm>
+            <a:custGeom>
+              <a:avLst/>
+              <a:pathLst>
+                <a:path w="1295770" h="0">
+                  <a:moveTo>
+                    <a:pt x="0" y="0"/>
+                  </a:moveTo>
+                  <a:lnTo>
+                    <a:pt x="1295770" y="0"/>
+                  </a:lnTo>
+                  <a:lnTo>
+                    <a:pt x="1295770" y="0"/>
+                  </a:lnTo>
+                </a:path>
+              </a:pathLst>
+            </a:custGeom>
+            <a:ln w="6775" cap="flat">
+              <a:solidFill>
+                <a:srgbClr val="EBEBEB">
                   <a:alpha val="100000"/>
                 </a:srgbClr>
               </a:solidFill>
@@ -3347,28 +3347,28 @@
           </p:nvSpPr>
           <p:spPr>
             <a:xfrm>
-              <a:off x="7688053" y="1590617"/>
-              <a:ext cx="0" cy="4048310"/>
-            </a:xfrm>
-            <a:custGeom>
-              <a:avLst/>
-              <a:pathLst>
-                <a:path w="0" h="4048310">
-                  <a:moveTo>
-                    <a:pt x="0" y="4048310"/>
-                  </a:moveTo>
-                  <a:lnTo>
-                    <a:pt x="0" y="0"/>
-                  </a:lnTo>
-                  <a:lnTo>
-                    <a:pt x="0" y="0"/>
-                  </a:lnTo>
-                </a:path>
-              </a:pathLst>
-            </a:custGeom>
-            <a:ln w="3387" cap="flat">
-              <a:solidFill>
-                <a:srgbClr val="DEDEDE">
+              <a:off x="2179881" y="2400690"/>
+              <a:ext cx="1295770" cy="0"/>
+            </a:xfrm>
+            <a:custGeom>
+              <a:avLst/>
+              <a:pathLst>
+                <a:path w="1295770" h="0">
+                  <a:moveTo>
+                    <a:pt x="0" y="0"/>
+                  </a:moveTo>
+                  <a:lnTo>
+                    <a:pt x="1295770" y="0"/>
+                  </a:lnTo>
+                  <a:lnTo>
+                    <a:pt x="1295770" y="0"/>
+                  </a:lnTo>
+                </a:path>
+              </a:pathLst>
+            </a:custGeom>
+            <a:ln w="6775" cap="flat">
+              <a:solidFill>
+                <a:srgbClr val="EBEBEB">
                   <a:alpha val="100000"/>
                 </a:srgbClr>
               </a:solidFill>
@@ -3390,28 +3390,28 @@
           </p:nvSpPr>
           <p:spPr>
             <a:xfrm>
-              <a:off x="2023549" y="5171815"/>
-              <a:ext cx="6913543" cy="0"/>
-            </a:xfrm>
-            <a:custGeom>
-              <a:avLst/>
-              <a:pathLst>
-                <a:path w="6913543" h="0">
-                  <a:moveTo>
-                    <a:pt x="0" y="0"/>
-                  </a:moveTo>
-                  <a:lnTo>
-                    <a:pt x="6913543" y="0"/>
-                  </a:lnTo>
-                  <a:lnTo>
-                    <a:pt x="6913543" y="0"/>
-                  </a:lnTo>
-                </a:path>
-              </a:pathLst>
-            </a:custGeom>
-            <a:ln w="6775" cap="flat">
-              <a:solidFill>
-                <a:srgbClr val="DEDEDE">
+              <a:off x="2179881" y="4907120"/>
+              <a:ext cx="1295770" cy="0"/>
+            </a:xfrm>
+            <a:custGeom>
+              <a:avLst/>
+              <a:pathLst>
+                <a:path w="1295770" h="0">
+                  <a:moveTo>
+                    <a:pt x="0" y="0"/>
+                  </a:moveTo>
+                  <a:lnTo>
+                    <a:pt x="1295770" y="0"/>
+                  </a:lnTo>
+                  <a:lnTo>
+                    <a:pt x="1295770" y="0"/>
+                  </a:lnTo>
+                </a:path>
+              </a:pathLst>
+            </a:custGeom>
+            <a:ln w="13550" cap="flat">
+              <a:solidFill>
+                <a:srgbClr val="EBEBEB">
                   <a:alpha val="100000"/>
                 </a:srgbClr>
               </a:solidFill>
@@ -3433,28 +3433,28 @@
           </p:nvSpPr>
           <p:spPr>
             <a:xfrm>
-              <a:off x="2023549" y="4393293"/>
-              <a:ext cx="6913543" cy="0"/>
-            </a:xfrm>
-            <a:custGeom>
-              <a:avLst/>
-              <a:pathLst>
-                <a:path w="6913543" h="0">
-                  <a:moveTo>
-                    <a:pt x="0" y="0"/>
-                  </a:moveTo>
-                  <a:lnTo>
-                    <a:pt x="6913543" y="0"/>
-                  </a:lnTo>
-                  <a:lnTo>
-                    <a:pt x="6913543" y="0"/>
-                  </a:lnTo>
-                </a:path>
-              </a:pathLst>
-            </a:custGeom>
-            <a:ln w="6775" cap="flat">
-              <a:solidFill>
-                <a:srgbClr val="DEDEDE">
+              <a:off x="2179881" y="4190997"/>
+              <a:ext cx="1295770" cy="0"/>
+            </a:xfrm>
+            <a:custGeom>
+              <a:avLst/>
+              <a:pathLst>
+                <a:path w="1295770" h="0">
+                  <a:moveTo>
+                    <a:pt x="0" y="0"/>
+                  </a:moveTo>
+                  <a:lnTo>
+                    <a:pt x="1295770" y="0"/>
+                  </a:lnTo>
+                  <a:lnTo>
+                    <a:pt x="1295770" y="0"/>
+                  </a:lnTo>
+                </a:path>
+              </a:pathLst>
+            </a:custGeom>
+            <a:ln w="13550" cap="flat">
+              <a:solidFill>
+                <a:srgbClr val="EBEBEB">
                   <a:alpha val="100000"/>
                 </a:srgbClr>
               </a:solidFill>
@@ -3476,28 +3476,28 @@
           </p:nvSpPr>
           <p:spPr>
             <a:xfrm>
-              <a:off x="2023549" y="3614772"/>
-              <a:ext cx="6913543" cy="0"/>
-            </a:xfrm>
-            <a:custGeom>
-              <a:avLst/>
-              <a:pathLst>
-                <a:path w="6913543" h="0">
-                  <a:moveTo>
-                    <a:pt x="0" y="0"/>
-                  </a:moveTo>
-                  <a:lnTo>
-                    <a:pt x="6913543" y="0"/>
-                  </a:lnTo>
-                  <a:lnTo>
-                    <a:pt x="6913543" y="0"/>
-                  </a:lnTo>
-                </a:path>
-              </a:pathLst>
-            </a:custGeom>
-            <a:ln w="6775" cap="flat">
-              <a:solidFill>
-                <a:srgbClr val="DEDEDE">
+              <a:off x="2179881" y="3474874"/>
+              <a:ext cx="1295770" cy="0"/>
+            </a:xfrm>
+            <a:custGeom>
+              <a:avLst/>
+              <a:pathLst>
+                <a:path w="1295770" h="0">
+                  <a:moveTo>
+                    <a:pt x="0" y="0"/>
+                  </a:moveTo>
+                  <a:lnTo>
+                    <a:pt x="1295770" y="0"/>
+                  </a:lnTo>
+                  <a:lnTo>
+                    <a:pt x="1295770" y="0"/>
+                  </a:lnTo>
+                </a:path>
+              </a:pathLst>
+            </a:custGeom>
+            <a:ln w="13550" cap="flat">
+              <a:solidFill>
+                <a:srgbClr val="EBEBEB">
                   <a:alpha val="100000"/>
                 </a:srgbClr>
               </a:solidFill>
@@ -3519,28 +3519,28 @@
           </p:nvSpPr>
           <p:spPr>
             <a:xfrm>
-              <a:off x="2023549" y="2836251"/>
-              <a:ext cx="6913543" cy="0"/>
-            </a:xfrm>
-            <a:custGeom>
-              <a:avLst/>
-              <a:pathLst>
-                <a:path w="6913543" h="0">
-                  <a:moveTo>
-                    <a:pt x="0" y="0"/>
-                  </a:moveTo>
-                  <a:lnTo>
-                    <a:pt x="6913543" y="0"/>
-                  </a:lnTo>
-                  <a:lnTo>
-                    <a:pt x="6913543" y="0"/>
-                  </a:lnTo>
-                </a:path>
-              </a:pathLst>
-            </a:custGeom>
-            <a:ln w="6775" cap="flat">
-              <a:solidFill>
-                <a:srgbClr val="DEDEDE">
+              <a:off x="2179881" y="2758751"/>
+              <a:ext cx="1295770" cy="0"/>
+            </a:xfrm>
+            <a:custGeom>
+              <a:avLst/>
+              <a:pathLst>
+                <a:path w="1295770" h="0">
+                  <a:moveTo>
+                    <a:pt x="0" y="0"/>
+                  </a:moveTo>
+                  <a:lnTo>
+                    <a:pt x="1295770" y="0"/>
+                  </a:lnTo>
+                  <a:lnTo>
+                    <a:pt x="1295770" y="0"/>
+                  </a:lnTo>
+                </a:path>
+              </a:pathLst>
+            </a:custGeom>
+            <a:ln w="13550" cap="flat">
+              <a:solidFill>
+                <a:srgbClr val="EBEBEB">
                   <a:alpha val="100000"/>
                 </a:srgbClr>
               </a:solidFill>
@@ -3562,28 +3562,28 @@
           </p:nvSpPr>
           <p:spPr>
             <a:xfrm>
-              <a:off x="2023549" y="2057730"/>
-              <a:ext cx="6913543" cy="0"/>
-            </a:xfrm>
-            <a:custGeom>
-              <a:avLst/>
-              <a:pathLst>
-                <a:path w="6913543" h="0">
-                  <a:moveTo>
-                    <a:pt x="0" y="0"/>
-                  </a:moveTo>
-                  <a:lnTo>
-                    <a:pt x="6913543" y="0"/>
-                  </a:lnTo>
-                  <a:lnTo>
-                    <a:pt x="6913543" y="0"/>
-                  </a:lnTo>
-                </a:path>
-              </a:pathLst>
-            </a:custGeom>
-            <a:ln w="6775" cap="flat">
-              <a:solidFill>
-                <a:srgbClr val="DEDEDE">
+              <a:off x="2179881" y="2042629"/>
+              <a:ext cx="1295770" cy="0"/>
+            </a:xfrm>
+            <a:custGeom>
+              <a:avLst/>
+              <a:pathLst>
+                <a:path w="1295770" h="0">
+                  <a:moveTo>
+                    <a:pt x="0" y="0"/>
+                  </a:moveTo>
+                  <a:lnTo>
+                    <a:pt x="1295770" y="0"/>
+                  </a:lnTo>
+                  <a:lnTo>
+                    <a:pt x="1295770" y="0"/>
+                  </a:lnTo>
+                </a:path>
+              </a:pathLst>
+            </a:custGeom>
+            <a:ln w="13550" cap="flat">
+              <a:solidFill>
+                <a:srgbClr val="EBEBEB">
                   <a:alpha val="100000"/>
                 </a:srgbClr>
               </a:solidFill>
@@ -3605,28 +3605,28 @@
           </p:nvSpPr>
           <p:spPr>
             <a:xfrm>
-              <a:off x="2023549" y="1590617"/>
-              <a:ext cx="0" cy="4048310"/>
-            </a:xfrm>
-            <a:custGeom>
-              <a:avLst/>
-              <a:pathLst>
-                <a:path w="0" h="4048310">
-                  <a:moveTo>
-                    <a:pt x="0" y="4048310"/>
-                  </a:moveTo>
-                  <a:lnTo>
-                    <a:pt x="0" y="0"/>
-                  </a:lnTo>
-                  <a:lnTo>
-                    <a:pt x="0" y="0"/>
-                  </a:lnTo>
-                </a:path>
-              </a:pathLst>
-            </a:custGeom>
-            <a:ln w="6775" cap="flat">
-              <a:solidFill>
-                <a:srgbClr val="DEDEDE">
+              <a:off x="2274694" y="1809173"/>
+              <a:ext cx="0" cy="3245468"/>
+            </a:xfrm>
+            <a:custGeom>
+              <a:avLst/>
+              <a:pathLst>
+                <a:path w="0" h="3245468">
+                  <a:moveTo>
+                    <a:pt x="0" y="3245468"/>
+                  </a:moveTo>
+                  <a:lnTo>
+                    <a:pt x="0" y="0"/>
+                  </a:lnTo>
+                  <a:lnTo>
+                    <a:pt x="0" y="0"/>
+                  </a:lnTo>
+                </a:path>
+              </a:pathLst>
+            </a:custGeom>
+            <a:ln w="13550" cap="flat">
+              <a:solidFill>
+                <a:srgbClr val="EBEBEB">
                   <a:alpha val="100000"/>
                 </a:srgbClr>
               </a:solidFill>
@@ -3648,28 +3648,28 @@
           </p:nvSpPr>
           <p:spPr>
             <a:xfrm>
-              <a:off x="3641978" y="1590617"/>
-              <a:ext cx="0" cy="4048310"/>
-            </a:xfrm>
-            <a:custGeom>
-              <a:avLst/>
-              <a:pathLst>
-                <a:path w="0" h="4048310">
-                  <a:moveTo>
-                    <a:pt x="0" y="4048310"/>
-                  </a:moveTo>
-                  <a:lnTo>
-                    <a:pt x="0" y="0"/>
-                  </a:lnTo>
-                  <a:lnTo>
-                    <a:pt x="0" y="0"/>
-                  </a:lnTo>
-                </a:path>
-              </a:pathLst>
-            </a:custGeom>
-            <a:ln w="6775" cap="flat">
-              <a:solidFill>
-                <a:srgbClr val="DEDEDE">
+              <a:off x="2432715" y="1809173"/>
+              <a:ext cx="0" cy="3245468"/>
+            </a:xfrm>
+            <a:custGeom>
+              <a:avLst/>
+              <a:pathLst>
+                <a:path w="0" h="3245468">
+                  <a:moveTo>
+                    <a:pt x="0" y="3245468"/>
+                  </a:moveTo>
+                  <a:lnTo>
+                    <a:pt x="0" y="0"/>
+                  </a:lnTo>
+                  <a:lnTo>
+                    <a:pt x="0" y="0"/>
+                  </a:lnTo>
+                </a:path>
+              </a:pathLst>
+            </a:custGeom>
+            <a:ln w="13550" cap="flat">
+              <a:solidFill>
+                <a:srgbClr val="EBEBEB">
                   <a:alpha val="100000"/>
                 </a:srgbClr>
               </a:solidFill>
@@ -3691,28 +3691,28 @@
           </p:nvSpPr>
           <p:spPr>
             <a:xfrm>
-              <a:off x="5260408" y="1590617"/>
-              <a:ext cx="0" cy="4048310"/>
-            </a:xfrm>
-            <a:custGeom>
-              <a:avLst/>
-              <a:pathLst>
-                <a:path w="0" h="4048310">
-                  <a:moveTo>
-                    <a:pt x="0" y="4048310"/>
-                  </a:moveTo>
-                  <a:lnTo>
-                    <a:pt x="0" y="0"/>
-                  </a:lnTo>
-                  <a:lnTo>
-                    <a:pt x="0" y="0"/>
-                  </a:lnTo>
-                </a:path>
-              </a:pathLst>
-            </a:custGeom>
-            <a:ln w="6775" cap="flat">
-              <a:solidFill>
-                <a:srgbClr val="DEDEDE">
+              <a:off x="2590735" y="1809173"/>
+              <a:ext cx="0" cy="3245468"/>
+            </a:xfrm>
+            <a:custGeom>
+              <a:avLst/>
+              <a:pathLst>
+                <a:path w="0" h="3245468">
+                  <a:moveTo>
+                    <a:pt x="0" y="3245468"/>
+                  </a:moveTo>
+                  <a:lnTo>
+                    <a:pt x="0" y="0"/>
+                  </a:lnTo>
+                  <a:lnTo>
+                    <a:pt x="0" y="0"/>
+                  </a:lnTo>
+                </a:path>
+              </a:pathLst>
+            </a:custGeom>
+            <a:ln w="13550" cap="flat">
+              <a:solidFill>
+                <a:srgbClr val="EBEBEB">
                   <a:alpha val="100000"/>
                 </a:srgbClr>
               </a:solidFill>
@@ -3734,28 +3734,28 @@
           </p:nvSpPr>
           <p:spPr>
             <a:xfrm>
-              <a:off x="6878838" y="1590617"/>
-              <a:ext cx="0" cy="4048310"/>
-            </a:xfrm>
-            <a:custGeom>
-              <a:avLst/>
-              <a:pathLst>
-                <a:path w="0" h="4048310">
-                  <a:moveTo>
-                    <a:pt x="0" y="4048310"/>
-                  </a:moveTo>
-                  <a:lnTo>
-                    <a:pt x="0" y="0"/>
-                  </a:lnTo>
-                  <a:lnTo>
-                    <a:pt x="0" y="0"/>
-                  </a:lnTo>
-                </a:path>
-              </a:pathLst>
-            </a:custGeom>
-            <a:ln w="6775" cap="flat">
-              <a:solidFill>
-                <a:srgbClr val="DEDEDE">
+              <a:off x="2748756" y="1809173"/>
+              <a:ext cx="0" cy="3245468"/>
+            </a:xfrm>
+            <a:custGeom>
+              <a:avLst/>
+              <a:pathLst>
+                <a:path w="0" h="3245468">
+                  <a:moveTo>
+                    <a:pt x="0" y="3245468"/>
+                  </a:moveTo>
+                  <a:lnTo>
+                    <a:pt x="0" y="0"/>
+                  </a:lnTo>
+                  <a:lnTo>
+                    <a:pt x="0" y="0"/>
+                  </a:lnTo>
+                </a:path>
+              </a:pathLst>
+            </a:custGeom>
+            <a:ln w="13550" cap="flat">
+              <a:solidFill>
+                <a:srgbClr val="EBEBEB">
                   <a:alpha val="100000"/>
                 </a:srgbClr>
               </a:solidFill>
@@ -3777,57 +3777,186 @@
           </p:nvSpPr>
           <p:spPr>
             <a:xfrm>
-              <a:off x="8497268" y="1590617"/>
-              <a:ext cx="0" cy="4048310"/>
-            </a:xfrm>
-            <a:custGeom>
-              <a:avLst/>
-              <a:pathLst>
-                <a:path w="0" h="4048310">
-                  <a:moveTo>
-                    <a:pt x="0" y="4048310"/>
-                  </a:moveTo>
-                  <a:lnTo>
-                    <a:pt x="0" y="0"/>
-                  </a:lnTo>
-                  <a:lnTo>
-                    <a:pt x="0" y="0"/>
-                  </a:lnTo>
-                </a:path>
-              </a:pathLst>
-            </a:custGeom>
-            <a:ln w="6775" cap="flat">
-              <a:solidFill>
-                <a:srgbClr val="DEDEDE">
-                  <a:alpha val="100000"/>
-                </a:srgbClr>
-              </a:solidFill>
-              <a:prstDash val="solid"/>
-              <a:round/>
-            </a:ln>
-          </p:spPr>
-          <p:txBody>
-            <a:bodyPr/>
-            <a:lstStyle/>
-            <a:p/>
-          </p:txBody>
-        </p:sp>
-        <p:sp>
-          <p:nvSpPr>
-            <p:cNvPr id="20" name="rc20"/>
-            <p:cNvSpPr/>
-            <p:nvPr/>
-          </p:nvSpPr>
-          <p:spPr>
-            <a:xfrm>
-              <a:off x="2023549" y="1707395"/>
-              <a:ext cx="6777983" cy="700669"/>
+              <a:off x="2906777" y="1809173"/>
+              <a:ext cx="0" cy="3245468"/>
+            </a:xfrm>
+            <a:custGeom>
+              <a:avLst/>
+              <a:pathLst>
+                <a:path w="0" h="3245468">
+                  <a:moveTo>
+                    <a:pt x="0" y="3245468"/>
+                  </a:moveTo>
+                  <a:lnTo>
+                    <a:pt x="0" y="0"/>
+                  </a:lnTo>
+                  <a:lnTo>
+                    <a:pt x="0" y="0"/>
+                  </a:lnTo>
+                </a:path>
+              </a:pathLst>
+            </a:custGeom>
+            <a:ln w="13550" cap="flat">
+              <a:solidFill>
+                <a:srgbClr val="EBEBEB">
+                  <a:alpha val="100000"/>
+                </a:srgbClr>
+              </a:solidFill>
+              <a:prstDash val="solid"/>
+              <a:round/>
+            </a:ln>
+          </p:spPr>
+          <p:txBody>
+            <a:bodyPr/>
+            <a:lstStyle/>
+            <a:p/>
+          </p:txBody>
+        </p:sp>
+        <p:sp>
+          <p:nvSpPr>
+            <p:cNvPr id="20" name="pl20"/>
+            <p:cNvSpPr/>
+            <p:nvPr/>
+          </p:nvSpPr>
+          <p:spPr>
+            <a:xfrm>
+              <a:off x="3064798" y="1809173"/>
+              <a:ext cx="0" cy="3245468"/>
+            </a:xfrm>
+            <a:custGeom>
+              <a:avLst/>
+              <a:pathLst>
+                <a:path w="0" h="3245468">
+                  <a:moveTo>
+                    <a:pt x="0" y="3245468"/>
+                  </a:moveTo>
+                  <a:lnTo>
+                    <a:pt x="0" y="0"/>
+                  </a:lnTo>
+                  <a:lnTo>
+                    <a:pt x="0" y="0"/>
+                  </a:lnTo>
+                </a:path>
+              </a:pathLst>
+            </a:custGeom>
+            <a:ln w="13550" cap="flat">
+              <a:solidFill>
+                <a:srgbClr val="EBEBEB">
+                  <a:alpha val="100000"/>
+                </a:srgbClr>
+              </a:solidFill>
+              <a:prstDash val="solid"/>
+              <a:round/>
+            </a:ln>
+          </p:spPr>
+          <p:txBody>
+            <a:bodyPr/>
+            <a:lstStyle/>
+            <a:p/>
+          </p:txBody>
+        </p:sp>
+        <p:sp>
+          <p:nvSpPr>
+            <p:cNvPr id="21" name="pl21"/>
+            <p:cNvSpPr/>
+            <p:nvPr/>
+          </p:nvSpPr>
+          <p:spPr>
+            <a:xfrm>
+              <a:off x="3222819" y="1809173"/>
+              <a:ext cx="0" cy="3245468"/>
+            </a:xfrm>
+            <a:custGeom>
+              <a:avLst/>
+              <a:pathLst>
+                <a:path w="0" h="3245468">
+                  <a:moveTo>
+                    <a:pt x="0" y="3245468"/>
+                  </a:moveTo>
+                  <a:lnTo>
+                    <a:pt x="0" y="0"/>
+                  </a:lnTo>
+                  <a:lnTo>
+                    <a:pt x="0" y="0"/>
+                  </a:lnTo>
+                </a:path>
+              </a:pathLst>
+            </a:custGeom>
+            <a:ln w="13550" cap="flat">
+              <a:solidFill>
+                <a:srgbClr val="EBEBEB">
+                  <a:alpha val="100000"/>
+                </a:srgbClr>
+              </a:solidFill>
+              <a:prstDash val="solid"/>
+              <a:round/>
+            </a:ln>
+          </p:spPr>
+          <p:txBody>
+            <a:bodyPr/>
+            <a:lstStyle/>
+            <a:p/>
+          </p:txBody>
+        </p:sp>
+        <p:sp>
+          <p:nvSpPr>
+            <p:cNvPr id="22" name="pl22"/>
+            <p:cNvSpPr/>
+            <p:nvPr/>
+          </p:nvSpPr>
+          <p:spPr>
+            <a:xfrm>
+              <a:off x="3380840" y="1809173"/>
+              <a:ext cx="0" cy="3245468"/>
+            </a:xfrm>
+            <a:custGeom>
+              <a:avLst/>
+              <a:pathLst>
+                <a:path w="0" h="3245468">
+                  <a:moveTo>
+                    <a:pt x="0" y="3245468"/>
+                  </a:moveTo>
+                  <a:lnTo>
+                    <a:pt x="0" y="0"/>
+                  </a:lnTo>
+                  <a:lnTo>
+                    <a:pt x="0" y="0"/>
+                  </a:lnTo>
+                </a:path>
+              </a:pathLst>
+            </a:custGeom>
+            <a:ln w="13550" cap="flat">
+              <a:solidFill>
+                <a:srgbClr val="EBEBEB">
+                  <a:alpha val="100000"/>
+                </a:srgbClr>
+              </a:solidFill>
+              <a:prstDash val="solid"/>
+              <a:round/>
+            </a:ln>
+          </p:spPr>
+          <p:txBody>
+            <a:bodyPr/>
+            <a:lstStyle/>
+            <a:p/>
+          </p:txBody>
+        </p:sp>
+        <p:sp>
+          <p:nvSpPr>
+            <p:cNvPr id="23" name="rc23"/>
+            <p:cNvSpPr/>
+            <p:nvPr/>
+          </p:nvSpPr>
+          <p:spPr>
+            <a:xfrm>
+              <a:off x="2203584" y="3990483"/>
+              <a:ext cx="142218" cy="916637"/>
             </a:xfrm>
             <a:prstGeom prst="rect">
               <a:avLst/>
             </a:prstGeom>
             <a:solidFill>
-              <a:srgbClr val="595959">
+              <a:srgbClr val="FFF5F0">
                 <a:alpha val="100000"/>
               </a:srgbClr>
             </a:solidFill>
@@ -3840,20 +3969,20 @@
         </p:sp>
         <p:sp>
           <p:nvSpPr>
-            <p:cNvPr id="21" name="rc21"/>
-            <p:cNvSpPr/>
-            <p:nvPr/>
-          </p:nvSpPr>
-          <p:spPr>
-            <a:xfrm>
-              <a:off x="2023549" y="2485916"/>
-              <a:ext cx="6169453" cy="700669"/>
+            <p:cNvPr id="24" name="rc24"/>
+            <p:cNvSpPr/>
+            <p:nvPr/>
+          </p:nvSpPr>
+          <p:spPr>
+            <a:xfrm>
+              <a:off x="2361605" y="4105062"/>
+              <a:ext cx="142218" cy="802057"/>
             </a:xfrm>
             <a:prstGeom prst="rect">
               <a:avLst/>
             </a:prstGeom>
             <a:solidFill>
-              <a:srgbClr val="595959">
+              <a:srgbClr val="FEE0D2">
                 <a:alpha val="100000"/>
               </a:srgbClr>
             </a:solidFill>
@@ -3866,20 +3995,20 @@
         </p:sp>
         <p:sp>
           <p:nvSpPr>
-            <p:cNvPr id="22" name="rc22"/>
-            <p:cNvSpPr/>
-            <p:nvPr/>
-          </p:nvSpPr>
-          <p:spPr>
-            <a:xfrm>
-              <a:off x="2023549" y="3264438"/>
-              <a:ext cx="4065495" cy="700669"/>
+            <p:cNvPr id="25" name="rc25"/>
+            <p:cNvSpPr/>
+            <p:nvPr/>
+          </p:nvSpPr>
+          <p:spPr>
+            <a:xfrm>
+              <a:off x="2519626" y="4019127"/>
+              <a:ext cx="142218" cy="887992"/>
             </a:xfrm>
             <a:prstGeom prst="rect">
               <a:avLst/>
             </a:prstGeom>
             <a:solidFill>
-              <a:srgbClr val="595959">
+              <a:srgbClr val="FCBBA1">
                 <a:alpha val="100000"/>
               </a:srgbClr>
             </a:solidFill>
@@ -3892,20 +4021,20 @@
         </p:sp>
         <p:sp>
           <p:nvSpPr>
-            <p:cNvPr id="23" name="rc23"/>
-            <p:cNvSpPr/>
-            <p:nvPr/>
-          </p:nvSpPr>
-          <p:spPr>
-            <a:xfrm>
-              <a:off x="2023549" y="4042959"/>
-              <a:ext cx="2317591" cy="700669"/>
+            <p:cNvPr id="26" name="rc26"/>
+            <p:cNvSpPr/>
+            <p:nvPr/>
+          </p:nvSpPr>
+          <p:spPr>
+            <a:xfrm>
+              <a:off x="2677647" y="3904548"/>
+              <a:ext cx="142218" cy="1002571"/>
             </a:xfrm>
             <a:prstGeom prst="rect">
               <a:avLst/>
             </a:prstGeom>
             <a:solidFill>
-              <a:srgbClr val="595959">
+              <a:srgbClr val="FC9272">
                 <a:alpha val="100000"/>
               </a:srgbClr>
             </a:solidFill>
@@ -3918,20 +4047,20 @@
         </p:sp>
         <p:sp>
           <p:nvSpPr>
-            <p:cNvPr id="24" name="rc24"/>
-            <p:cNvSpPr/>
-            <p:nvPr/>
-          </p:nvSpPr>
-          <p:spPr>
-            <a:xfrm>
-              <a:off x="2023549" y="4821480"/>
-              <a:ext cx="1482481" cy="700669"/>
+            <p:cNvPr id="27" name="rc27"/>
+            <p:cNvSpPr/>
+            <p:nvPr/>
+          </p:nvSpPr>
+          <p:spPr>
+            <a:xfrm>
+              <a:off x="2835668" y="2672817"/>
+              <a:ext cx="142218" cy="2234303"/>
             </a:xfrm>
             <a:prstGeom prst="rect">
               <a:avLst/>
             </a:prstGeom>
             <a:solidFill>
-              <a:srgbClr val="595959">
+              <a:srgbClr val="FB6A4A">
                 <a:alpha val="100000"/>
               </a:srgbClr>
             </a:solidFill>
@@ -3944,274 +4073,4137 @@
         </p:sp>
         <p:sp>
           <p:nvSpPr>
-            <p:cNvPr id="25" name="tx25"/>
-            <p:cNvSpPr/>
-            <p:nvPr/>
-          </p:nvSpPr>
-          <p:spPr>
-            <a:xfrm>
-              <a:off x="8431162" y="2001770"/>
-              <a:ext cx="237982" cy="79239"/>
+            <p:cNvPr id="28" name="rc28"/>
+            <p:cNvSpPr/>
+            <p:nvPr/>
+          </p:nvSpPr>
+          <p:spPr>
+            <a:xfrm>
+              <a:off x="2993689" y="3159780"/>
+              <a:ext cx="142218" cy="1747339"/>
             </a:xfrm>
             <a:prstGeom prst="rect">
               <a:avLst/>
             </a:prstGeom>
-            <a:noFill/>
-          </p:spPr>
-          <p:txBody>
-            <a:bodyPr lIns="0" rIns="0" tIns="0" bIns="0" anchorCtr="1" anchor="ctr" wrap="none"/>
-            <a:lstStyle/>
-            <a:p>
-              <a:pPr algn="l" marL="0" marR="0" indent="0">
-                <a:lnSpc>
-                  <a:spcPts val="853"/>
-                </a:lnSpc>
-                <a:spcBef>
-                  <a:spcPts val="0"/>
-                </a:spcBef>
-                <a:spcAft>
-                  <a:spcPts val="0"/>
-                </a:spcAft>
-              </a:pPr>
-              <a:r>
-                <a:rPr sz="853" b="1">
-                  <a:solidFill>
-                    <a:srgbClr val="FFFFFF">
-                      <a:alpha val="100000"/>
-                    </a:srgbClr>
-                  </a:solidFill>
-                  <a:latin typeface="Arial"/>
-                  <a:cs typeface="Arial"/>
-                </a:rPr>
-                <a:t>2-5个</a:t>
-              </a:r>
-            </a:p>
-          </p:txBody>
-        </p:sp>
-        <p:sp>
-          <p:nvSpPr>
-            <p:cNvPr id="26" name="tx26"/>
-            <p:cNvSpPr/>
-            <p:nvPr/>
-          </p:nvSpPr>
-          <p:spPr>
-            <a:xfrm>
-              <a:off x="7762343" y="2780291"/>
-              <a:ext cx="298272" cy="79239"/>
+            <a:solidFill>
+              <a:srgbClr val="EF3B2C">
+                <a:alpha val="100000"/>
+              </a:srgbClr>
+            </a:solidFill>
+          </p:spPr>
+          <p:txBody>
+            <a:bodyPr/>
+            <a:lstStyle/>
+            <a:p/>
+          </p:txBody>
+        </p:sp>
+        <p:sp>
+          <p:nvSpPr>
+            <p:cNvPr id="29" name="rc29"/>
+            <p:cNvSpPr/>
+            <p:nvPr/>
+          </p:nvSpPr>
+          <p:spPr>
+            <a:xfrm>
+              <a:off x="3151709" y="1956694"/>
+              <a:ext cx="142218" cy="2950425"/>
             </a:xfrm>
             <a:prstGeom prst="rect">
               <a:avLst/>
             </a:prstGeom>
-            <a:noFill/>
-          </p:spPr>
-          <p:txBody>
-            <a:bodyPr lIns="0" rIns="0" tIns="0" bIns="0" anchorCtr="1" anchor="ctr" wrap="none"/>
-            <a:lstStyle/>
-            <a:p>
-              <a:pPr algn="l" marL="0" marR="0" indent="0">
-                <a:lnSpc>
-                  <a:spcPts val="853"/>
-                </a:lnSpc>
-                <a:spcBef>
-                  <a:spcPts val="0"/>
-                </a:spcBef>
-                <a:spcAft>
-                  <a:spcPts val="0"/>
-                </a:spcAft>
-              </a:pPr>
-              <a:r>
-                <a:rPr sz="853" b="1">
-                  <a:solidFill>
-                    <a:srgbClr val="FFFFFF">
-                      <a:alpha val="100000"/>
-                    </a:srgbClr>
-                  </a:solidFill>
-                  <a:latin typeface="Arial"/>
-                  <a:cs typeface="Arial"/>
-                </a:rPr>
-                <a:t>6-10个</a:t>
-              </a:r>
-            </a:p>
-          </p:txBody>
-        </p:sp>
-        <p:sp>
-          <p:nvSpPr>
-            <p:cNvPr id="27" name="tx27"/>
-            <p:cNvSpPr/>
-            <p:nvPr/>
-          </p:nvSpPr>
-          <p:spPr>
-            <a:xfrm>
-              <a:off x="5062315" y="3570299"/>
-              <a:ext cx="894341" cy="67753"/>
+            <a:solidFill>
+              <a:srgbClr val="CB181D">
+                <a:alpha val="100000"/>
+              </a:srgbClr>
+            </a:solidFill>
+          </p:spPr>
+          <p:txBody>
+            <a:bodyPr/>
+            <a:lstStyle/>
+            <a:p/>
+          </p:txBody>
+        </p:sp>
+        <p:sp>
+          <p:nvSpPr>
+            <p:cNvPr id="30" name="rc30"/>
+            <p:cNvSpPr/>
+            <p:nvPr/>
+          </p:nvSpPr>
+          <p:spPr>
+            <a:xfrm>
+              <a:off x="3309730" y="2844686"/>
+              <a:ext cx="142218" cy="2062433"/>
             </a:xfrm>
             <a:prstGeom prst="rect">
               <a:avLst/>
             </a:prstGeom>
-            <a:noFill/>
-          </p:spPr>
-          <p:txBody>
-            <a:bodyPr lIns="0" rIns="0" tIns="0" bIns="0" anchorCtr="1" anchor="ctr" wrap="none"/>
-            <a:lstStyle/>
-            <a:p>
-              <a:pPr algn="l" marL="0" marR="0" indent="0">
-                <a:lnSpc>
-                  <a:spcPts val="853"/>
-                </a:lnSpc>
-                <a:spcBef>
-                  <a:spcPts val="0"/>
-                </a:spcBef>
-                <a:spcAft>
-                  <a:spcPts val="0"/>
-                </a:spcAft>
-              </a:pPr>
-              <a:r>
-                <a:rPr sz="853" b="1">
-                  <a:solidFill>
-                    <a:srgbClr val="FFFFFF">
-                      <a:alpha val="100000"/>
-                    </a:srgbClr>
-                  </a:solidFill>
-                  <a:latin typeface="Arial"/>
-                  <a:cs typeface="Arial"/>
-                </a:rPr>
-                <a:t>还真没有注意过这个问题</a:t>
-              </a:r>
-            </a:p>
-          </p:txBody>
-        </p:sp>
-        <p:sp>
-          <p:nvSpPr>
-            <p:cNvPr id="28" name="tx28"/>
-            <p:cNvSpPr/>
-            <p:nvPr/>
-          </p:nvSpPr>
-          <p:spPr>
-            <a:xfrm>
-              <a:off x="4473528" y="4364339"/>
-              <a:ext cx="325215" cy="67753"/>
-            </a:xfrm>
-            <a:prstGeom prst="rect">
-              <a:avLst/>
-            </a:prstGeom>
-            <a:noFill/>
-          </p:spPr>
-          <p:txBody>
-            <a:bodyPr lIns="0" rIns="0" tIns="0" bIns="0" anchorCtr="1" anchor="ctr" wrap="none"/>
-            <a:lstStyle/>
-            <a:p>
-              <a:pPr algn="l" marL="0" marR="0" indent="0">
-                <a:lnSpc>
-                  <a:spcPts val="853"/>
-                </a:lnSpc>
-                <a:spcBef>
-                  <a:spcPts val="0"/>
-                </a:spcBef>
-                <a:spcAft>
-                  <a:spcPts val="0"/>
-                </a:spcAft>
-              </a:pPr>
-              <a:r>
-                <a:rPr sz="853">
-                  <a:solidFill>
-                    <a:srgbClr val="000000">
-                      <a:alpha val="100000"/>
-                    </a:srgbClr>
-                  </a:solidFill>
-                  <a:latin typeface="Arial"/>
-                  <a:cs typeface="Arial"/>
-                </a:rPr>
-                <a:t>单一菌株</a:t>
-              </a:r>
-            </a:p>
-          </p:txBody>
-        </p:sp>
-        <p:sp>
-          <p:nvSpPr>
-            <p:cNvPr id="29" name="tx29"/>
-            <p:cNvSpPr/>
-            <p:nvPr/>
-          </p:nvSpPr>
-          <p:spPr>
-            <a:xfrm>
-              <a:off x="3638418" y="5131375"/>
-              <a:ext cx="261378" cy="79239"/>
-            </a:xfrm>
-            <a:prstGeom prst="rect">
-              <a:avLst/>
-            </a:prstGeom>
-            <a:noFill/>
-          </p:spPr>
-          <p:txBody>
-            <a:bodyPr lIns="0" rIns="0" tIns="0" bIns="0" anchorCtr="1" anchor="ctr" wrap="none"/>
-            <a:lstStyle/>
-            <a:p>
-              <a:pPr algn="l" marL="0" marR="0" indent="0">
-                <a:lnSpc>
-                  <a:spcPts val="853"/>
-                </a:lnSpc>
-                <a:spcBef>
-                  <a:spcPts val="0"/>
-                </a:spcBef>
-                <a:spcAft>
-                  <a:spcPts val="0"/>
-                </a:spcAft>
-              </a:pPr>
-              <a:r>
-                <a:rPr sz="853">
-                  <a:solidFill>
-                    <a:srgbClr val="000000">
-                      <a:alpha val="100000"/>
-                    </a:srgbClr>
-                  </a:solidFill>
-                  <a:latin typeface="Arial"/>
-                  <a:cs typeface="Arial"/>
-                </a:rPr>
-                <a:t>≥10个</a:t>
-              </a:r>
-            </a:p>
-          </p:txBody>
-        </p:sp>
-        <p:sp>
-          <p:nvSpPr>
-            <p:cNvPr id="30" name="rc30"/>
-            <p:cNvSpPr/>
-            <p:nvPr/>
-          </p:nvSpPr>
-          <p:spPr>
-            <a:xfrm>
-              <a:off x="2023549" y="1590617"/>
-              <a:ext cx="6913543" cy="4048310"/>
+            <a:solidFill>
+              <a:srgbClr val="99000D">
+                <a:alpha val="100000"/>
+              </a:srgbClr>
+            </a:solidFill>
+          </p:spPr>
+          <p:txBody>
+            <a:bodyPr/>
+            <a:lstStyle/>
+            <a:p/>
+          </p:txBody>
+        </p:sp>
+        <p:sp>
+          <p:nvSpPr>
+            <p:cNvPr id="31" name="rc31"/>
+            <p:cNvSpPr/>
+            <p:nvPr/>
+          </p:nvSpPr>
+          <p:spPr>
+            <a:xfrm>
+              <a:off x="2179881" y="1809173"/>
+              <a:ext cx="1295770" cy="3245468"/>
             </a:xfrm>
             <a:prstGeom prst="rect">
               <a:avLst/>
             </a:prstGeom>
             <a:ln w="13550" cap="rnd">
               <a:solidFill>
-                <a:srgbClr val="B3B3B3">
-                  <a:alpha val="100000"/>
-                </a:srgbClr>
-              </a:solidFill>
-              <a:prstDash val="solid"/>
-              <a:round/>
-            </a:ln>
-          </p:spPr>
-          <p:txBody>
-            <a:bodyPr/>
-            <a:lstStyle/>
-            <a:p/>
-          </p:txBody>
-        </p:sp>
-        <p:sp>
-          <p:nvSpPr>
-            <p:cNvPr id="31" name="tx31"/>
-            <p:cNvSpPr/>
-            <p:nvPr/>
-          </p:nvSpPr>
-          <p:spPr>
-            <a:xfrm>
-              <a:off x="1926599" y="5131542"/>
-              <a:ext cx="62155" cy="80272"/>
+                <a:srgbClr val="333333">
+                  <a:alpha val="100000"/>
+                </a:srgbClr>
+              </a:solidFill>
+              <a:prstDash val="solid"/>
+              <a:round/>
+            </a:ln>
+          </p:spPr>
+          <p:txBody>
+            <a:bodyPr/>
+            <a:lstStyle/>
+            <a:p/>
+          </p:txBody>
+        </p:sp>
+        <p:sp>
+          <p:nvSpPr>
+            <p:cNvPr id="32" name="rc32"/>
+            <p:cNvSpPr/>
+            <p:nvPr/>
+          </p:nvSpPr>
+          <p:spPr>
+            <a:xfrm>
+              <a:off x="3545241" y="1809173"/>
+              <a:ext cx="1295770" cy="3245468"/>
+            </a:xfrm>
+            <a:prstGeom prst="rect">
+              <a:avLst/>
+            </a:prstGeom>
+            <a:solidFill>
+              <a:srgbClr val="FFFFFF">
+                <a:alpha val="100000"/>
+              </a:srgbClr>
+            </a:solidFill>
+          </p:spPr>
+          <p:txBody>
+            <a:bodyPr/>
+            <a:lstStyle/>
+            <a:p/>
+          </p:txBody>
+        </p:sp>
+        <p:sp>
+          <p:nvSpPr>
+            <p:cNvPr id="33" name="pl33"/>
+            <p:cNvSpPr/>
+            <p:nvPr/>
+          </p:nvSpPr>
+          <p:spPr>
+            <a:xfrm>
+              <a:off x="3545241" y="4549058"/>
+              <a:ext cx="1295770" cy="0"/>
+            </a:xfrm>
+            <a:custGeom>
+              <a:avLst/>
+              <a:pathLst>
+                <a:path w="1295770" h="0">
+                  <a:moveTo>
+                    <a:pt x="0" y="0"/>
+                  </a:moveTo>
+                  <a:lnTo>
+                    <a:pt x="1295770" y="0"/>
+                  </a:lnTo>
+                  <a:lnTo>
+                    <a:pt x="1295770" y="0"/>
+                  </a:lnTo>
+                </a:path>
+              </a:pathLst>
+            </a:custGeom>
+            <a:ln w="6775" cap="flat">
+              <a:solidFill>
+                <a:srgbClr val="EBEBEB">
+                  <a:alpha val="100000"/>
+                </a:srgbClr>
+              </a:solidFill>
+              <a:prstDash val="solid"/>
+              <a:round/>
+            </a:ln>
+          </p:spPr>
+          <p:txBody>
+            <a:bodyPr/>
+            <a:lstStyle/>
+            <a:p/>
+          </p:txBody>
+        </p:sp>
+        <p:sp>
+          <p:nvSpPr>
+            <p:cNvPr id="34" name="pl34"/>
+            <p:cNvSpPr/>
+            <p:nvPr/>
+          </p:nvSpPr>
+          <p:spPr>
+            <a:xfrm>
+              <a:off x="3545241" y="3832936"/>
+              <a:ext cx="1295770" cy="0"/>
+            </a:xfrm>
+            <a:custGeom>
+              <a:avLst/>
+              <a:pathLst>
+                <a:path w="1295770" h="0">
+                  <a:moveTo>
+                    <a:pt x="0" y="0"/>
+                  </a:moveTo>
+                  <a:lnTo>
+                    <a:pt x="1295770" y="0"/>
+                  </a:lnTo>
+                  <a:lnTo>
+                    <a:pt x="1295770" y="0"/>
+                  </a:lnTo>
+                </a:path>
+              </a:pathLst>
+            </a:custGeom>
+            <a:ln w="6775" cap="flat">
+              <a:solidFill>
+                <a:srgbClr val="EBEBEB">
+                  <a:alpha val="100000"/>
+                </a:srgbClr>
+              </a:solidFill>
+              <a:prstDash val="solid"/>
+              <a:round/>
+            </a:ln>
+          </p:spPr>
+          <p:txBody>
+            <a:bodyPr/>
+            <a:lstStyle/>
+            <a:p/>
+          </p:txBody>
+        </p:sp>
+        <p:sp>
+          <p:nvSpPr>
+            <p:cNvPr id="35" name="pl35"/>
+            <p:cNvSpPr/>
+            <p:nvPr/>
+          </p:nvSpPr>
+          <p:spPr>
+            <a:xfrm>
+              <a:off x="3545241" y="3116813"/>
+              <a:ext cx="1295770" cy="0"/>
+            </a:xfrm>
+            <a:custGeom>
+              <a:avLst/>
+              <a:pathLst>
+                <a:path w="1295770" h="0">
+                  <a:moveTo>
+                    <a:pt x="0" y="0"/>
+                  </a:moveTo>
+                  <a:lnTo>
+                    <a:pt x="1295770" y="0"/>
+                  </a:lnTo>
+                  <a:lnTo>
+                    <a:pt x="1295770" y="0"/>
+                  </a:lnTo>
+                </a:path>
+              </a:pathLst>
+            </a:custGeom>
+            <a:ln w="6775" cap="flat">
+              <a:solidFill>
+                <a:srgbClr val="EBEBEB">
+                  <a:alpha val="100000"/>
+                </a:srgbClr>
+              </a:solidFill>
+              <a:prstDash val="solid"/>
+              <a:round/>
+            </a:ln>
+          </p:spPr>
+          <p:txBody>
+            <a:bodyPr/>
+            <a:lstStyle/>
+            <a:p/>
+          </p:txBody>
+        </p:sp>
+        <p:sp>
+          <p:nvSpPr>
+            <p:cNvPr id="36" name="pl36"/>
+            <p:cNvSpPr/>
+            <p:nvPr/>
+          </p:nvSpPr>
+          <p:spPr>
+            <a:xfrm>
+              <a:off x="3545241" y="2400690"/>
+              <a:ext cx="1295770" cy="0"/>
+            </a:xfrm>
+            <a:custGeom>
+              <a:avLst/>
+              <a:pathLst>
+                <a:path w="1295770" h="0">
+                  <a:moveTo>
+                    <a:pt x="0" y="0"/>
+                  </a:moveTo>
+                  <a:lnTo>
+                    <a:pt x="1295770" y="0"/>
+                  </a:lnTo>
+                  <a:lnTo>
+                    <a:pt x="1295770" y="0"/>
+                  </a:lnTo>
+                </a:path>
+              </a:pathLst>
+            </a:custGeom>
+            <a:ln w="6775" cap="flat">
+              <a:solidFill>
+                <a:srgbClr val="EBEBEB">
+                  <a:alpha val="100000"/>
+                </a:srgbClr>
+              </a:solidFill>
+              <a:prstDash val="solid"/>
+              <a:round/>
+            </a:ln>
+          </p:spPr>
+          <p:txBody>
+            <a:bodyPr/>
+            <a:lstStyle/>
+            <a:p/>
+          </p:txBody>
+        </p:sp>
+        <p:sp>
+          <p:nvSpPr>
+            <p:cNvPr id="37" name="pl37"/>
+            <p:cNvSpPr/>
+            <p:nvPr/>
+          </p:nvSpPr>
+          <p:spPr>
+            <a:xfrm>
+              <a:off x="3545241" y="4907120"/>
+              <a:ext cx="1295770" cy="0"/>
+            </a:xfrm>
+            <a:custGeom>
+              <a:avLst/>
+              <a:pathLst>
+                <a:path w="1295770" h="0">
+                  <a:moveTo>
+                    <a:pt x="0" y="0"/>
+                  </a:moveTo>
+                  <a:lnTo>
+                    <a:pt x="1295770" y="0"/>
+                  </a:lnTo>
+                  <a:lnTo>
+                    <a:pt x="1295770" y="0"/>
+                  </a:lnTo>
+                </a:path>
+              </a:pathLst>
+            </a:custGeom>
+            <a:ln w="13550" cap="flat">
+              <a:solidFill>
+                <a:srgbClr val="EBEBEB">
+                  <a:alpha val="100000"/>
+                </a:srgbClr>
+              </a:solidFill>
+              <a:prstDash val="solid"/>
+              <a:round/>
+            </a:ln>
+          </p:spPr>
+          <p:txBody>
+            <a:bodyPr/>
+            <a:lstStyle/>
+            <a:p/>
+          </p:txBody>
+        </p:sp>
+        <p:sp>
+          <p:nvSpPr>
+            <p:cNvPr id="38" name="pl38"/>
+            <p:cNvSpPr/>
+            <p:nvPr/>
+          </p:nvSpPr>
+          <p:spPr>
+            <a:xfrm>
+              <a:off x="3545241" y="4190997"/>
+              <a:ext cx="1295770" cy="0"/>
+            </a:xfrm>
+            <a:custGeom>
+              <a:avLst/>
+              <a:pathLst>
+                <a:path w="1295770" h="0">
+                  <a:moveTo>
+                    <a:pt x="0" y="0"/>
+                  </a:moveTo>
+                  <a:lnTo>
+                    <a:pt x="1295770" y="0"/>
+                  </a:lnTo>
+                  <a:lnTo>
+                    <a:pt x="1295770" y="0"/>
+                  </a:lnTo>
+                </a:path>
+              </a:pathLst>
+            </a:custGeom>
+            <a:ln w="13550" cap="flat">
+              <a:solidFill>
+                <a:srgbClr val="EBEBEB">
+                  <a:alpha val="100000"/>
+                </a:srgbClr>
+              </a:solidFill>
+              <a:prstDash val="solid"/>
+              <a:round/>
+            </a:ln>
+          </p:spPr>
+          <p:txBody>
+            <a:bodyPr/>
+            <a:lstStyle/>
+            <a:p/>
+          </p:txBody>
+        </p:sp>
+        <p:sp>
+          <p:nvSpPr>
+            <p:cNvPr id="39" name="pl39"/>
+            <p:cNvSpPr/>
+            <p:nvPr/>
+          </p:nvSpPr>
+          <p:spPr>
+            <a:xfrm>
+              <a:off x="3545241" y="3474874"/>
+              <a:ext cx="1295770" cy="0"/>
+            </a:xfrm>
+            <a:custGeom>
+              <a:avLst/>
+              <a:pathLst>
+                <a:path w="1295770" h="0">
+                  <a:moveTo>
+                    <a:pt x="0" y="0"/>
+                  </a:moveTo>
+                  <a:lnTo>
+                    <a:pt x="1295770" y="0"/>
+                  </a:lnTo>
+                  <a:lnTo>
+                    <a:pt x="1295770" y="0"/>
+                  </a:lnTo>
+                </a:path>
+              </a:pathLst>
+            </a:custGeom>
+            <a:ln w="13550" cap="flat">
+              <a:solidFill>
+                <a:srgbClr val="EBEBEB">
+                  <a:alpha val="100000"/>
+                </a:srgbClr>
+              </a:solidFill>
+              <a:prstDash val="solid"/>
+              <a:round/>
+            </a:ln>
+          </p:spPr>
+          <p:txBody>
+            <a:bodyPr/>
+            <a:lstStyle/>
+            <a:p/>
+          </p:txBody>
+        </p:sp>
+        <p:sp>
+          <p:nvSpPr>
+            <p:cNvPr id="40" name="pl40"/>
+            <p:cNvSpPr/>
+            <p:nvPr/>
+          </p:nvSpPr>
+          <p:spPr>
+            <a:xfrm>
+              <a:off x="3545241" y="2758751"/>
+              <a:ext cx="1295770" cy="0"/>
+            </a:xfrm>
+            <a:custGeom>
+              <a:avLst/>
+              <a:pathLst>
+                <a:path w="1295770" h="0">
+                  <a:moveTo>
+                    <a:pt x="0" y="0"/>
+                  </a:moveTo>
+                  <a:lnTo>
+                    <a:pt x="1295770" y="0"/>
+                  </a:lnTo>
+                  <a:lnTo>
+                    <a:pt x="1295770" y="0"/>
+                  </a:lnTo>
+                </a:path>
+              </a:pathLst>
+            </a:custGeom>
+            <a:ln w="13550" cap="flat">
+              <a:solidFill>
+                <a:srgbClr val="EBEBEB">
+                  <a:alpha val="100000"/>
+                </a:srgbClr>
+              </a:solidFill>
+              <a:prstDash val="solid"/>
+              <a:round/>
+            </a:ln>
+          </p:spPr>
+          <p:txBody>
+            <a:bodyPr/>
+            <a:lstStyle/>
+            <a:p/>
+          </p:txBody>
+        </p:sp>
+        <p:sp>
+          <p:nvSpPr>
+            <p:cNvPr id="41" name="pl41"/>
+            <p:cNvSpPr/>
+            <p:nvPr/>
+          </p:nvSpPr>
+          <p:spPr>
+            <a:xfrm>
+              <a:off x="3545241" y="2042629"/>
+              <a:ext cx="1295770" cy="0"/>
+            </a:xfrm>
+            <a:custGeom>
+              <a:avLst/>
+              <a:pathLst>
+                <a:path w="1295770" h="0">
+                  <a:moveTo>
+                    <a:pt x="0" y="0"/>
+                  </a:moveTo>
+                  <a:lnTo>
+                    <a:pt x="1295770" y="0"/>
+                  </a:lnTo>
+                  <a:lnTo>
+                    <a:pt x="1295770" y="0"/>
+                  </a:lnTo>
+                </a:path>
+              </a:pathLst>
+            </a:custGeom>
+            <a:ln w="13550" cap="flat">
+              <a:solidFill>
+                <a:srgbClr val="EBEBEB">
+                  <a:alpha val="100000"/>
+                </a:srgbClr>
+              </a:solidFill>
+              <a:prstDash val="solid"/>
+              <a:round/>
+            </a:ln>
+          </p:spPr>
+          <p:txBody>
+            <a:bodyPr/>
+            <a:lstStyle/>
+            <a:p/>
+          </p:txBody>
+        </p:sp>
+        <p:sp>
+          <p:nvSpPr>
+            <p:cNvPr id="42" name="pl42"/>
+            <p:cNvSpPr/>
+            <p:nvPr/>
+          </p:nvSpPr>
+          <p:spPr>
+            <a:xfrm>
+              <a:off x="3640054" y="1809173"/>
+              <a:ext cx="0" cy="3245468"/>
+            </a:xfrm>
+            <a:custGeom>
+              <a:avLst/>
+              <a:pathLst>
+                <a:path w="0" h="3245468">
+                  <a:moveTo>
+                    <a:pt x="0" y="3245468"/>
+                  </a:moveTo>
+                  <a:lnTo>
+                    <a:pt x="0" y="0"/>
+                  </a:lnTo>
+                  <a:lnTo>
+                    <a:pt x="0" y="0"/>
+                  </a:lnTo>
+                </a:path>
+              </a:pathLst>
+            </a:custGeom>
+            <a:ln w="13550" cap="flat">
+              <a:solidFill>
+                <a:srgbClr val="EBEBEB">
+                  <a:alpha val="100000"/>
+                </a:srgbClr>
+              </a:solidFill>
+              <a:prstDash val="solid"/>
+              <a:round/>
+            </a:ln>
+          </p:spPr>
+          <p:txBody>
+            <a:bodyPr/>
+            <a:lstStyle/>
+            <a:p/>
+          </p:txBody>
+        </p:sp>
+        <p:sp>
+          <p:nvSpPr>
+            <p:cNvPr id="43" name="pl43"/>
+            <p:cNvSpPr/>
+            <p:nvPr/>
+          </p:nvSpPr>
+          <p:spPr>
+            <a:xfrm>
+              <a:off x="3798075" y="1809173"/>
+              <a:ext cx="0" cy="3245468"/>
+            </a:xfrm>
+            <a:custGeom>
+              <a:avLst/>
+              <a:pathLst>
+                <a:path w="0" h="3245468">
+                  <a:moveTo>
+                    <a:pt x="0" y="3245468"/>
+                  </a:moveTo>
+                  <a:lnTo>
+                    <a:pt x="0" y="0"/>
+                  </a:lnTo>
+                  <a:lnTo>
+                    <a:pt x="0" y="0"/>
+                  </a:lnTo>
+                </a:path>
+              </a:pathLst>
+            </a:custGeom>
+            <a:ln w="13550" cap="flat">
+              <a:solidFill>
+                <a:srgbClr val="EBEBEB">
+                  <a:alpha val="100000"/>
+                </a:srgbClr>
+              </a:solidFill>
+              <a:prstDash val="solid"/>
+              <a:round/>
+            </a:ln>
+          </p:spPr>
+          <p:txBody>
+            <a:bodyPr/>
+            <a:lstStyle/>
+            <a:p/>
+          </p:txBody>
+        </p:sp>
+        <p:sp>
+          <p:nvSpPr>
+            <p:cNvPr id="44" name="pl44"/>
+            <p:cNvSpPr/>
+            <p:nvPr/>
+          </p:nvSpPr>
+          <p:spPr>
+            <a:xfrm>
+              <a:off x="3956095" y="1809173"/>
+              <a:ext cx="0" cy="3245468"/>
+            </a:xfrm>
+            <a:custGeom>
+              <a:avLst/>
+              <a:pathLst>
+                <a:path w="0" h="3245468">
+                  <a:moveTo>
+                    <a:pt x="0" y="3245468"/>
+                  </a:moveTo>
+                  <a:lnTo>
+                    <a:pt x="0" y="0"/>
+                  </a:lnTo>
+                  <a:lnTo>
+                    <a:pt x="0" y="0"/>
+                  </a:lnTo>
+                </a:path>
+              </a:pathLst>
+            </a:custGeom>
+            <a:ln w="13550" cap="flat">
+              <a:solidFill>
+                <a:srgbClr val="EBEBEB">
+                  <a:alpha val="100000"/>
+                </a:srgbClr>
+              </a:solidFill>
+              <a:prstDash val="solid"/>
+              <a:round/>
+            </a:ln>
+          </p:spPr>
+          <p:txBody>
+            <a:bodyPr/>
+            <a:lstStyle/>
+            <a:p/>
+          </p:txBody>
+        </p:sp>
+        <p:sp>
+          <p:nvSpPr>
+            <p:cNvPr id="45" name="pl45"/>
+            <p:cNvSpPr/>
+            <p:nvPr/>
+          </p:nvSpPr>
+          <p:spPr>
+            <a:xfrm>
+              <a:off x="4114116" y="1809173"/>
+              <a:ext cx="0" cy="3245468"/>
+            </a:xfrm>
+            <a:custGeom>
+              <a:avLst/>
+              <a:pathLst>
+                <a:path w="0" h="3245468">
+                  <a:moveTo>
+                    <a:pt x="0" y="3245468"/>
+                  </a:moveTo>
+                  <a:lnTo>
+                    <a:pt x="0" y="0"/>
+                  </a:lnTo>
+                  <a:lnTo>
+                    <a:pt x="0" y="0"/>
+                  </a:lnTo>
+                </a:path>
+              </a:pathLst>
+            </a:custGeom>
+            <a:ln w="13550" cap="flat">
+              <a:solidFill>
+                <a:srgbClr val="EBEBEB">
+                  <a:alpha val="100000"/>
+                </a:srgbClr>
+              </a:solidFill>
+              <a:prstDash val="solid"/>
+              <a:round/>
+            </a:ln>
+          </p:spPr>
+          <p:txBody>
+            <a:bodyPr/>
+            <a:lstStyle/>
+            <a:p/>
+          </p:txBody>
+        </p:sp>
+        <p:sp>
+          <p:nvSpPr>
+            <p:cNvPr id="46" name="pl46"/>
+            <p:cNvSpPr/>
+            <p:nvPr/>
+          </p:nvSpPr>
+          <p:spPr>
+            <a:xfrm>
+              <a:off x="4272137" y="1809173"/>
+              <a:ext cx="0" cy="3245468"/>
+            </a:xfrm>
+            <a:custGeom>
+              <a:avLst/>
+              <a:pathLst>
+                <a:path w="0" h="3245468">
+                  <a:moveTo>
+                    <a:pt x="0" y="3245468"/>
+                  </a:moveTo>
+                  <a:lnTo>
+                    <a:pt x="0" y="0"/>
+                  </a:lnTo>
+                  <a:lnTo>
+                    <a:pt x="0" y="0"/>
+                  </a:lnTo>
+                </a:path>
+              </a:pathLst>
+            </a:custGeom>
+            <a:ln w="13550" cap="flat">
+              <a:solidFill>
+                <a:srgbClr val="EBEBEB">
+                  <a:alpha val="100000"/>
+                </a:srgbClr>
+              </a:solidFill>
+              <a:prstDash val="solid"/>
+              <a:round/>
+            </a:ln>
+          </p:spPr>
+          <p:txBody>
+            <a:bodyPr/>
+            <a:lstStyle/>
+            <a:p/>
+          </p:txBody>
+        </p:sp>
+        <p:sp>
+          <p:nvSpPr>
+            <p:cNvPr id="47" name="pl47"/>
+            <p:cNvSpPr/>
+            <p:nvPr/>
+          </p:nvSpPr>
+          <p:spPr>
+            <a:xfrm>
+              <a:off x="4430158" y="1809173"/>
+              <a:ext cx="0" cy="3245468"/>
+            </a:xfrm>
+            <a:custGeom>
+              <a:avLst/>
+              <a:pathLst>
+                <a:path w="0" h="3245468">
+                  <a:moveTo>
+                    <a:pt x="0" y="3245468"/>
+                  </a:moveTo>
+                  <a:lnTo>
+                    <a:pt x="0" y="0"/>
+                  </a:lnTo>
+                  <a:lnTo>
+                    <a:pt x="0" y="0"/>
+                  </a:lnTo>
+                </a:path>
+              </a:pathLst>
+            </a:custGeom>
+            <a:ln w="13550" cap="flat">
+              <a:solidFill>
+                <a:srgbClr val="EBEBEB">
+                  <a:alpha val="100000"/>
+                </a:srgbClr>
+              </a:solidFill>
+              <a:prstDash val="solid"/>
+              <a:round/>
+            </a:ln>
+          </p:spPr>
+          <p:txBody>
+            <a:bodyPr/>
+            <a:lstStyle/>
+            <a:p/>
+          </p:txBody>
+        </p:sp>
+        <p:sp>
+          <p:nvSpPr>
+            <p:cNvPr id="48" name="pl48"/>
+            <p:cNvSpPr/>
+            <p:nvPr/>
+          </p:nvSpPr>
+          <p:spPr>
+            <a:xfrm>
+              <a:off x="4588179" y="1809173"/>
+              <a:ext cx="0" cy="3245468"/>
+            </a:xfrm>
+            <a:custGeom>
+              <a:avLst/>
+              <a:pathLst>
+                <a:path w="0" h="3245468">
+                  <a:moveTo>
+                    <a:pt x="0" y="3245468"/>
+                  </a:moveTo>
+                  <a:lnTo>
+                    <a:pt x="0" y="0"/>
+                  </a:lnTo>
+                  <a:lnTo>
+                    <a:pt x="0" y="0"/>
+                  </a:lnTo>
+                </a:path>
+              </a:pathLst>
+            </a:custGeom>
+            <a:ln w="13550" cap="flat">
+              <a:solidFill>
+                <a:srgbClr val="EBEBEB">
+                  <a:alpha val="100000"/>
+                </a:srgbClr>
+              </a:solidFill>
+              <a:prstDash val="solid"/>
+              <a:round/>
+            </a:ln>
+          </p:spPr>
+          <p:txBody>
+            <a:bodyPr/>
+            <a:lstStyle/>
+            <a:p/>
+          </p:txBody>
+        </p:sp>
+        <p:sp>
+          <p:nvSpPr>
+            <p:cNvPr id="49" name="pl49"/>
+            <p:cNvSpPr/>
+            <p:nvPr/>
+          </p:nvSpPr>
+          <p:spPr>
+            <a:xfrm>
+              <a:off x="4746200" y="1809173"/>
+              <a:ext cx="0" cy="3245468"/>
+            </a:xfrm>
+            <a:custGeom>
+              <a:avLst/>
+              <a:pathLst>
+                <a:path w="0" h="3245468">
+                  <a:moveTo>
+                    <a:pt x="0" y="3245468"/>
+                  </a:moveTo>
+                  <a:lnTo>
+                    <a:pt x="0" y="0"/>
+                  </a:lnTo>
+                  <a:lnTo>
+                    <a:pt x="0" y="0"/>
+                  </a:lnTo>
+                </a:path>
+              </a:pathLst>
+            </a:custGeom>
+            <a:ln w="13550" cap="flat">
+              <a:solidFill>
+                <a:srgbClr val="EBEBEB">
+                  <a:alpha val="100000"/>
+                </a:srgbClr>
+              </a:solidFill>
+              <a:prstDash val="solid"/>
+              <a:round/>
+            </a:ln>
+          </p:spPr>
+          <p:txBody>
+            <a:bodyPr/>
+            <a:lstStyle/>
+            <a:p/>
+          </p:txBody>
+        </p:sp>
+        <p:sp>
+          <p:nvSpPr>
+            <p:cNvPr id="50" name="rc50"/>
+            <p:cNvSpPr/>
+            <p:nvPr/>
+          </p:nvSpPr>
+          <p:spPr>
+            <a:xfrm>
+              <a:off x="3568944" y="4019127"/>
+              <a:ext cx="142218" cy="887992"/>
+            </a:xfrm>
+            <a:prstGeom prst="rect">
+              <a:avLst/>
+            </a:prstGeom>
+            <a:solidFill>
+              <a:srgbClr val="FFF5F0">
+                <a:alpha val="100000"/>
+              </a:srgbClr>
+            </a:solidFill>
+          </p:spPr>
+          <p:txBody>
+            <a:bodyPr/>
+            <a:lstStyle/>
+            <a:p/>
+          </p:txBody>
+        </p:sp>
+        <p:sp>
+          <p:nvSpPr>
+            <p:cNvPr id="51" name="rc51"/>
+            <p:cNvSpPr/>
+            <p:nvPr/>
+          </p:nvSpPr>
+          <p:spPr>
+            <a:xfrm>
+              <a:off x="3726965" y="4019127"/>
+              <a:ext cx="142218" cy="887992"/>
+            </a:xfrm>
+            <a:prstGeom prst="rect">
+              <a:avLst/>
+            </a:prstGeom>
+            <a:solidFill>
+              <a:srgbClr val="FEE0D2">
+                <a:alpha val="100000"/>
+              </a:srgbClr>
+            </a:solidFill>
+          </p:spPr>
+          <p:txBody>
+            <a:bodyPr/>
+            <a:lstStyle/>
+            <a:p/>
+          </p:txBody>
+        </p:sp>
+        <p:sp>
+          <p:nvSpPr>
+            <p:cNvPr id="52" name="rc52"/>
+            <p:cNvSpPr/>
+            <p:nvPr/>
+          </p:nvSpPr>
+          <p:spPr>
+            <a:xfrm>
+              <a:off x="3884986" y="4190997"/>
+              <a:ext cx="142218" cy="716122"/>
+            </a:xfrm>
+            <a:prstGeom prst="rect">
+              <a:avLst/>
+            </a:prstGeom>
+            <a:solidFill>
+              <a:srgbClr val="FCBBA1">
+                <a:alpha val="100000"/>
+              </a:srgbClr>
+            </a:solidFill>
+          </p:spPr>
+          <p:txBody>
+            <a:bodyPr/>
+            <a:lstStyle/>
+            <a:p/>
+          </p:txBody>
+        </p:sp>
+        <p:sp>
+          <p:nvSpPr>
+            <p:cNvPr id="53" name="rc53"/>
+            <p:cNvSpPr/>
+            <p:nvPr/>
+          </p:nvSpPr>
+          <p:spPr>
+            <a:xfrm>
+              <a:off x="4043007" y="4477446"/>
+              <a:ext cx="142218" cy="429673"/>
+            </a:xfrm>
+            <a:prstGeom prst="rect">
+              <a:avLst/>
+            </a:prstGeom>
+            <a:solidFill>
+              <a:srgbClr val="FC9272">
+                <a:alpha val="100000"/>
+              </a:srgbClr>
+            </a:solidFill>
+          </p:spPr>
+          <p:txBody>
+            <a:bodyPr/>
+            <a:lstStyle/>
+            <a:p/>
+          </p:txBody>
+        </p:sp>
+        <p:sp>
+          <p:nvSpPr>
+            <p:cNvPr id="54" name="rc54"/>
+            <p:cNvSpPr/>
+            <p:nvPr/>
+          </p:nvSpPr>
+          <p:spPr>
+            <a:xfrm>
+              <a:off x="4201028" y="3875903"/>
+              <a:ext cx="142218" cy="1031216"/>
+            </a:xfrm>
+            <a:prstGeom prst="rect">
+              <a:avLst/>
+            </a:prstGeom>
+            <a:solidFill>
+              <a:srgbClr val="FB6A4A">
+                <a:alpha val="100000"/>
+              </a:srgbClr>
+            </a:solidFill>
+          </p:spPr>
+          <p:txBody>
+            <a:bodyPr/>
+            <a:lstStyle/>
+            <a:p/>
+          </p:txBody>
+        </p:sp>
+        <p:sp>
+          <p:nvSpPr>
+            <p:cNvPr id="55" name="rc55"/>
+            <p:cNvSpPr/>
+            <p:nvPr/>
+          </p:nvSpPr>
+          <p:spPr>
+            <a:xfrm>
+              <a:off x="4359049" y="3847258"/>
+              <a:ext cx="142218" cy="1059861"/>
+            </a:xfrm>
+            <a:prstGeom prst="rect">
+              <a:avLst/>
+            </a:prstGeom>
+            <a:solidFill>
+              <a:srgbClr val="EF3B2C">
+                <a:alpha val="100000"/>
+              </a:srgbClr>
+            </a:solidFill>
+          </p:spPr>
+          <p:txBody>
+            <a:bodyPr/>
+            <a:lstStyle/>
+            <a:p/>
+          </p:txBody>
+        </p:sp>
+        <p:sp>
+          <p:nvSpPr>
+            <p:cNvPr id="56" name="rc56"/>
+            <p:cNvSpPr/>
+            <p:nvPr/>
+          </p:nvSpPr>
+          <p:spPr>
+            <a:xfrm>
+              <a:off x="4517069" y="3045200"/>
+              <a:ext cx="142218" cy="1861919"/>
+            </a:xfrm>
+            <a:prstGeom prst="rect">
+              <a:avLst/>
+            </a:prstGeom>
+            <a:solidFill>
+              <a:srgbClr val="CB181D">
+                <a:alpha val="100000"/>
+              </a:srgbClr>
+            </a:solidFill>
+          </p:spPr>
+          <p:txBody>
+            <a:bodyPr/>
+            <a:lstStyle/>
+            <a:p/>
+          </p:txBody>
+        </p:sp>
+        <p:sp>
+          <p:nvSpPr>
+            <p:cNvPr id="57" name="rc57"/>
+            <p:cNvSpPr/>
+            <p:nvPr/>
+          </p:nvSpPr>
+          <p:spPr>
+            <a:xfrm>
+              <a:off x="4675090" y="4362866"/>
+              <a:ext cx="142218" cy="544253"/>
+            </a:xfrm>
+            <a:prstGeom prst="rect">
+              <a:avLst/>
+            </a:prstGeom>
+            <a:solidFill>
+              <a:srgbClr val="99000D">
+                <a:alpha val="100000"/>
+              </a:srgbClr>
+            </a:solidFill>
+          </p:spPr>
+          <p:txBody>
+            <a:bodyPr/>
+            <a:lstStyle/>
+            <a:p/>
+          </p:txBody>
+        </p:sp>
+        <p:sp>
+          <p:nvSpPr>
+            <p:cNvPr id="58" name="rc58"/>
+            <p:cNvSpPr/>
+            <p:nvPr/>
+          </p:nvSpPr>
+          <p:spPr>
+            <a:xfrm>
+              <a:off x="3545241" y="1809173"/>
+              <a:ext cx="1295770" cy="3245468"/>
+            </a:xfrm>
+            <a:prstGeom prst="rect">
+              <a:avLst/>
+            </a:prstGeom>
+            <a:ln w="13550" cap="rnd">
+              <a:solidFill>
+                <a:srgbClr val="333333">
+                  <a:alpha val="100000"/>
+                </a:srgbClr>
+              </a:solidFill>
+              <a:prstDash val="solid"/>
+              <a:round/>
+            </a:ln>
+          </p:spPr>
+          <p:txBody>
+            <a:bodyPr/>
+            <a:lstStyle/>
+            <a:p/>
+          </p:txBody>
+        </p:sp>
+        <p:sp>
+          <p:nvSpPr>
+            <p:cNvPr id="59" name="rc59"/>
+            <p:cNvSpPr/>
+            <p:nvPr/>
+          </p:nvSpPr>
+          <p:spPr>
+            <a:xfrm>
+              <a:off x="4910601" y="1809173"/>
+              <a:ext cx="1295770" cy="3245468"/>
+            </a:xfrm>
+            <a:prstGeom prst="rect">
+              <a:avLst/>
+            </a:prstGeom>
+            <a:solidFill>
+              <a:srgbClr val="FFFFFF">
+                <a:alpha val="100000"/>
+              </a:srgbClr>
+            </a:solidFill>
+          </p:spPr>
+          <p:txBody>
+            <a:bodyPr/>
+            <a:lstStyle/>
+            <a:p/>
+          </p:txBody>
+        </p:sp>
+        <p:sp>
+          <p:nvSpPr>
+            <p:cNvPr id="60" name="pl60"/>
+            <p:cNvSpPr/>
+            <p:nvPr/>
+          </p:nvSpPr>
+          <p:spPr>
+            <a:xfrm>
+              <a:off x="4910601" y="4549058"/>
+              <a:ext cx="1295770" cy="0"/>
+            </a:xfrm>
+            <a:custGeom>
+              <a:avLst/>
+              <a:pathLst>
+                <a:path w="1295770" h="0">
+                  <a:moveTo>
+                    <a:pt x="0" y="0"/>
+                  </a:moveTo>
+                  <a:lnTo>
+                    <a:pt x="1295770" y="0"/>
+                  </a:lnTo>
+                  <a:lnTo>
+                    <a:pt x="1295770" y="0"/>
+                  </a:lnTo>
+                </a:path>
+              </a:pathLst>
+            </a:custGeom>
+            <a:ln w="6775" cap="flat">
+              <a:solidFill>
+                <a:srgbClr val="EBEBEB">
+                  <a:alpha val="100000"/>
+                </a:srgbClr>
+              </a:solidFill>
+              <a:prstDash val="solid"/>
+              <a:round/>
+            </a:ln>
+          </p:spPr>
+          <p:txBody>
+            <a:bodyPr/>
+            <a:lstStyle/>
+            <a:p/>
+          </p:txBody>
+        </p:sp>
+        <p:sp>
+          <p:nvSpPr>
+            <p:cNvPr id="61" name="pl61"/>
+            <p:cNvSpPr/>
+            <p:nvPr/>
+          </p:nvSpPr>
+          <p:spPr>
+            <a:xfrm>
+              <a:off x="4910601" y="3832936"/>
+              <a:ext cx="1295770" cy="0"/>
+            </a:xfrm>
+            <a:custGeom>
+              <a:avLst/>
+              <a:pathLst>
+                <a:path w="1295770" h="0">
+                  <a:moveTo>
+                    <a:pt x="0" y="0"/>
+                  </a:moveTo>
+                  <a:lnTo>
+                    <a:pt x="1295770" y="0"/>
+                  </a:lnTo>
+                  <a:lnTo>
+                    <a:pt x="1295770" y="0"/>
+                  </a:lnTo>
+                </a:path>
+              </a:pathLst>
+            </a:custGeom>
+            <a:ln w="6775" cap="flat">
+              <a:solidFill>
+                <a:srgbClr val="EBEBEB">
+                  <a:alpha val="100000"/>
+                </a:srgbClr>
+              </a:solidFill>
+              <a:prstDash val="solid"/>
+              <a:round/>
+            </a:ln>
+          </p:spPr>
+          <p:txBody>
+            <a:bodyPr/>
+            <a:lstStyle/>
+            <a:p/>
+          </p:txBody>
+        </p:sp>
+        <p:sp>
+          <p:nvSpPr>
+            <p:cNvPr id="62" name="pl62"/>
+            <p:cNvSpPr/>
+            <p:nvPr/>
+          </p:nvSpPr>
+          <p:spPr>
+            <a:xfrm>
+              <a:off x="4910601" y="3116813"/>
+              <a:ext cx="1295770" cy="0"/>
+            </a:xfrm>
+            <a:custGeom>
+              <a:avLst/>
+              <a:pathLst>
+                <a:path w="1295770" h="0">
+                  <a:moveTo>
+                    <a:pt x="0" y="0"/>
+                  </a:moveTo>
+                  <a:lnTo>
+                    <a:pt x="1295770" y="0"/>
+                  </a:lnTo>
+                  <a:lnTo>
+                    <a:pt x="1295770" y="0"/>
+                  </a:lnTo>
+                </a:path>
+              </a:pathLst>
+            </a:custGeom>
+            <a:ln w="6775" cap="flat">
+              <a:solidFill>
+                <a:srgbClr val="EBEBEB">
+                  <a:alpha val="100000"/>
+                </a:srgbClr>
+              </a:solidFill>
+              <a:prstDash val="solid"/>
+              <a:round/>
+            </a:ln>
+          </p:spPr>
+          <p:txBody>
+            <a:bodyPr/>
+            <a:lstStyle/>
+            <a:p/>
+          </p:txBody>
+        </p:sp>
+        <p:sp>
+          <p:nvSpPr>
+            <p:cNvPr id="63" name="pl63"/>
+            <p:cNvSpPr/>
+            <p:nvPr/>
+          </p:nvSpPr>
+          <p:spPr>
+            <a:xfrm>
+              <a:off x="4910601" y="2400690"/>
+              <a:ext cx="1295770" cy="0"/>
+            </a:xfrm>
+            <a:custGeom>
+              <a:avLst/>
+              <a:pathLst>
+                <a:path w="1295770" h="0">
+                  <a:moveTo>
+                    <a:pt x="0" y="0"/>
+                  </a:moveTo>
+                  <a:lnTo>
+                    <a:pt x="1295770" y="0"/>
+                  </a:lnTo>
+                  <a:lnTo>
+                    <a:pt x="1295770" y="0"/>
+                  </a:lnTo>
+                </a:path>
+              </a:pathLst>
+            </a:custGeom>
+            <a:ln w="6775" cap="flat">
+              <a:solidFill>
+                <a:srgbClr val="EBEBEB">
+                  <a:alpha val="100000"/>
+                </a:srgbClr>
+              </a:solidFill>
+              <a:prstDash val="solid"/>
+              <a:round/>
+            </a:ln>
+          </p:spPr>
+          <p:txBody>
+            <a:bodyPr/>
+            <a:lstStyle/>
+            <a:p/>
+          </p:txBody>
+        </p:sp>
+        <p:sp>
+          <p:nvSpPr>
+            <p:cNvPr id="64" name="pl64"/>
+            <p:cNvSpPr/>
+            <p:nvPr/>
+          </p:nvSpPr>
+          <p:spPr>
+            <a:xfrm>
+              <a:off x="4910601" y="4907120"/>
+              <a:ext cx="1295770" cy="0"/>
+            </a:xfrm>
+            <a:custGeom>
+              <a:avLst/>
+              <a:pathLst>
+                <a:path w="1295770" h="0">
+                  <a:moveTo>
+                    <a:pt x="0" y="0"/>
+                  </a:moveTo>
+                  <a:lnTo>
+                    <a:pt x="1295770" y="0"/>
+                  </a:lnTo>
+                  <a:lnTo>
+                    <a:pt x="1295770" y="0"/>
+                  </a:lnTo>
+                </a:path>
+              </a:pathLst>
+            </a:custGeom>
+            <a:ln w="13550" cap="flat">
+              <a:solidFill>
+                <a:srgbClr val="EBEBEB">
+                  <a:alpha val="100000"/>
+                </a:srgbClr>
+              </a:solidFill>
+              <a:prstDash val="solid"/>
+              <a:round/>
+            </a:ln>
+          </p:spPr>
+          <p:txBody>
+            <a:bodyPr/>
+            <a:lstStyle/>
+            <a:p/>
+          </p:txBody>
+        </p:sp>
+        <p:sp>
+          <p:nvSpPr>
+            <p:cNvPr id="65" name="pl65"/>
+            <p:cNvSpPr/>
+            <p:nvPr/>
+          </p:nvSpPr>
+          <p:spPr>
+            <a:xfrm>
+              <a:off x="4910601" y="4190997"/>
+              <a:ext cx="1295770" cy="0"/>
+            </a:xfrm>
+            <a:custGeom>
+              <a:avLst/>
+              <a:pathLst>
+                <a:path w="1295770" h="0">
+                  <a:moveTo>
+                    <a:pt x="0" y="0"/>
+                  </a:moveTo>
+                  <a:lnTo>
+                    <a:pt x="1295770" y="0"/>
+                  </a:lnTo>
+                  <a:lnTo>
+                    <a:pt x="1295770" y="0"/>
+                  </a:lnTo>
+                </a:path>
+              </a:pathLst>
+            </a:custGeom>
+            <a:ln w="13550" cap="flat">
+              <a:solidFill>
+                <a:srgbClr val="EBEBEB">
+                  <a:alpha val="100000"/>
+                </a:srgbClr>
+              </a:solidFill>
+              <a:prstDash val="solid"/>
+              <a:round/>
+            </a:ln>
+          </p:spPr>
+          <p:txBody>
+            <a:bodyPr/>
+            <a:lstStyle/>
+            <a:p/>
+          </p:txBody>
+        </p:sp>
+        <p:sp>
+          <p:nvSpPr>
+            <p:cNvPr id="66" name="pl66"/>
+            <p:cNvSpPr/>
+            <p:nvPr/>
+          </p:nvSpPr>
+          <p:spPr>
+            <a:xfrm>
+              <a:off x="4910601" y="3474874"/>
+              <a:ext cx="1295770" cy="0"/>
+            </a:xfrm>
+            <a:custGeom>
+              <a:avLst/>
+              <a:pathLst>
+                <a:path w="1295770" h="0">
+                  <a:moveTo>
+                    <a:pt x="0" y="0"/>
+                  </a:moveTo>
+                  <a:lnTo>
+                    <a:pt x="1295770" y="0"/>
+                  </a:lnTo>
+                  <a:lnTo>
+                    <a:pt x="1295770" y="0"/>
+                  </a:lnTo>
+                </a:path>
+              </a:pathLst>
+            </a:custGeom>
+            <a:ln w="13550" cap="flat">
+              <a:solidFill>
+                <a:srgbClr val="EBEBEB">
+                  <a:alpha val="100000"/>
+                </a:srgbClr>
+              </a:solidFill>
+              <a:prstDash val="solid"/>
+              <a:round/>
+            </a:ln>
+          </p:spPr>
+          <p:txBody>
+            <a:bodyPr/>
+            <a:lstStyle/>
+            <a:p/>
+          </p:txBody>
+        </p:sp>
+        <p:sp>
+          <p:nvSpPr>
+            <p:cNvPr id="67" name="pl67"/>
+            <p:cNvSpPr/>
+            <p:nvPr/>
+          </p:nvSpPr>
+          <p:spPr>
+            <a:xfrm>
+              <a:off x="4910601" y="2758751"/>
+              <a:ext cx="1295770" cy="0"/>
+            </a:xfrm>
+            <a:custGeom>
+              <a:avLst/>
+              <a:pathLst>
+                <a:path w="1295770" h="0">
+                  <a:moveTo>
+                    <a:pt x="0" y="0"/>
+                  </a:moveTo>
+                  <a:lnTo>
+                    <a:pt x="1295770" y="0"/>
+                  </a:lnTo>
+                  <a:lnTo>
+                    <a:pt x="1295770" y="0"/>
+                  </a:lnTo>
+                </a:path>
+              </a:pathLst>
+            </a:custGeom>
+            <a:ln w="13550" cap="flat">
+              <a:solidFill>
+                <a:srgbClr val="EBEBEB">
+                  <a:alpha val="100000"/>
+                </a:srgbClr>
+              </a:solidFill>
+              <a:prstDash val="solid"/>
+              <a:round/>
+            </a:ln>
+          </p:spPr>
+          <p:txBody>
+            <a:bodyPr/>
+            <a:lstStyle/>
+            <a:p/>
+          </p:txBody>
+        </p:sp>
+        <p:sp>
+          <p:nvSpPr>
+            <p:cNvPr id="68" name="pl68"/>
+            <p:cNvSpPr/>
+            <p:nvPr/>
+          </p:nvSpPr>
+          <p:spPr>
+            <a:xfrm>
+              <a:off x="4910601" y="2042629"/>
+              <a:ext cx="1295770" cy="0"/>
+            </a:xfrm>
+            <a:custGeom>
+              <a:avLst/>
+              <a:pathLst>
+                <a:path w="1295770" h="0">
+                  <a:moveTo>
+                    <a:pt x="0" y="0"/>
+                  </a:moveTo>
+                  <a:lnTo>
+                    <a:pt x="1295770" y="0"/>
+                  </a:lnTo>
+                  <a:lnTo>
+                    <a:pt x="1295770" y="0"/>
+                  </a:lnTo>
+                </a:path>
+              </a:pathLst>
+            </a:custGeom>
+            <a:ln w="13550" cap="flat">
+              <a:solidFill>
+                <a:srgbClr val="EBEBEB">
+                  <a:alpha val="100000"/>
+                </a:srgbClr>
+              </a:solidFill>
+              <a:prstDash val="solid"/>
+              <a:round/>
+            </a:ln>
+          </p:spPr>
+          <p:txBody>
+            <a:bodyPr/>
+            <a:lstStyle/>
+            <a:p/>
+          </p:txBody>
+        </p:sp>
+        <p:sp>
+          <p:nvSpPr>
+            <p:cNvPr id="69" name="pl69"/>
+            <p:cNvSpPr/>
+            <p:nvPr/>
+          </p:nvSpPr>
+          <p:spPr>
+            <a:xfrm>
+              <a:off x="5005414" y="1809173"/>
+              <a:ext cx="0" cy="3245468"/>
+            </a:xfrm>
+            <a:custGeom>
+              <a:avLst/>
+              <a:pathLst>
+                <a:path w="0" h="3245468">
+                  <a:moveTo>
+                    <a:pt x="0" y="3245468"/>
+                  </a:moveTo>
+                  <a:lnTo>
+                    <a:pt x="0" y="0"/>
+                  </a:lnTo>
+                  <a:lnTo>
+                    <a:pt x="0" y="0"/>
+                  </a:lnTo>
+                </a:path>
+              </a:pathLst>
+            </a:custGeom>
+            <a:ln w="13550" cap="flat">
+              <a:solidFill>
+                <a:srgbClr val="EBEBEB">
+                  <a:alpha val="100000"/>
+                </a:srgbClr>
+              </a:solidFill>
+              <a:prstDash val="solid"/>
+              <a:round/>
+            </a:ln>
+          </p:spPr>
+          <p:txBody>
+            <a:bodyPr/>
+            <a:lstStyle/>
+            <a:p/>
+          </p:txBody>
+        </p:sp>
+        <p:sp>
+          <p:nvSpPr>
+            <p:cNvPr id="70" name="pl70"/>
+            <p:cNvSpPr/>
+            <p:nvPr/>
+          </p:nvSpPr>
+          <p:spPr>
+            <a:xfrm>
+              <a:off x="5163434" y="1809173"/>
+              <a:ext cx="0" cy="3245468"/>
+            </a:xfrm>
+            <a:custGeom>
+              <a:avLst/>
+              <a:pathLst>
+                <a:path w="0" h="3245468">
+                  <a:moveTo>
+                    <a:pt x="0" y="3245468"/>
+                  </a:moveTo>
+                  <a:lnTo>
+                    <a:pt x="0" y="0"/>
+                  </a:lnTo>
+                  <a:lnTo>
+                    <a:pt x="0" y="0"/>
+                  </a:lnTo>
+                </a:path>
+              </a:pathLst>
+            </a:custGeom>
+            <a:ln w="13550" cap="flat">
+              <a:solidFill>
+                <a:srgbClr val="EBEBEB">
+                  <a:alpha val="100000"/>
+                </a:srgbClr>
+              </a:solidFill>
+              <a:prstDash val="solid"/>
+              <a:round/>
+            </a:ln>
+          </p:spPr>
+          <p:txBody>
+            <a:bodyPr/>
+            <a:lstStyle/>
+            <a:p/>
+          </p:txBody>
+        </p:sp>
+        <p:sp>
+          <p:nvSpPr>
+            <p:cNvPr id="71" name="pl71"/>
+            <p:cNvSpPr/>
+            <p:nvPr/>
+          </p:nvSpPr>
+          <p:spPr>
+            <a:xfrm>
+              <a:off x="5321455" y="1809173"/>
+              <a:ext cx="0" cy="3245468"/>
+            </a:xfrm>
+            <a:custGeom>
+              <a:avLst/>
+              <a:pathLst>
+                <a:path w="0" h="3245468">
+                  <a:moveTo>
+                    <a:pt x="0" y="3245468"/>
+                  </a:moveTo>
+                  <a:lnTo>
+                    <a:pt x="0" y="0"/>
+                  </a:lnTo>
+                  <a:lnTo>
+                    <a:pt x="0" y="0"/>
+                  </a:lnTo>
+                </a:path>
+              </a:pathLst>
+            </a:custGeom>
+            <a:ln w="13550" cap="flat">
+              <a:solidFill>
+                <a:srgbClr val="EBEBEB">
+                  <a:alpha val="100000"/>
+                </a:srgbClr>
+              </a:solidFill>
+              <a:prstDash val="solid"/>
+              <a:round/>
+            </a:ln>
+          </p:spPr>
+          <p:txBody>
+            <a:bodyPr/>
+            <a:lstStyle/>
+            <a:p/>
+          </p:txBody>
+        </p:sp>
+        <p:sp>
+          <p:nvSpPr>
+            <p:cNvPr id="72" name="pl72"/>
+            <p:cNvSpPr/>
+            <p:nvPr/>
+          </p:nvSpPr>
+          <p:spPr>
+            <a:xfrm>
+              <a:off x="5479476" y="1809173"/>
+              <a:ext cx="0" cy="3245468"/>
+            </a:xfrm>
+            <a:custGeom>
+              <a:avLst/>
+              <a:pathLst>
+                <a:path w="0" h="3245468">
+                  <a:moveTo>
+                    <a:pt x="0" y="3245468"/>
+                  </a:moveTo>
+                  <a:lnTo>
+                    <a:pt x="0" y="0"/>
+                  </a:lnTo>
+                  <a:lnTo>
+                    <a:pt x="0" y="0"/>
+                  </a:lnTo>
+                </a:path>
+              </a:pathLst>
+            </a:custGeom>
+            <a:ln w="13550" cap="flat">
+              <a:solidFill>
+                <a:srgbClr val="EBEBEB">
+                  <a:alpha val="100000"/>
+                </a:srgbClr>
+              </a:solidFill>
+              <a:prstDash val="solid"/>
+              <a:round/>
+            </a:ln>
+          </p:spPr>
+          <p:txBody>
+            <a:bodyPr/>
+            <a:lstStyle/>
+            <a:p/>
+          </p:txBody>
+        </p:sp>
+        <p:sp>
+          <p:nvSpPr>
+            <p:cNvPr id="73" name="pl73"/>
+            <p:cNvSpPr/>
+            <p:nvPr/>
+          </p:nvSpPr>
+          <p:spPr>
+            <a:xfrm>
+              <a:off x="5637497" y="1809173"/>
+              <a:ext cx="0" cy="3245468"/>
+            </a:xfrm>
+            <a:custGeom>
+              <a:avLst/>
+              <a:pathLst>
+                <a:path w="0" h="3245468">
+                  <a:moveTo>
+                    <a:pt x="0" y="3245468"/>
+                  </a:moveTo>
+                  <a:lnTo>
+                    <a:pt x="0" y="0"/>
+                  </a:lnTo>
+                  <a:lnTo>
+                    <a:pt x="0" y="0"/>
+                  </a:lnTo>
+                </a:path>
+              </a:pathLst>
+            </a:custGeom>
+            <a:ln w="13550" cap="flat">
+              <a:solidFill>
+                <a:srgbClr val="EBEBEB">
+                  <a:alpha val="100000"/>
+                </a:srgbClr>
+              </a:solidFill>
+              <a:prstDash val="solid"/>
+              <a:round/>
+            </a:ln>
+          </p:spPr>
+          <p:txBody>
+            <a:bodyPr/>
+            <a:lstStyle/>
+            <a:p/>
+          </p:txBody>
+        </p:sp>
+        <p:sp>
+          <p:nvSpPr>
+            <p:cNvPr id="74" name="pl74"/>
+            <p:cNvSpPr/>
+            <p:nvPr/>
+          </p:nvSpPr>
+          <p:spPr>
+            <a:xfrm>
+              <a:off x="5795518" y="1809173"/>
+              <a:ext cx="0" cy="3245468"/>
+            </a:xfrm>
+            <a:custGeom>
+              <a:avLst/>
+              <a:pathLst>
+                <a:path w="0" h="3245468">
+                  <a:moveTo>
+                    <a:pt x="0" y="3245468"/>
+                  </a:moveTo>
+                  <a:lnTo>
+                    <a:pt x="0" y="0"/>
+                  </a:lnTo>
+                  <a:lnTo>
+                    <a:pt x="0" y="0"/>
+                  </a:lnTo>
+                </a:path>
+              </a:pathLst>
+            </a:custGeom>
+            <a:ln w="13550" cap="flat">
+              <a:solidFill>
+                <a:srgbClr val="EBEBEB">
+                  <a:alpha val="100000"/>
+                </a:srgbClr>
+              </a:solidFill>
+              <a:prstDash val="solid"/>
+              <a:round/>
+            </a:ln>
+          </p:spPr>
+          <p:txBody>
+            <a:bodyPr/>
+            <a:lstStyle/>
+            <a:p/>
+          </p:txBody>
+        </p:sp>
+        <p:sp>
+          <p:nvSpPr>
+            <p:cNvPr id="75" name="pl75"/>
+            <p:cNvSpPr/>
+            <p:nvPr/>
+          </p:nvSpPr>
+          <p:spPr>
+            <a:xfrm>
+              <a:off x="5953539" y="1809173"/>
+              <a:ext cx="0" cy="3245468"/>
+            </a:xfrm>
+            <a:custGeom>
+              <a:avLst/>
+              <a:pathLst>
+                <a:path w="0" h="3245468">
+                  <a:moveTo>
+                    <a:pt x="0" y="3245468"/>
+                  </a:moveTo>
+                  <a:lnTo>
+                    <a:pt x="0" y="0"/>
+                  </a:lnTo>
+                  <a:lnTo>
+                    <a:pt x="0" y="0"/>
+                  </a:lnTo>
+                </a:path>
+              </a:pathLst>
+            </a:custGeom>
+            <a:ln w="13550" cap="flat">
+              <a:solidFill>
+                <a:srgbClr val="EBEBEB">
+                  <a:alpha val="100000"/>
+                </a:srgbClr>
+              </a:solidFill>
+              <a:prstDash val="solid"/>
+              <a:round/>
+            </a:ln>
+          </p:spPr>
+          <p:txBody>
+            <a:bodyPr/>
+            <a:lstStyle/>
+            <a:p/>
+          </p:txBody>
+        </p:sp>
+        <p:sp>
+          <p:nvSpPr>
+            <p:cNvPr id="76" name="pl76"/>
+            <p:cNvSpPr/>
+            <p:nvPr/>
+          </p:nvSpPr>
+          <p:spPr>
+            <a:xfrm>
+              <a:off x="6111560" y="1809173"/>
+              <a:ext cx="0" cy="3245468"/>
+            </a:xfrm>
+            <a:custGeom>
+              <a:avLst/>
+              <a:pathLst>
+                <a:path w="0" h="3245468">
+                  <a:moveTo>
+                    <a:pt x="0" y="3245468"/>
+                  </a:moveTo>
+                  <a:lnTo>
+                    <a:pt x="0" y="0"/>
+                  </a:lnTo>
+                  <a:lnTo>
+                    <a:pt x="0" y="0"/>
+                  </a:lnTo>
+                </a:path>
+              </a:pathLst>
+            </a:custGeom>
+            <a:ln w="13550" cap="flat">
+              <a:solidFill>
+                <a:srgbClr val="EBEBEB">
+                  <a:alpha val="100000"/>
+                </a:srgbClr>
+              </a:solidFill>
+              <a:prstDash val="solid"/>
+              <a:round/>
+            </a:ln>
+          </p:spPr>
+          <p:txBody>
+            <a:bodyPr/>
+            <a:lstStyle/>
+            <a:p/>
+          </p:txBody>
+        </p:sp>
+        <p:sp>
+          <p:nvSpPr>
+            <p:cNvPr id="77" name="rc77"/>
+            <p:cNvSpPr/>
+            <p:nvPr/>
+          </p:nvSpPr>
+          <p:spPr>
+            <a:xfrm>
+              <a:off x="4934304" y="4391511"/>
+              <a:ext cx="142218" cy="515608"/>
+            </a:xfrm>
+            <a:prstGeom prst="rect">
+              <a:avLst/>
+            </a:prstGeom>
+            <a:solidFill>
+              <a:srgbClr val="FFF5F0">
+                <a:alpha val="100000"/>
+              </a:srgbClr>
+            </a:solidFill>
+          </p:spPr>
+          <p:txBody>
+            <a:bodyPr/>
+            <a:lstStyle/>
+            <a:p/>
+          </p:txBody>
+        </p:sp>
+        <p:sp>
+          <p:nvSpPr>
+            <p:cNvPr id="78" name="rc78"/>
+            <p:cNvSpPr/>
+            <p:nvPr/>
+          </p:nvSpPr>
+          <p:spPr>
+            <a:xfrm>
+              <a:off x="5092325" y="4821185"/>
+              <a:ext cx="142218" cy="85934"/>
+            </a:xfrm>
+            <a:prstGeom prst="rect">
+              <a:avLst/>
+            </a:prstGeom>
+            <a:solidFill>
+              <a:srgbClr val="FEE0D2">
+                <a:alpha val="100000"/>
+              </a:srgbClr>
+            </a:solidFill>
+          </p:spPr>
+          <p:txBody>
+            <a:bodyPr/>
+            <a:lstStyle/>
+            <a:p/>
+          </p:txBody>
+        </p:sp>
+        <p:sp>
+          <p:nvSpPr>
+            <p:cNvPr id="79" name="rc79"/>
+            <p:cNvSpPr/>
+            <p:nvPr/>
+          </p:nvSpPr>
+          <p:spPr>
+            <a:xfrm>
+              <a:off x="5250346" y="4792540"/>
+              <a:ext cx="142218" cy="114579"/>
+            </a:xfrm>
+            <a:prstGeom prst="rect">
+              <a:avLst/>
+            </a:prstGeom>
+            <a:solidFill>
+              <a:srgbClr val="FCBBA1">
+                <a:alpha val="100000"/>
+              </a:srgbClr>
+            </a:solidFill>
+          </p:spPr>
+          <p:txBody>
+            <a:bodyPr/>
+            <a:lstStyle/>
+            <a:p/>
+          </p:txBody>
+        </p:sp>
+        <p:sp>
+          <p:nvSpPr>
+            <p:cNvPr id="80" name="rc80"/>
+            <p:cNvSpPr/>
+            <p:nvPr/>
+          </p:nvSpPr>
+          <p:spPr>
+            <a:xfrm>
+              <a:off x="5408367" y="4677960"/>
+              <a:ext cx="142218" cy="229159"/>
+            </a:xfrm>
+            <a:prstGeom prst="rect">
+              <a:avLst/>
+            </a:prstGeom>
+            <a:solidFill>
+              <a:srgbClr val="FC9272">
+                <a:alpha val="100000"/>
+              </a:srgbClr>
+            </a:solidFill>
+          </p:spPr>
+          <p:txBody>
+            <a:bodyPr/>
+            <a:lstStyle/>
+            <a:p/>
+          </p:txBody>
+        </p:sp>
+        <p:sp>
+          <p:nvSpPr>
+            <p:cNvPr id="81" name="rc81"/>
+            <p:cNvSpPr/>
+            <p:nvPr/>
+          </p:nvSpPr>
+          <p:spPr>
+            <a:xfrm>
+              <a:off x="5566388" y="4821185"/>
+              <a:ext cx="142218" cy="85934"/>
+            </a:xfrm>
+            <a:prstGeom prst="rect">
+              <a:avLst/>
+            </a:prstGeom>
+            <a:solidFill>
+              <a:srgbClr val="FB6A4A">
+                <a:alpha val="100000"/>
+              </a:srgbClr>
+            </a:solidFill>
+          </p:spPr>
+          <p:txBody>
+            <a:bodyPr/>
+            <a:lstStyle/>
+            <a:p/>
+          </p:txBody>
+        </p:sp>
+        <p:sp>
+          <p:nvSpPr>
+            <p:cNvPr id="82" name="rc82"/>
+            <p:cNvSpPr/>
+            <p:nvPr/>
+          </p:nvSpPr>
+          <p:spPr>
+            <a:xfrm>
+              <a:off x="5724408" y="4477446"/>
+              <a:ext cx="142218" cy="429673"/>
+            </a:xfrm>
+            <a:prstGeom prst="rect">
+              <a:avLst/>
+            </a:prstGeom>
+            <a:solidFill>
+              <a:srgbClr val="EF3B2C">
+                <a:alpha val="100000"/>
+              </a:srgbClr>
+            </a:solidFill>
+          </p:spPr>
+          <p:txBody>
+            <a:bodyPr/>
+            <a:lstStyle/>
+            <a:p/>
+          </p:txBody>
+        </p:sp>
+        <p:sp>
+          <p:nvSpPr>
+            <p:cNvPr id="83" name="rc83"/>
+            <p:cNvSpPr/>
+            <p:nvPr/>
+          </p:nvSpPr>
+          <p:spPr>
+            <a:xfrm>
+              <a:off x="5882429" y="4334221"/>
+              <a:ext cx="142218" cy="572898"/>
+            </a:xfrm>
+            <a:prstGeom prst="rect">
+              <a:avLst/>
+            </a:prstGeom>
+            <a:solidFill>
+              <a:srgbClr val="CB181D">
+                <a:alpha val="100000"/>
+              </a:srgbClr>
+            </a:solidFill>
+          </p:spPr>
+          <p:txBody>
+            <a:bodyPr/>
+            <a:lstStyle/>
+            <a:p/>
+          </p:txBody>
+        </p:sp>
+        <p:sp>
+          <p:nvSpPr>
+            <p:cNvPr id="84" name="rc84"/>
+            <p:cNvSpPr/>
+            <p:nvPr/>
+          </p:nvSpPr>
+          <p:spPr>
+            <a:xfrm>
+              <a:off x="6040450" y="4477446"/>
+              <a:ext cx="142218" cy="429673"/>
+            </a:xfrm>
+            <a:prstGeom prst="rect">
+              <a:avLst/>
+            </a:prstGeom>
+            <a:solidFill>
+              <a:srgbClr val="99000D">
+                <a:alpha val="100000"/>
+              </a:srgbClr>
+            </a:solidFill>
+          </p:spPr>
+          <p:txBody>
+            <a:bodyPr/>
+            <a:lstStyle/>
+            <a:p/>
+          </p:txBody>
+        </p:sp>
+        <p:sp>
+          <p:nvSpPr>
+            <p:cNvPr id="85" name="rc85"/>
+            <p:cNvSpPr/>
+            <p:nvPr/>
+          </p:nvSpPr>
+          <p:spPr>
+            <a:xfrm>
+              <a:off x="4910601" y="1809173"/>
+              <a:ext cx="1295770" cy="3245468"/>
+            </a:xfrm>
+            <a:prstGeom prst="rect">
+              <a:avLst/>
+            </a:prstGeom>
+            <a:ln w="13550" cap="rnd">
+              <a:solidFill>
+                <a:srgbClr val="333333">
+                  <a:alpha val="100000"/>
+                </a:srgbClr>
+              </a:solidFill>
+              <a:prstDash val="solid"/>
+              <a:round/>
+            </a:ln>
+          </p:spPr>
+          <p:txBody>
+            <a:bodyPr/>
+            <a:lstStyle/>
+            <a:p/>
+          </p:txBody>
+        </p:sp>
+        <p:sp>
+          <p:nvSpPr>
+            <p:cNvPr id="86" name="rc86"/>
+            <p:cNvSpPr/>
+            <p:nvPr/>
+          </p:nvSpPr>
+          <p:spPr>
+            <a:xfrm>
+              <a:off x="6275961" y="1809173"/>
+              <a:ext cx="1295770" cy="3245468"/>
+            </a:xfrm>
+            <a:prstGeom prst="rect">
+              <a:avLst/>
+            </a:prstGeom>
+            <a:solidFill>
+              <a:srgbClr val="FFFFFF">
+                <a:alpha val="100000"/>
+              </a:srgbClr>
+            </a:solidFill>
+          </p:spPr>
+          <p:txBody>
+            <a:bodyPr/>
+            <a:lstStyle/>
+            <a:p/>
+          </p:txBody>
+        </p:sp>
+        <p:sp>
+          <p:nvSpPr>
+            <p:cNvPr id="87" name="pl87"/>
+            <p:cNvSpPr/>
+            <p:nvPr/>
+          </p:nvSpPr>
+          <p:spPr>
+            <a:xfrm>
+              <a:off x="6275961" y="4549058"/>
+              <a:ext cx="1295770" cy="0"/>
+            </a:xfrm>
+            <a:custGeom>
+              <a:avLst/>
+              <a:pathLst>
+                <a:path w="1295770" h="0">
+                  <a:moveTo>
+                    <a:pt x="0" y="0"/>
+                  </a:moveTo>
+                  <a:lnTo>
+                    <a:pt x="1295770" y="0"/>
+                  </a:lnTo>
+                  <a:lnTo>
+                    <a:pt x="1295770" y="0"/>
+                  </a:lnTo>
+                </a:path>
+              </a:pathLst>
+            </a:custGeom>
+            <a:ln w="6775" cap="flat">
+              <a:solidFill>
+                <a:srgbClr val="EBEBEB">
+                  <a:alpha val="100000"/>
+                </a:srgbClr>
+              </a:solidFill>
+              <a:prstDash val="solid"/>
+              <a:round/>
+            </a:ln>
+          </p:spPr>
+          <p:txBody>
+            <a:bodyPr/>
+            <a:lstStyle/>
+            <a:p/>
+          </p:txBody>
+        </p:sp>
+        <p:sp>
+          <p:nvSpPr>
+            <p:cNvPr id="88" name="pl88"/>
+            <p:cNvSpPr/>
+            <p:nvPr/>
+          </p:nvSpPr>
+          <p:spPr>
+            <a:xfrm>
+              <a:off x="6275961" y="3832936"/>
+              <a:ext cx="1295770" cy="0"/>
+            </a:xfrm>
+            <a:custGeom>
+              <a:avLst/>
+              <a:pathLst>
+                <a:path w="1295770" h="0">
+                  <a:moveTo>
+                    <a:pt x="0" y="0"/>
+                  </a:moveTo>
+                  <a:lnTo>
+                    <a:pt x="1295770" y="0"/>
+                  </a:lnTo>
+                  <a:lnTo>
+                    <a:pt x="1295770" y="0"/>
+                  </a:lnTo>
+                </a:path>
+              </a:pathLst>
+            </a:custGeom>
+            <a:ln w="6775" cap="flat">
+              <a:solidFill>
+                <a:srgbClr val="EBEBEB">
+                  <a:alpha val="100000"/>
+                </a:srgbClr>
+              </a:solidFill>
+              <a:prstDash val="solid"/>
+              <a:round/>
+            </a:ln>
+          </p:spPr>
+          <p:txBody>
+            <a:bodyPr/>
+            <a:lstStyle/>
+            <a:p/>
+          </p:txBody>
+        </p:sp>
+        <p:sp>
+          <p:nvSpPr>
+            <p:cNvPr id="89" name="pl89"/>
+            <p:cNvSpPr/>
+            <p:nvPr/>
+          </p:nvSpPr>
+          <p:spPr>
+            <a:xfrm>
+              <a:off x="6275961" y="3116813"/>
+              <a:ext cx="1295770" cy="0"/>
+            </a:xfrm>
+            <a:custGeom>
+              <a:avLst/>
+              <a:pathLst>
+                <a:path w="1295770" h="0">
+                  <a:moveTo>
+                    <a:pt x="0" y="0"/>
+                  </a:moveTo>
+                  <a:lnTo>
+                    <a:pt x="1295770" y="0"/>
+                  </a:lnTo>
+                  <a:lnTo>
+                    <a:pt x="1295770" y="0"/>
+                  </a:lnTo>
+                </a:path>
+              </a:pathLst>
+            </a:custGeom>
+            <a:ln w="6775" cap="flat">
+              <a:solidFill>
+                <a:srgbClr val="EBEBEB">
+                  <a:alpha val="100000"/>
+                </a:srgbClr>
+              </a:solidFill>
+              <a:prstDash val="solid"/>
+              <a:round/>
+            </a:ln>
+          </p:spPr>
+          <p:txBody>
+            <a:bodyPr/>
+            <a:lstStyle/>
+            <a:p/>
+          </p:txBody>
+        </p:sp>
+        <p:sp>
+          <p:nvSpPr>
+            <p:cNvPr id="90" name="pl90"/>
+            <p:cNvSpPr/>
+            <p:nvPr/>
+          </p:nvSpPr>
+          <p:spPr>
+            <a:xfrm>
+              <a:off x="6275961" y="2400690"/>
+              <a:ext cx="1295770" cy="0"/>
+            </a:xfrm>
+            <a:custGeom>
+              <a:avLst/>
+              <a:pathLst>
+                <a:path w="1295770" h="0">
+                  <a:moveTo>
+                    <a:pt x="0" y="0"/>
+                  </a:moveTo>
+                  <a:lnTo>
+                    <a:pt x="1295770" y="0"/>
+                  </a:lnTo>
+                  <a:lnTo>
+                    <a:pt x="1295770" y="0"/>
+                  </a:lnTo>
+                </a:path>
+              </a:pathLst>
+            </a:custGeom>
+            <a:ln w="6775" cap="flat">
+              <a:solidFill>
+                <a:srgbClr val="EBEBEB">
+                  <a:alpha val="100000"/>
+                </a:srgbClr>
+              </a:solidFill>
+              <a:prstDash val="solid"/>
+              <a:round/>
+            </a:ln>
+          </p:spPr>
+          <p:txBody>
+            <a:bodyPr/>
+            <a:lstStyle/>
+            <a:p/>
+          </p:txBody>
+        </p:sp>
+        <p:sp>
+          <p:nvSpPr>
+            <p:cNvPr id="91" name="pl91"/>
+            <p:cNvSpPr/>
+            <p:nvPr/>
+          </p:nvSpPr>
+          <p:spPr>
+            <a:xfrm>
+              <a:off x="6275961" y="4907120"/>
+              <a:ext cx="1295770" cy="0"/>
+            </a:xfrm>
+            <a:custGeom>
+              <a:avLst/>
+              <a:pathLst>
+                <a:path w="1295770" h="0">
+                  <a:moveTo>
+                    <a:pt x="0" y="0"/>
+                  </a:moveTo>
+                  <a:lnTo>
+                    <a:pt x="1295770" y="0"/>
+                  </a:lnTo>
+                  <a:lnTo>
+                    <a:pt x="1295770" y="0"/>
+                  </a:lnTo>
+                </a:path>
+              </a:pathLst>
+            </a:custGeom>
+            <a:ln w="13550" cap="flat">
+              <a:solidFill>
+                <a:srgbClr val="EBEBEB">
+                  <a:alpha val="100000"/>
+                </a:srgbClr>
+              </a:solidFill>
+              <a:prstDash val="solid"/>
+              <a:round/>
+            </a:ln>
+          </p:spPr>
+          <p:txBody>
+            <a:bodyPr/>
+            <a:lstStyle/>
+            <a:p/>
+          </p:txBody>
+        </p:sp>
+        <p:sp>
+          <p:nvSpPr>
+            <p:cNvPr id="92" name="pl92"/>
+            <p:cNvSpPr/>
+            <p:nvPr/>
+          </p:nvSpPr>
+          <p:spPr>
+            <a:xfrm>
+              <a:off x="6275961" y="4190997"/>
+              <a:ext cx="1295770" cy="0"/>
+            </a:xfrm>
+            <a:custGeom>
+              <a:avLst/>
+              <a:pathLst>
+                <a:path w="1295770" h="0">
+                  <a:moveTo>
+                    <a:pt x="0" y="0"/>
+                  </a:moveTo>
+                  <a:lnTo>
+                    <a:pt x="1295770" y="0"/>
+                  </a:lnTo>
+                  <a:lnTo>
+                    <a:pt x="1295770" y="0"/>
+                  </a:lnTo>
+                </a:path>
+              </a:pathLst>
+            </a:custGeom>
+            <a:ln w="13550" cap="flat">
+              <a:solidFill>
+                <a:srgbClr val="EBEBEB">
+                  <a:alpha val="100000"/>
+                </a:srgbClr>
+              </a:solidFill>
+              <a:prstDash val="solid"/>
+              <a:round/>
+            </a:ln>
+          </p:spPr>
+          <p:txBody>
+            <a:bodyPr/>
+            <a:lstStyle/>
+            <a:p/>
+          </p:txBody>
+        </p:sp>
+        <p:sp>
+          <p:nvSpPr>
+            <p:cNvPr id="93" name="pl93"/>
+            <p:cNvSpPr/>
+            <p:nvPr/>
+          </p:nvSpPr>
+          <p:spPr>
+            <a:xfrm>
+              <a:off x="6275961" y="3474874"/>
+              <a:ext cx="1295770" cy="0"/>
+            </a:xfrm>
+            <a:custGeom>
+              <a:avLst/>
+              <a:pathLst>
+                <a:path w="1295770" h="0">
+                  <a:moveTo>
+                    <a:pt x="0" y="0"/>
+                  </a:moveTo>
+                  <a:lnTo>
+                    <a:pt x="1295770" y="0"/>
+                  </a:lnTo>
+                  <a:lnTo>
+                    <a:pt x="1295770" y="0"/>
+                  </a:lnTo>
+                </a:path>
+              </a:pathLst>
+            </a:custGeom>
+            <a:ln w="13550" cap="flat">
+              <a:solidFill>
+                <a:srgbClr val="EBEBEB">
+                  <a:alpha val="100000"/>
+                </a:srgbClr>
+              </a:solidFill>
+              <a:prstDash val="solid"/>
+              <a:round/>
+            </a:ln>
+          </p:spPr>
+          <p:txBody>
+            <a:bodyPr/>
+            <a:lstStyle/>
+            <a:p/>
+          </p:txBody>
+        </p:sp>
+        <p:sp>
+          <p:nvSpPr>
+            <p:cNvPr id="94" name="pl94"/>
+            <p:cNvSpPr/>
+            <p:nvPr/>
+          </p:nvSpPr>
+          <p:spPr>
+            <a:xfrm>
+              <a:off x="6275961" y="2758751"/>
+              <a:ext cx="1295770" cy="0"/>
+            </a:xfrm>
+            <a:custGeom>
+              <a:avLst/>
+              <a:pathLst>
+                <a:path w="1295770" h="0">
+                  <a:moveTo>
+                    <a:pt x="0" y="0"/>
+                  </a:moveTo>
+                  <a:lnTo>
+                    <a:pt x="1295770" y="0"/>
+                  </a:lnTo>
+                  <a:lnTo>
+                    <a:pt x="1295770" y="0"/>
+                  </a:lnTo>
+                </a:path>
+              </a:pathLst>
+            </a:custGeom>
+            <a:ln w="13550" cap="flat">
+              <a:solidFill>
+                <a:srgbClr val="EBEBEB">
+                  <a:alpha val="100000"/>
+                </a:srgbClr>
+              </a:solidFill>
+              <a:prstDash val="solid"/>
+              <a:round/>
+            </a:ln>
+          </p:spPr>
+          <p:txBody>
+            <a:bodyPr/>
+            <a:lstStyle/>
+            <a:p/>
+          </p:txBody>
+        </p:sp>
+        <p:sp>
+          <p:nvSpPr>
+            <p:cNvPr id="95" name="pl95"/>
+            <p:cNvSpPr/>
+            <p:nvPr/>
+          </p:nvSpPr>
+          <p:spPr>
+            <a:xfrm>
+              <a:off x="6275961" y="2042629"/>
+              <a:ext cx="1295770" cy="0"/>
+            </a:xfrm>
+            <a:custGeom>
+              <a:avLst/>
+              <a:pathLst>
+                <a:path w="1295770" h="0">
+                  <a:moveTo>
+                    <a:pt x="0" y="0"/>
+                  </a:moveTo>
+                  <a:lnTo>
+                    <a:pt x="1295770" y="0"/>
+                  </a:lnTo>
+                  <a:lnTo>
+                    <a:pt x="1295770" y="0"/>
+                  </a:lnTo>
+                </a:path>
+              </a:pathLst>
+            </a:custGeom>
+            <a:ln w="13550" cap="flat">
+              <a:solidFill>
+                <a:srgbClr val="EBEBEB">
+                  <a:alpha val="100000"/>
+                </a:srgbClr>
+              </a:solidFill>
+              <a:prstDash val="solid"/>
+              <a:round/>
+            </a:ln>
+          </p:spPr>
+          <p:txBody>
+            <a:bodyPr/>
+            <a:lstStyle/>
+            <a:p/>
+          </p:txBody>
+        </p:sp>
+        <p:sp>
+          <p:nvSpPr>
+            <p:cNvPr id="96" name="pl96"/>
+            <p:cNvSpPr/>
+            <p:nvPr/>
+          </p:nvSpPr>
+          <p:spPr>
+            <a:xfrm>
+              <a:off x="6370774" y="1809173"/>
+              <a:ext cx="0" cy="3245468"/>
+            </a:xfrm>
+            <a:custGeom>
+              <a:avLst/>
+              <a:pathLst>
+                <a:path w="0" h="3245468">
+                  <a:moveTo>
+                    <a:pt x="0" y="3245468"/>
+                  </a:moveTo>
+                  <a:lnTo>
+                    <a:pt x="0" y="0"/>
+                  </a:lnTo>
+                  <a:lnTo>
+                    <a:pt x="0" y="0"/>
+                  </a:lnTo>
+                </a:path>
+              </a:pathLst>
+            </a:custGeom>
+            <a:ln w="13550" cap="flat">
+              <a:solidFill>
+                <a:srgbClr val="EBEBEB">
+                  <a:alpha val="100000"/>
+                </a:srgbClr>
+              </a:solidFill>
+              <a:prstDash val="solid"/>
+              <a:round/>
+            </a:ln>
+          </p:spPr>
+          <p:txBody>
+            <a:bodyPr/>
+            <a:lstStyle/>
+            <a:p/>
+          </p:txBody>
+        </p:sp>
+        <p:sp>
+          <p:nvSpPr>
+            <p:cNvPr id="97" name="pl97"/>
+            <p:cNvSpPr/>
+            <p:nvPr/>
+          </p:nvSpPr>
+          <p:spPr>
+            <a:xfrm>
+              <a:off x="6528794" y="1809173"/>
+              <a:ext cx="0" cy="3245468"/>
+            </a:xfrm>
+            <a:custGeom>
+              <a:avLst/>
+              <a:pathLst>
+                <a:path w="0" h="3245468">
+                  <a:moveTo>
+                    <a:pt x="0" y="3245468"/>
+                  </a:moveTo>
+                  <a:lnTo>
+                    <a:pt x="0" y="0"/>
+                  </a:lnTo>
+                  <a:lnTo>
+                    <a:pt x="0" y="0"/>
+                  </a:lnTo>
+                </a:path>
+              </a:pathLst>
+            </a:custGeom>
+            <a:ln w="13550" cap="flat">
+              <a:solidFill>
+                <a:srgbClr val="EBEBEB">
+                  <a:alpha val="100000"/>
+                </a:srgbClr>
+              </a:solidFill>
+              <a:prstDash val="solid"/>
+              <a:round/>
+            </a:ln>
+          </p:spPr>
+          <p:txBody>
+            <a:bodyPr/>
+            <a:lstStyle/>
+            <a:p/>
+          </p:txBody>
+        </p:sp>
+        <p:sp>
+          <p:nvSpPr>
+            <p:cNvPr id="98" name="pl98"/>
+            <p:cNvSpPr/>
+            <p:nvPr/>
+          </p:nvSpPr>
+          <p:spPr>
+            <a:xfrm>
+              <a:off x="6686815" y="1809173"/>
+              <a:ext cx="0" cy="3245468"/>
+            </a:xfrm>
+            <a:custGeom>
+              <a:avLst/>
+              <a:pathLst>
+                <a:path w="0" h="3245468">
+                  <a:moveTo>
+                    <a:pt x="0" y="3245468"/>
+                  </a:moveTo>
+                  <a:lnTo>
+                    <a:pt x="0" y="0"/>
+                  </a:lnTo>
+                  <a:lnTo>
+                    <a:pt x="0" y="0"/>
+                  </a:lnTo>
+                </a:path>
+              </a:pathLst>
+            </a:custGeom>
+            <a:ln w="13550" cap="flat">
+              <a:solidFill>
+                <a:srgbClr val="EBEBEB">
+                  <a:alpha val="100000"/>
+                </a:srgbClr>
+              </a:solidFill>
+              <a:prstDash val="solid"/>
+              <a:round/>
+            </a:ln>
+          </p:spPr>
+          <p:txBody>
+            <a:bodyPr/>
+            <a:lstStyle/>
+            <a:p/>
+          </p:txBody>
+        </p:sp>
+        <p:sp>
+          <p:nvSpPr>
+            <p:cNvPr id="99" name="pl99"/>
+            <p:cNvSpPr/>
+            <p:nvPr/>
+          </p:nvSpPr>
+          <p:spPr>
+            <a:xfrm>
+              <a:off x="6844836" y="1809173"/>
+              <a:ext cx="0" cy="3245468"/>
+            </a:xfrm>
+            <a:custGeom>
+              <a:avLst/>
+              <a:pathLst>
+                <a:path w="0" h="3245468">
+                  <a:moveTo>
+                    <a:pt x="0" y="3245468"/>
+                  </a:moveTo>
+                  <a:lnTo>
+                    <a:pt x="0" y="0"/>
+                  </a:lnTo>
+                  <a:lnTo>
+                    <a:pt x="0" y="0"/>
+                  </a:lnTo>
+                </a:path>
+              </a:pathLst>
+            </a:custGeom>
+            <a:ln w="13550" cap="flat">
+              <a:solidFill>
+                <a:srgbClr val="EBEBEB">
+                  <a:alpha val="100000"/>
+                </a:srgbClr>
+              </a:solidFill>
+              <a:prstDash val="solid"/>
+              <a:round/>
+            </a:ln>
+          </p:spPr>
+          <p:txBody>
+            <a:bodyPr/>
+            <a:lstStyle/>
+            <a:p/>
+          </p:txBody>
+        </p:sp>
+        <p:sp>
+          <p:nvSpPr>
+            <p:cNvPr id="100" name="pl100"/>
+            <p:cNvSpPr/>
+            <p:nvPr/>
+          </p:nvSpPr>
+          <p:spPr>
+            <a:xfrm>
+              <a:off x="7002857" y="1809173"/>
+              <a:ext cx="0" cy="3245468"/>
+            </a:xfrm>
+            <a:custGeom>
+              <a:avLst/>
+              <a:pathLst>
+                <a:path w="0" h="3245468">
+                  <a:moveTo>
+                    <a:pt x="0" y="3245468"/>
+                  </a:moveTo>
+                  <a:lnTo>
+                    <a:pt x="0" y="0"/>
+                  </a:lnTo>
+                  <a:lnTo>
+                    <a:pt x="0" y="0"/>
+                  </a:lnTo>
+                </a:path>
+              </a:pathLst>
+            </a:custGeom>
+            <a:ln w="13550" cap="flat">
+              <a:solidFill>
+                <a:srgbClr val="EBEBEB">
+                  <a:alpha val="100000"/>
+                </a:srgbClr>
+              </a:solidFill>
+              <a:prstDash val="solid"/>
+              <a:round/>
+            </a:ln>
+          </p:spPr>
+          <p:txBody>
+            <a:bodyPr/>
+            <a:lstStyle/>
+            <a:p/>
+          </p:txBody>
+        </p:sp>
+        <p:sp>
+          <p:nvSpPr>
+            <p:cNvPr id="101" name="pl101"/>
+            <p:cNvSpPr/>
+            <p:nvPr/>
+          </p:nvSpPr>
+          <p:spPr>
+            <a:xfrm>
+              <a:off x="7160878" y="1809173"/>
+              <a:ext cx="0" cy="3245468"/>
+            </a:xfrm>
+            <a:custGeom>
+              <a:avLst/>
+              <a:pathLst>
+                <a:path w="0" h="3245468">
+                  <a:moveTo>
+                    <a:pt x="0" y="3245468"/>
+                  </a:moveTo>
+                  <a:lnTo>
+                    <a:pt x="0" y="0"/>
+                  </a:lnTo>
+                  <a:lnTo>
+                    <a:pt x="0" y="0"/>
+                  </a:lnTo>
+                </a:path>
+              </a:pathLst>
+            </a:custGeom>
+            <a:ln w="13550" cap="flat">
+              <a:solidFill>
+                <a:srgbClr val="EBEBEB">
+                  <a:alpha val="100000"/>
+                </a:srgbClr>
+              </a:solidFill>
+              <a:prstDash val="solid"/>
+              <a:round/>
+            </a:ln>
+          </p:spPr>
+          <p:txBody>
+            <a:bodyPr/>
+            <a:lstStyle/>
+            <a:p/>
+          </p:txBody>
+        </p:sp>
+        <p:sp>
+          <p:nvSpPr>
+            <p:cNvPr id="102" name="pl102"/>
+            <p:cNvSpPr/>
+            <p:nvPr/>
+          </p:nvSpPr>
+          <p:spPr>
+            <a:xfrm>
+              <a:off x="7318899" y="1809173"/>
+              <a:ext cx="0" cy="3245468"/>
+            </a:xfrm>
+            <a:custGeom>
+              <a:avLst/>
+              <a:pathLst>
+                <a:path w="0" h="3245468">
+                  <a:moveTo>
+                    <a:pt x="0" y="3245468"/>
+                  </a:moveTo>
+                  <a:lnTo>
+                    <a:pt x="0" y="0"/>
+                  </a:lnTo>
+                  <a:lnTo>
+                    <a:pt x="0" y="0"/>
+                  </a:lnTo>
+                </a:path>
+              </a:pathLst>
+            </a:custGeom>
+            <a:ln w="13550" cap="flat">
+              <a:solidFill>
+                <a:srgbClr val="EBEBEB">
+                  <a:alpha val="100000"/>
+                </a:srgbClr>
+              </a:solidFill>
+              <a:prstDash val="solid"/>
+              <a:round/>
+            </a:ln>
+          </p:spPr>
+          <p:txBody>
+            <a:bodyPr/>
+            <a:lstStyle/>
+            <a:p/>
+          </p:txBody>
+        </p:sp>
+        <p:sp>
+          <p:nvSpPr>
+            <p:cNvPr id="103" name="pl103"/>
+            <p:cNvSpPr/>
+            <p:nvPr/>
+          </p:nvSpPr>
+          <p:spPr>
+            <a:xfrm>
+              <a:off x="7476919" y="1809173"/>
+              <a:ext cx="0" cy="3245468"/>
+            </a:xfrm>
+            <a:custGeom>
+              <a:avLst/>
+              <a:pathLst>
+                <a:path w="0" h="3245468">
+                  <a:moveTo>
+                    <a:pt x="0" y="3245468"/>
+                  </a:moveTo>
+                  <a:lnTo>
+                    <a:pt x="0" y="0"/>
+                  </a:lnTo>
+                  <a:lnTo>
+                    <a:pt x="0" y="0"/>
+                  </a:lnTo>
+                </a:path>
+              </a:pathLst>
+            </a:custGeom>
+            <a:ln w="13550" cap="flat">
+              <a:solidFill>
+                <a:srgbClr val="EBEBEB">
+                  <a:alpha val="100000"/>
+                </a:srgbClr>
+              </a:solidFill>
+              <a:prstDash val="solid"/>
+              <a:round/>
+            </a:ln>
+          </p:spPr>
+          <p:txBody>
+            <a:bodyPr/>
+            <a:lstStyle/>
+            <a:p/>
+          </p:txBody>
+        </p:sp>
+        <p:sp>
+          <p:nvSpPr>
+            <p:cNvPr id="104" name="rc104"/>
+            <p:cNvSpPr/>
+            <p:nvPr/>
+          </p:nvSpPr>
+          <p:spPr>
+            <a:xfrm>
+              <a:off x="6299664" y="4706605"/>
+              <a:ext cx="142218" cy="200514"/>
+            </a:xfrm>
+            <a:prstGeom prst="rect">
+              <a:avLst/>
+            </a:prstGeom>
+            <a:solidFill>
+              <a:srgbClr val="FFF5F0">
+                <a:alpha val="100000"/>
+              </a:srgbClr>
+            </a:solidFill>
+          </p:spPr>
+          <p:txBody>
+            <a:bodyPr/>
+            <a:lstStyle/>
+            <a:p/>
+          </p:txBody>
+        </p:sp>
+        <p:sp>
+          <p:nvSpPr>
+            <p:cNvPr id="105" name="rc105"/>
+            <p:cNvSpPr/>
+            <p:nvPr/>
+          </p:nvSpPr>
+          <p:spPr>
+            <a:xfrm>
+              <a:off x="6457685" y="4792540"/>
+              <a:ext cx="142218" cy="114579"/>
+            </a:xfrm>
+            <a:prstGeom prst="rect">
+              <a:avLst/>
+            </a:prstGeom>
+            <a:solidFill>
+              <a:srgbClr val="FEE0D2">
+                <a:alpha val="100000"/>
+              </a:srgbClr>
+            </a:solidFill>
+          </p:spPr>
+          <p:txBody>
+            <a:bodyPr/>
+            <a:lstStyle/>
+            <a:p/>
+          </p:txBody>
+        </p:sp>
+        <p:sp>
+          <p:nvSpPr>
+            <p:cNvPr id="106" name="rc106"/>
+            <p:cNvSpPr/>
+            <p:nvPr/>
+          </p:nvSpPr>
+          <p:spPr>
+            <a:xfrm>
+              <a:off x="6615706" y="4821185"/>
+              <a:ext cx="142218" cy="85934"/>
+            </a:xfrm>
+            <a:prstGeom prst="rect">
+              <a:avLst/>
+            </a:prstGeom>
+            <a:solidFill>
+              <a:srgbClr val="FCBBA1">
+                <a:alpha val="100000"/>
+              </a:srgbClr>
+            </a:solidFill>
+          </p:spPr>
+          <p:txBody>
+            <a:bodyPr/>
+            <a:lstStyle/>
+            <a:p/>
+          </p:txBody>
+        </p:sp>
+        <p:sp>
+          <p:nvSpPr>
+            <p:cNvPr id="107" name="rc107"/>
+            <p:cNvSpPr/>
+            <p:nvPr/>
+          </p:nvSpPr>
+          <p:spPr>
+            <a:xfrm>
+              <a:off x="6773727" y="4821185"/>
+              <a:ext cx="142218" cy="85934"/>
+            </a:xfrm>
+            <a:prstGeom prst="rect">
+              <a:avLst/>
+            </a:prstGeom>
+            <a:solidFill>
+              <a:srgbClr val="FC9272">
+                <a:alpha val="100000"/>
+              </a:srgbClr>
+            </a:solidFill>
+          </p:spPr>
+          <p:txBody>
+            <a:bodyPr/>
+            <a:lstStyle/>
+            <a:p/>
+          </p:txBody>
+        </p:sp>
+        <p:sp>
+          <p:nvSpPr>
+            <p:cNvPr id="108" name="rc108"/>
+            <p:cNvSpPr/>
+            <p:nvPr/>
+          </p:nvSpPr>
+          <p:spPr>
+            <a:xfrm>
+              <a:off x="6931748" y="4792540"/>
+              <a:ext cx="142218" cy="114579"/>
+            </a:xfrm>
+            <a:prstGeom prst="rect">
+              <a:avLst/>
+            </a:prstGeom>
+            <a:solidFill>
+              <a:srgbClr val="FB6A4A">
+                <a:alpha val="100000"/>
+              </a:srgbClr>
+            </a:solidFill>
+          </p:spPr>
+          <p:txBody>
+            <a:bodyPr/>
+            <a:lstStyle/>
+            <a:p/>
+          </p:txBody>
+        </p:sp>
+        <p:sp>
+          <p:nvSpPr>
+            <p:cNvPr id="109" name="rc109"/>
+            <p:cNvSpPr/>
+            <p:nvPr/>
+          </p:nvSpPr>
+          <p:spPr>
+            <a:xfrm>
+              <a:off x="7089768" y="4592026"/>
+              <a:ext cx="142218" cy="315094"/>
+            </a:xfrm>
+            <a:prstGeom prst="rect">
+              <a:avLst/>
+            </a:prstGeom>
+            <a:solidFill>
+              <a:srgbClr val="EF3B2C">
+                <a:alpha val="100000"/>
+              </a:srgbClr>
+            </a:solidFill>
+          </p:spPr>
+          <p:txBody>
+            <a:bodyPr/>
+            <a:lstStyle/>
+            <a:p/>
+          </p:txBody>
+        </p:sp>
+        <p:sp>
+          <p:nvSpPr>
+            <p:cNvPr id="110" name="rc110"/>
+            <p:cNvSpPr/>
+            <p:nvPr/>
+          </p:nvSpPr>
+          <p:spPr>
+            <a:xfrm>
+              <a:off x="7247789" y="4019127"/>
+              <a:ext cx="142218" cy="887992"/>
+            </a:xfrm>
+            <a:prstGeom prst="rect">
+              <a:avLst/>
+            </a:prstGeom>
+            <a:solidFill>
+              <a:srgbClr val="CB181D">
+                <a:alpha val="100000"/>
+              </a:srgbClr>
+            </a:solidFill>
+          </p:spPr>
+          <p:txBody>
+            <a:bodyPr/>
+            <a:lstStyle/>
+            <a:p/>
+          </p:txBody>
+        </p:sp>
+        <p:sp>
+          <p:nvSpPr>
+            <p:cNvPr id="111" name="rc111"/>
+            <p:cNvSpPr/>
+            <p:nvPr/>
+          </p:nvSpPr>
+          <p:spPr>
+            <a:xfrm>
+              <a:off x="7405810" y="4706605"/>
+              <a:ext cx="142218" cy="200514"/>
+            </a:xfrm>
+            <a:prstGeom prst="rect">
+              <a:avLst/>
+            </a:prstGeom>
+            <a:solidFill>
+              <a:srgbClr val="99000D">
+                <a:alpha val="100000"/>
+              </a:srgbClr>
+            </a:solidFill>
+          </p:spPr>
+          <p:txBody>
+            <a:bodyPr/>
+            <a:lstStyle/>
+            <a:p/>
+          </p:txBody>
+        </p:sp>
+        <p:sp>
+          <p:nvSpPr>
+            <p:cNvPr id="112" name="rc112"/>
+            <p:cNvSpPr/>
+            <p:nvPr/>
+          </p:nvSpPr>
+          <p:spPr>
+            <a:xfrm>
+              <a:off x="6275961" y="1809173"/>
+              <a:ext cx="1295770" cy="3245468"/>
+            </a:xfrm>
+            <a:prstGeom prst="rect">
+              <a:avLst/>
+            </a:prstGeom>
+            <a:ln w="13550" cap="rnd">
+              <a:solidFill>
+                <a:srgbClr val="333333">
+                  <a:alpha val="100000"/>
+                </a:srgbClr>
+              </a:solidFill>
+              <a:prstDash val="solid"/>
+              <a:round/>
+            </a:ln>
+          </p:spPr>
+          <p:txBody>
+            <a:bodyPr/>
+            <a:lstStyle/>
+            <a:p/>
+          </p:txBody>
+        </p:sp>
+        <p:sp>
+          <p:nvSpPr>
+            <p:cNvPr id="113" name="rc113"/>
+            <p:cNvSpPr/>
+            <p:nvPr/>
+          </p:nvSpPr>
+          <p:spPr>
+            <a:xfrm>
+              <a:off x="7641321" y="1809173"/>
+              <a:ext cx="1295770" cy="3245468"/>
+            </a:xfrm>
+            <a:prstGeom prst="rect">
+              <a:avLst/>
+            </a:prstGeom>
+            <a:solidFill>
+              <a:srgbClr val="FFFFFF">
+                <a:alpha val="100000"/>
+              </a:srgbClr>
+            </a:solidFill>
+          </p:spPr>
+          <p:txBody>
+            <a:bodyPr/>
+            <a:lstStyle/>
+            <a:p/>
+          </p:txBody>
+        </p:sp>
+        <p:sp>
+          <p:nvSpPr>
+            <p:cNvPr id="114" name="pl114"/>
+            <p:cNvSpPr/>
+            <p:nvPr/>
+          </p:nvSpPr>
+          <p:spPr>
+            <a:xfrm>
+              <a:off x="7641321" y="4549058"/>
+              <a:ext cx="1295770" cy="0"/>
+            </a:xfrm>
+            <a:custGeom>
+              <a:avLst/>
+              <a:pathLst>
+                <a:path w="1295770" h="0">
+                  <a:moveTo>
+                    <a:pt x="0" y="0"/>
+                  </a:moveTo>
+                  <a:lnTo>
+                    <a:pt x="1295770" y="0"/>
+                  </a:lnTo>
+                  <a:lnTo>
+                    <a:pt x="1295770" y="0"/>
+                  </a:lnTo>
+                </a:path>
+              </a:pathLst>
+            </a:custGeom>
+            <a:ln w="6775" cap="flat">
+              <a:solidFill>
+                <a:srgbClr val="EBEBEB">
+                  <a:alpha val="100000"/>
+                </a:srgbClr>
+              </a:solidFill>
+              <a:prstDash val="solid"/>
+              <a:round/>
+            </a:ln>
+          </p:spPr>
+          <p:txBody>
+            <a:bodyPr/>
+            <a:lstStyle/>
+            <a:p/>
+          </p:txBody>
+        </p:sp>
+        <p:sp>
+          <p:nvSpPr>
+            <p:cNvPr id="115" name="pl115"/>
+            <p:cNvSpPr/>
+            <p:nvPr/>
+          </p:nvSpPr>
+          <p:spPr>
+            <a:xfrm>
+              <a:off x="7641321" y="3832936"/>
+              <a:ext cx="1295770" cy="0"/>
+            </a:xfrm>
+            <a:custGeom>
+              <a:avLst/>
+              <a:pathLst>
+                <a:path w="1295770" h="0">
+                  <a:moveTo>
+                    <a:pt x="0" y="0"/>
+                  </a:moveTo>
+                  <a:lnTo>
+                    <a:pt x="1295770" y="0"/>
+                  </a:lnTo>
+                  <a:lnTo>
+                    <a:pt x="1295770" y="0"/>
+                  </a:lnTo>
+                </a:path>
+              </a:pathLst>
+            </a:custGeom>
+            <a:ln w="6775" cap="flat">
+              <a:solidFill>
+                <a:srgbClr val="EBEBEB">
+                  <a:alpha val="100000"/>
+                </a:srgbClr>
+              </a:solidFill>
+              <a:prstDash val="solid"/>
+              <a:round/>
+            </a:ln>
+          </p:spPr>
+          <p:txBody>
+            <a:bodyPr/>
+            <a:lstStyle/>
+            <a:p/>
+          </p:txBody>
+        </p:sp>
+        <p:sp>
+          <p:nvSpPr>
+            <p:cNvPr id="116" name="pl116"/>
+            <p:cNvSpPr/>
+            <p:nvPr/>
+          </p:nvSpPr>
+          <p:spPr>
+            <a:xfrm>
+              <a:off x="7641321" y="3116813"/>
+              <a:ext cx="1295770" cy="0"/>
+            </a:xfrm>
+            <a:custGeom>
+              <a:avLst/>
+              <a:pathLst>
+                <a:path w="1295770" h="0">
+                  <a:moveTo>
+                    <a:pt x="0" y="0"/>
+                  </a:moveTo>
+                  <a:lnTo>
+                    <a:pt x="1295770" y="0"/>
+                  </a:lnTo>
+                  <a:lnTo>
+                    <a:pt x="1295770" y="0"/>
+                  </a:lnTo>
+                </a:path>
+              </a:pathLst>
+            </a:custGeom>
+            <a:ln w="6775" cap="flat">
+              <a:solidFill>
+                <a:srgbClr val="EBEBEB">
+                  <a:alpha val="100000"/>
+                </a:srgbClr>
+              </a:solidFill>
+              <a:prstDash val="solid"/>
+              <a:round/>
+            </a:ln>
+          </p:spPr>
+          <p:txBody>
+            <a:bodyPr/>
+            <a:lstStyle/>
+            <a:p/>
+          </p:txBody>
+        </p:sp>
+        <p:sp>
+          <p:nvSpPr>
+            <p:cNvPr id="117" name="pl117"/>
+            <p:cNvSpPr/>
+            <p:nvPr/>
+          </p:nvSpPr>
+          <p:spPr>
+            <a:xfrm>
+              <a:off x="7641321" y="2400690"/>
+              <a:ext cx="1295770" cy="0"/>
+            </a:xfrm>
+            <a:custGeom>
+              <a:avLst/>
+              <a:pathLst>
+                <a:path w="1295770" h="0">
+                  <a:moveTo>
+                    <a:pt x="0" y="0"/>
+                  </a:moveTo>
+                  <a:lnTo>
+                    <a:pt x="1295770" y="0"/>
+                  </a:lnTo>
+                  <a:lnTo>
+                    <a:pt x="1295770" y="0"/>
+                  </a:lnTo>
+                </a:path>
+              </a:pathLst>
+            </a:custGeom>
+            <a:ln w="6775" cap="flat">
+              <a:solidFill>
+                <a:srgbClr val="EBEBEB">
+                  <a:alpha val="100000"/>
+                </a:srgbClr>
+              </a:solidFill>
+              <a:prstDash val="solid"/>
+              <a:round/>
+            </a:ln>
+          </p:spPr>
+          <p:txBody>
+            <a:bodyPr/>
+            <a:lstStyle/>
+            <a:p/>
+          </p:txBody>
+        </p:sp>
+        <p:sp>
+          <p:nvSpPr>
+            <p:cNvPr id="118" name="pl118"/>
+            <p:cNvSpPr/>
+            <p:nvPr/>
+          </p:nvSpPr>
+          <p:spPr>
+            <a:xfrm>
+              <a:off x="7641321" y="4907120"/>
+              <a:ext cx="1295770" cy="0"/>
+            </a:xfrm>
+            <a:custGeom>
+              <a:avLst/>
+              <a:pathLst>
+                <a:path w="1295770" h="0">
+                  <a:moveTo>
+                    <a:pt x="0" y="0"/>
+                  </a:moveTo>
+                  <a:lnTo>
+                    <a:pt x="1295770" y="0"/>
+                  </a:lnTo>
+                  <a:lnTo>
+                    <a:pt x="1295770" y="0"/>
+                  </a:lnTo>
+                </a:path>
+              </a:pathLst>
+            </a:custGeom>
+            <a:ln w="13550" cap="flat">
+              <a:solidFill>
+                <a:srgbClr val="EBEBEB">
+                  <a:alpha val="100000"/>
+                </a:srgbClr>
+              </a:solidFill>
+              <a:prstDash val="solid"/>
+              <a:round/>
+            </a:ln>
+          </p:spPr>
+          <p:txBody>
+            <a:bodyPr/>
+            <a:lstStyle/>
+            <a:p/>
+          </p:txBody>
+        </p:sp>
+        <p:sp>
+          <p:nvSpPr>
+            <p:cNvPr id="119" name="pl119"/>
+            <p:cNvSpPr/>
+            <p:nvPr/>
+          </p:nvSpPr>
+          <p:spPr>
+            <a:xfrm>
+              <a:off x="7641321" y="4190997"/>
+              <a:ext cx="1295770" cy="0"/>
+            </a:xfrm>
+            <a:custGeom>
+              <a:avLst/>
+              <a:pathLst>
+                <a:path w="1295770" h="0">
+                  <a:moveTo>
+                    <a:pt x="0" y="0"/>
+                  </a:moveTo>
+                  <a:lnTo>
+                    <a:pt x="1295770" y="0"/>
+                  </a:lnTo>
+                  <a:lnTo>
+                    <a:pt x="1295770" y="0"/>
+                  </a:lnTo>
+                </a:path>
+              </a:pathLst>
+            </a:custGeom>
+            <a:ln w="13550" cap="flat">
+              <a:solidFill>
+                <a:srgbClr val="EBEBEB">
+                  <a:alpha val="100000"/>
+                </a:srgbClr>
+              </a:solidFill>
+              <a:prstDash val="solid"/>
+              <a:round/>
+            </a:ln>
+          </p:spPr>
+          <p:txBody>
+            <a:bodyPr/>
+            <a:lstStyle/>
+            <a:p/>
+          </p:txBody>
+        </p:sp>
+        <p:sp>
+          <p:nvSpPr>
+            <p:cNvPr id="120" name="pl120"/>
+            <p:cNvSpPr/>
+            <p:nvPr/>
+          </p:nvSpPr>
+          <p:spPr>
+            <a:xfrm>
+              <a:off x="7641321" y="3474874"/>
+              <a:ext cx="1295770" cy="0"/>
+            </a:xfrm>
+            <a:custGeom>
+              <a:avLst/>
+              <a:pathLst>
+                <a:path w="1295770" h="0">
+                  <a:moveTo>
+                    <a:pt x="0" y="0"/>
+                  </a:moveTo>
+                  <a:lnTo>
+                    <a:pt x="1295770" y="0"/>
+                  </a:lnTo>
+                  <a:lnTo>
+                    <a:pt x="1295770" y="0"/>
+                  </a:lnTo>
+                </a:path>
+              </a:pathLst>
+            </a:custGeom>
+            <a:ln w="13550" cap="flat">
+              <a:solidFill>
+                <a:srgbClr val="EBEBEB">
+                  <a:alpha val="100000"/>
+                </a:srgbClr>
+              </a:solidFill>
+              <a:prstDash val="solid"/>
+              <a:round/>
+            </a:ln>
+          </p:spPr>
+          <p:txBody>
+            <a:bodyPr/>
+            <a:lstStyle/>
+            <a:p/>
+          </p:txBody>
+        </p:sp>
+        <p:sp>
+          <p:nvSpPr>
+            <p:cNvPr id="121" name="pl121"/>
+            <p:cNvSpPr/>
+            <p:nvPr/>
+          </p:nvSpPr>
+          <p:spPr>
+            <a:xfrm>
+              <a:off x="7641321" y="2758751"/>
+              <a:ext cx="1295770" cy="0"/>
+            </a:xfrm>
+            <a:custGeom>
+              <a:avLst/>
+              <a:pathLst>
+                <a:path w="1295770" h="0">
+                  <a:moveTo>
+                    <a:pt x="0" y="0"/>
+                  </a:moveTo>
+                  <a:lnTo>
+                    <a:pt x="1295770" y="0"/>
+                  </a:lnTo>
+                  <a:lnTo>
+                    <a:pt x="1295770" y="0"/>
+                  </a:lnTo>
+                </a:path>
+              </a:pathLst>
+            </a:custGeom>
+            <a:ln w="13550" cap="flat">
+              <a:solidFill>
+                <a:srgbClr val="EBEBEB">
+                  <a:alpha val="100000"/>
+                </a:srgbClr>
+              </a:solidFill>
+              <a:prstDash val="solid"/>
+              <a:round/>
+            </a:ln>
+          </p:spPr>
+          <p:txBody>
+            <a:bodyPr/>
+            <a:lstStyle/>
+            <a:p/>
+          </p:txBody>
+        </p:sp>
+        <p:sp>
+          <p:nvSpPr>
+            <p:cNvPr id="122" name="pl122"/>
+            <p:cNvSpPr/>
+            <p:nvPr/>
+          </p:nvSpPr>
+          <p:spPr>
+            <a:xfrm>
+              <a:off x="7641321" y="2042629"/>
+              <a:ext cx="1295770" cy="0"/>
+            </a:xfrm>
+            <a:custGeom>
+              <a:avLst/>
+              <a:pathLst>
+                <a:path w="1295770" h="0">
+                  <a:moveTo>
+                    <a:pt x="0" y="0"/>
+                  </a:moveTo>
+                  <a:lnTo>
+                    <a:pt x="1295770" y="0"/>
+                  </a:lnTo>
+                  <a:lnTo>
+                    <a:pt x="1295770" y="0"/>
+                  </a:lnTo>
+                </a:path>
+              </a:pathLst>
+            </a:custGeom>
+            <a:ln w="13550" cap="flat">
+              <a:solidFill>
+                <a:srgbClr val="EBEBEB">
+                  <a:alpha val="100000"/>
+                </a:srgbClr>
+              </a:solidFill>
+              <a:prstDash val="solid"/>
+              <a:round/>
+            </a:ln>
+          </p:spPr>
+          <p:txBody>
+            <a:bodyPr/>
+            <a:lstStyle/>
+            <a:p/>
+          </p:txBody>
+        </p:sp>
+        <p:sp>
+          <p:nvSpPr>
+            <p:cNvPr id="123" name="pl123"/>
+            <p:cNvSpPr/>
+            <p:nvPr/>
+          </p:nvSpPr>
+          <p:spPr>
+            <a:xfrm>
+              <a:off x="7736134" y="1809173"/>
+              <a:ext cx="0" cy="3245468"/>
+            </a:xfrm>
+            <a:custGeom>
+              <a:avLst/>
+              <a:pathLst>
+                <a:path w="0" h="3245468">
+                  <a:moveTo>
+                    <a:pt x="0" y="3245468"/>
+                  </a:moveTo>
+                  <a:lnTo>
+                    <a:pt x="0" y="0"/>
+                  </a:lnTo>
+                  <a:lnTo>
+                    <a:pt x="0" y="0"/>
+                  </a:lnTo>
+                </a:path>
+              </a:pathLst>
+            </a:custGeom>
+            <a:ln w="13550" cap="flat">
+              <a:solidFill>
+                <a:srgbClr val="EBEBEB">
+                  <a:alpha val="100000"/>
+                </a:srgbClr>
+              </a:solidFill>
+              <a:prstDash val="solid"/>
+              <a:round/>
+            </a:ln>
+          </p:spPr>
+          <p:txBody>
+            <a:bodyPr/>
+            <a:lstStyle/>
+            <a:p/>
+          </p:txBody>
+        </p:sp>
+        <p:sp>
+          <p:nvSpPr>
+            <p:cNvPr id="124" name="pl124"/>
+            <p:cNvSpPr/>
+            <p:nvPr/>
+          </p:nvSpPr>
+          <p:spPr>
+            <a:xfrm>
+              <a:off x="7894154" y="1809173"/>
+              <a:ext cx="0" cy="3245468"/>
+            </a:xfrm>
+            <a:custGeom>
+              <a:avLst/>
+              <a:pathLst>
+                <a:path w="0" h="3245468">
+                  <a:moveTo>
+                    <a:pt x="0" y="3245468"/>
+                  </a:moveTo>
+                  <a:lnTo>
+                    <a:pt x="0" y="0"/>
+                  </a:lnTo>
+                  <a:lnTo>
+                    <a:pt x="0" y="0"/>
+                  </a:lnTo>
+                </a:path>
+              </a:pathLst>
+            </a:custGeom>
+            <a:ln w="13550" cap="flat">
+              <a:solidFill>
+                <a:srgbClr val="EBEBEB">
+                  <a:alpha val="100000"/>
+                </a:srgbClr>
+              </a:solidFill>
+              <a:prstDash val="solid"/>
+              <a:round/>
+            </a:ln>
+          </p:spPr>
+          <p:txBody>
+            <a:bodyPr/>
+            <a:lstStyle/>
+            <a:p/>
+          </p:txBody>
+        </p:sp>
+        <p:sp>
+          <p:nvSpPr>
+            <p:cNvPr id="125" name="pl125"/>
+            <p:cNvSpPr/>
+            <p:nvPr/>
+          </p:nvSpPr>
+          <p:spPr>
+            <a:xfrm>
+              <a:off x="8052175" y="1809173"/>
+              <a:ext cx="0" cy="3245468"/>
+            </a:xfrm>
+            <a:custGeom>
+              <a:avLst/>
+              <a:pathLst>
+                <a:path w="0" h="3245468">
+                  <a:moveTo>
+                    <a:pt x="0" y="3245468"/>
+                  </a:moveTo>
+                  <a:lnTo>
+                    <a:pt x="0" y="0"/>
+                  </a:lnTo>
+                  <a:lnTo>
+                    <a:pt x="0" y="0"/>
+                  </a:lnTo>
+                </a:path>
+              </a:pathLst>
+            </a:custGeom>
+            <a:ln w="13550" cap="flat">
+              <a:solidFill>
+                <a:srgbClr val="EBEBEB">
+                  <a:alpha val="100000"/>
+                </a:srgbClr>
+              </a:solidFill>
+              <a:prstDash val="solid"/>
+              <a:round/>
+            </a:ln>
+          </p:spPr>
+          <p:txBody>
+            <a:bodyPr/>
+            <a:lstStyle/>
+            <a:p/>
+          </p:txBody>
+        </p:sp>
+        <p:sp>
+          <p:nvSpPr>
+            <p:cNvPr id="126" name="pl126"/>
+            <p:cNvSpPr/>
+            <p:nvPr/>
+          </p:nvSpPr>
+          <p:spPr>
+            <a:xfrm>
+              <a:off x="8210196" y="1809173"/>
+              <a:ext cx="0" cy="3245468"/>
+            </a:xfrm>
+            <a:custGeom>
+              <a:avLst/>
+              <a:pathLst>
+                <a:path w="0" h="3245468">
+                  <a:moveTo>
+                    <a:pt x="0" y="3245468"/>
+                  </a:moveTo>
+                  <a:lnTo>
+                    <a:pt x="0" y="0"/>
+                  </a:lnTo>
+                  <a:lnTo>
+                    <a:pt x="0" y="0"/>
+                  </a:lnTo>
+                </a:path>
+              </a:pathLst>
+            </a:custGeom>
+            <a:ln w="13550" cap="flat">
+              <a:solidFill>
+                <a:srgbClr val="EBEBEB">
+                  <a:alpha val="100000"/>
+                </a:srgbClr>
+              </a:solidFill>
+              <a:prstDash val="solid"/>
+              <a:round/>
+            </a:ln>
+          </p:spPr>
+          <p:txBody>
+            <a:bodyPr/>
+            <a:lstStyle/>
+            <a:p/>
+          </p:txBody>
+        </p:sp>
+        <p:sp>
+          <p:nvSpPr>
+            <p:cNvPr id="127" name="pl127"/>
+            <p:cNvSpPr/>
+            <p:nvPr/>
+          </p:nvSpPr>
+          <p:spPr>
+            <a:xfrm>
+              <a:off x="8368217" y="1809173"/>
+              <a:ext cx="0" cy="3245468"/>
+            </a:xfrm>
+            <a:custGeom>
+              <a:avLst/>
+              <a:pathLst>
+                <a:path w="0" h="3245468">
+                  <a:moveTo>
+                    <a:pt x="0" y="3245468"/>
+                  </a:moveTo>
+                  <a:lnTo>
+                    <a:pt x="0" y="0"/>
+                  </a:lnTo>
+                  <a:lnTo>
+                    <a:pt x="0" y="0"/>
+                  </a:lnTo>
+                </a:path>
+              </a:pathLst>
+            </a:custGeom>
+            <a:ln w="13550" cap="flat">
+              <a:solidFill>
+                <a:srgbClr val="EBEBEB">
+                  <a:alpha val="100000"/>
+                </a:srgbClr>
+              </a:solidFill>
+              <a:prstDash val="solid"/>
+              <a:round/>
+            </a:ln>
+          </p:spPr>
+          <p:txBody>
+            <a:bodyPr/>
+            <a:lstStyle/>
+            <a:p/>
+          </p:txBody>
+        </p:sp>
+        <p:sp>
+          <p:nvSpPr>
+            <p:cNvPr id="128" name="pl128"/>
+            <p:cNvSpPr/>
+            <p:nvPr/>
+          </p:nvSpPr>
+          <p:spPr>
+            <a:xfrm>
+              <a:off x="8526238" y="1809173"/>
+              <a:ext cx="0" cy="3245468"/>
+            </a:xfrm>
+            <a:custGeom>
+              <a:avLst/>
+              <a:pathLst>
+                <a:path w="0" h="3245468">
+                  <a:moveTo>
+                    <a:pt x="0" y="3245468"/>
+                  </a:moveTo>
+                  <a:lnTo>
+                    <a:pt x="0" y="0"/>
+                  </a:lnTo>
+                  <a:lnTo>
+                    <a:pt x="0" y="0"/>
+                  </a:lnTo>
+                </a:path>
+              </a:pathLst>
+            </a:custGeom>
+            <a:ln w="13550" cap="flat">
+              <a:solidFill>
+                <a:srgbClr val="EBEBEB">
+                  <a:alpha val="100000"/>
+                </a:srgbClr>
+              </a:solidFill>
+              <a:prstDash val="solid"/>
+              <a:round/>
+            </a:ln>
+          </p:spPr>
+          <p:txBody>
+            <a:bodyPr/>
+            <a:lstStyle/>
+            <a:p/>
+          </p:txBody>
+        </p:sp>
+        <p:sp>
+          <p:nvSpPr>
+            <p:cNvPr id="129" name="pl129"/>
+            <p:cNvSpPr/>
+            <p:nvPr/>
+          </p:nvSpPr>
+          <p:spPr>
+            <a:xfrm>
+              <a:off x="8684259" y="1809173"/>
+              <a:ext cx="0" cy="3245468"/>
+            </a:xfrm>
+            <a:custGeom>
+              <a:avLst/>
+              <a:pathLst>
+                <a:path w="0" h="3245468">
+                  <a:moveTo>
+                    <a:pt x="0" y="3245468"/>
+                  </a:moveTo>
+                  <a:lnTo>
+                    <a:pt x="0" y="0"/>
+                  </a:lnTo>
+                  <a:lnTo>
+                    <a:pt x="0" y="0"/>
+                  </a:lnTo>
+                </a:path>
+              </a:pathLst>
+            </a:custGeom>
+            <a:ln w="13550" cap="flat">
+              <a:solidFill>
+                <a:srgbClr val="EBEBEB">
+                  <a:alpha val="100000"/>
+                </a:srgbClr>
+              </a:solidFill>
+              <a:prstDash val="solid"/>
+              <a:round/>
+            </a:ln>
+          </p:spPr>
+          <p:txBody>
+            <a:bodyPr/>
+            <a:lstStyle/>
+            <a:p/>
+          </p:txBody>
+        </p:sp>
+        <p:sp>
+          <p:nvSpPr>
+            <p:cNvPr id="130" name="pl130"/>
+            <p:cNvSpPr/>
+            <p:nvPr/>
+          </p:nvSpPr>
+          <p:spPr>
+            <a:xfrm>
+              <a:off x="8842279" y="1809173"/>
+              <a:ext cx="0" cy="3245468"/>
+            </a:xfrm>
+            <a:custGeom>
+              <a:avLst/>
+              <a:pathLst>
+                <a:path w="0" h="3245468">
+                  <a:moveTo>
+                    <a:pt x="0" y="3245468"/>
+                  </a:moveTo>
+                  <a:lnTo>
+                    <a:pt x="0" y="0"/>
+                  </a:lnTo>
+                  <a:lnTo>
+                    <a:pt x="0" y="0"/>
+                  </a:lnTo>
+                </a:path>
+              </a:pathLst>
+            </a:custGeom>
+            <a:ln w="13550" cap="flat">
+              <a:solidFill>
+                <a:srgbClr val="EBEBEB">
+                  <a:alpha val="100000"/>
+                </a:srgbClr>
+              </a:solidFill>
+              <a:prstDash val="solid"/>
+              <a:round/>
+            </a:ln>
+          </p:spPr>
+          <p:txBody>
+            <a:bodyPr/>
+            <a:lstStyle/>
+            <a:p/>
+          </p:txBody>
+        </p:sp>
+        <p:sp>
+          <p:nvSpPr>
+            <p:cNvPr id="131" name="rc131"/>
+            <p:cNvSpPr/>
+            <p:nvPr/>
+          </p:nvSpPr>
+          <p:spPr>
+            <a:xfrm>
+              <a:off x="7665024" y="4592026"/>
+              <a:ext cx="142218" cy="315094"/>
+            </a:xfrm>
+            <a:prstGeom prst="rect">
+              <a:avLst/>
+            </a:prstGeom>
+            <a:solidFill>
+              <a:srgbClr val="FFF5F0">
+                <a:alpha val="100000"/>
+              </a:srgbClr>
+            </a:solidFill>
+          </p:spPr>
+          <p:txBody>
+            <a:bodyPr/>
+            <a:lstStyle/>
+            <a:p/>
+          </p:txBody>
+        </p:sp>
+        <p:sp>
+          <p:nvSpPr>
+            <p:cNvPr id="132" name="rc132"/>
+            <p:cNvSpPr/>
+            <p:nvPr/>
+          </p:nvSpPr>
+          <p:spPr>
+            <a:xfrm>
+              <a:off x="7823045" y="4506091"/>
+              <a:ext cx="142218" cy="401028"/>
+            </a:xfrm>
+            <a:prstGeom prst="rect">
+              <a:avLst/>
+            </a:prstGeom>
+            <a:solidFill>
+              <a:srgbClr val="FEE0D2">
+                <a:alpha val="100000"/>
+              </a:srgbClr>
+            </a:solidFill>
+          </p:spPr>
+          <p:txBody>
+            <a:bodyPr/>
+            <a:lstStyle/>
+            <a:p/>
+          </p:txBody>
+        </p:sp>
+        <p:sp>
+          <p:nvSpPr>
+            <p:cNvPr id="133" name="rc133"/>
+            <p:cNvSpPr/>
+            <p:nvPr/>
+          </p:nvSpPr>
+          <p:spPr>
+            <a:xfrm>
+              <a:off x="7981066" y="4620671"/>
+              <a:ext cx="142218" cy="286449"/>
+            </a:xfrm>
+            <a:prstGeom prst="rect">
+              <a:avLst/>
+            </a:prstGeom>
+            <a:solidFill>
+              <a:srgbClr val="FCBBA1">
+                <a:alpha val="100000"/>
+              </a:srgbClr>
+            </a:solidFill>
+          </p:spPr>
+          <p:txBody>
+            <a:bodyPr/>
+            <a:lstStyle/>
+            <a:p/>
+          </p:txBody>
+        </p:sp>
+        <p:sp>
+          <p:nvSpPr>
+            <p:cNvPr id="134" name="rc134"/>
+            <p:cNvSpPr/>
+            <p:nvPr/>
+          </p:nvSpPr>
+          <p:spPr>
+            <a:xfrm>
+              <a:off x="8139087" y="4792540"/>
+              <a:ext cx="142218" cy="114579"/>
+            </a:xfrm>
+            <a:prstGeom prst="rect">
+              <a:avLst/>
+            </a:prstGeom>
+            <a:solidFill>
+              <a:srgbClr val="FC9272">
+                <a:alpha val="100000"/>
+              </a:srgbClr>
+            </a:solidFill>
+          </p:spPr>
+          <p:txBody>
+            <a:bodyPr/>
+            <a:lstStyle/>
+            <a:p/>
+          </p:txBody>
+        </p:sp>
+        <p:sp>
+          <p:nvSpPr>
+            <p:cNvPr id="135" name="rc135"/>
+            <p:cNvSpPr/>
+            <p:nvPr/>
+          </p:nvSpPr>
+          <p:spPr>
+            <a:xfrm>
+              <a:off x="8297108" y="4649315"/>
+              <a:ext cx="142218" cy="257804"/>
+            </a:xfrm>
+            <a:prstGeom prst="rect">
+              <a:avLst/>
+            </a:prstGeom>
+            <a:solidFill>
+              <a:srgbClr val="FB6A4A">
+                <a:alpha val="100000"/>
+              </a:srgbClr>
+            </a:solidFill>
+          </p:spPr>
+          <p:txBody>
+            <a:bodyPr/>
+            <a:lstStyle/>
+            <a:p/>
+          </p:txBody>
+        </p:sp>
+        <p:sp>
+          <p:nvSpPr>
+            <p:cNvPr id="136" name="rc136"/>
+            <p:cNvSpPr/>
+            <p:nvPr/>
+          </p:nvSpPr>
+          <p:spPr>
+            <a:xfrm>
+              <a:off x="8455128" y="4534736"/>
+              <a:ext cx="142218" cy="372383"/>
+            </a:xfrm>
+            <a:prstGeom prst="rect">
+              <a:avLst/>
+            </a:prstGeom>
+            <a:solidFill>
+              <a:srgbClr val="EF3B2C">
+                <a:alpha val="100000"/>
+              </a:srgbClr>
+            </a:solidFill>
+          </p:spPr>
+          <p:txBody>
+            <a:bodyPr/>
+            <a:lstStyle/>
+            <a:p/>
+          </p:txBody>
+        </p:sp>
+        <p:sp>
+          <p:nvSpPr>
+            <p:cNvPr id="137" name="rc137"/>
+            <p:cNvSpPr/>
+            <p:nvPr/>
+          </p:nvSpPr>
+          <p:spPr>
+            <a:xfrm>
+              <a:off x="8613149" y="4133707"/>
+              <a:ext cx="142218" cy="773412"/>
+            </a:xfrm>
+            <a:prstGeom prst="rect">
+              <a:avLst/>
+            </a:prstGeom>
+            <a:solidFill>
+              <a:srgbClr val="CB181D">
+                <a:alpha val="100000"/>
+              </a:srgbClr>
+            </a:solidFill>
+          </p:spPr>
+          <p:txBody>
+            <a:bodyPr/>
+            <a:lstStyle/>
+            <a:p/>
+          </p:txBody>
+        </p:sp>
+        <p:sp>
+          <p:nvSpPr>
+            <p:cNvPr id="138" name="rc138"/>
+            <p:cNvSpPr/>
+            <p:nvPr/>
+          </p:nvSpPr>
+          <p:spPr>
+            <a:xfrm>
+              <a:off x="8771170" y="4620671"/>
+              <a:ext cx="142218" cy="286449"/>
+            </a:xfrm>
+            <a:prstGeom prst="rect">
+              <a:avLst/>
+            </a:prstGeom>
+            <a:solidFill>
+              <a:srgbClr val="99000D">
+                <a:alpha val="100000"/>
+              </a:srgbClr>
+            </a:solidFill>
+          </p:spPr>
+          <p:txBody>
+            <a:bodyPr/>
+            <a:lstStyle/>
+            <a:p/>
+          </p:txBody>
+        </p:sp>
+        <p:sp>
+          <p:nvSpPr>
+            <p:cNvPr id="139" name="rc139"/>
+            <p:cNvSpPr/>
+            <p:nvPr/>
+          </p:nvSpPr>
+          <p:spPr>
+            <a:xfrm>
+              <a:off x="7641321" y="1809173"/>
+              <a:ext cx="1295770" cy="3245468"/>
+            </a:xfrm>
+            <a:prstGeom prst="rect">
+              <a:avLst/>
+            </a:prstGeom>
+            <a:ln w="13550" cap="rnd">
+              <a:solidFill>
+                <a:srgbClr val="333333">
+                  <a:alpha val="100000"/>
+                </a:srgbClr>
+              </a:solidFill>
+              <a:prstDash val="solid"/>
+              <a:round/>
+            </a:ln>
+          </p:spPr>
+          <p:txBody>
+            <a:bodyPr/>
+            <a:lstStyle/>
+            <a:p/>
+          </p:txBody>
+        </p:sp>
+        <p:sp>
+          <p:nvSpPr>
+            <p:cNvPr id="140" name="rc140"/>
+            <p:cNvSpPr/>
+            <p:nvPr/>
+          </p:nvSpPr>
+          <p:spPr>
+            <a:xfrm>
+              <a:off x="2179881" y="1590617"/>
+              <a:ext cx="1295770" cy="218555"/>
+            </a:xfrm>
+            <a:prstGeom prst="rect">
+              <a:avLst/>
+            </a:prstGeom>
+            <a:solidFill>
+              <a:srgbClr val="D9D9D9">
+                <a:alpha val="100000"/>
+              </a:srgbClr>
+            </a:solidFill>
+            <a:ln w="13550" cap="rnd">
+              <a:solidFill>
+                <a:srgbClr val="333333">
+                  <a:alpha val="100000"/>
+                </a:srgbClr>
+              </a:solidFill>
+              <a:prstDash val="solid"/>
+              <a:round/>
+            </a:ln>
+          </p:spPr>
+          <p:txBody>
+            <a:bodyPr/>
+            <a:lstStyle/>
+            <a:p/>
+          </p:txBody>
+        </p:sp>
+        <p:sp>
+          <p:nvSpPr>
+            <p:cNvPr id="141" name="tx141"/>
+            <p:cNvSpPr/>
+            <p:nvPr/>
+          </p:nvSpPr>
+          <p:spPr>
+            <a:xfrm>
+              <a:off x="2618217" y="1670045"/>
+              <a:ext cx="419100" cy="69850"/>
             </a:xfrm>
             <a:prstGeom prst="rect">
               <a:avLst/>
@@ -4234,30 +8226,65 @@
                 </a:spcAft>
               </a:pPr>
               <a:r>
-                <a:rPr sz="880" b="1">
+                <a:rPr sz="880">
                   <a:solidFill>
-                    <a:srgbClr val="4D4D4D">
+                    <a:srgbClr val="1A1A1A">
                       <a:alpha val="100000"/>
                     </a:srgbClr>
                   </a:solidFill>
                   <a:latin typeface="Arial"/>
                   <a:cs typeface="Arial"/>
                 </a:rPr>
-                <a:t>5</a:t>
+                <a:t>基础研究者</a:t>
               </a:r>
             </a:p>
           </p:txBody>
         </p:sp>
         <p:sp>
           <p:nvSpPr>
-            <p:cNvPr id="32" name="tx32"/>
-            <p:cNvSpPr/>
-            <p:nvPr/>
-          </p:nvSpPr>
-          <p:spPr>
-            <a:xfrm>
-              <a:off x="1926599" y="4352966"/>
-              <a:ext cx="62155" cy="80327"/>
+            <p:cNvPr id="142" name="rc142"/>
+            <p:cNvSpPr/>
+            <p:nvPr/>
+          </p:nvSpPr>
+          <p:spPr>
+            <a:xfrm>
+              <a:off x="3545241" y="1590617"/>
+              <a:ext cx="1295770" cy="218555"/>
+            </a:xfrm>
+            <a:prstGeom prst="rect">
+              <a:avLst/>
+            </a:prstGeom>
+            <a:solidFill>
+              <a:srgbClr val="D9D9D9">
+                <a:alpha val="100000"/>
+              </a:srgbClr>
+            </a:solidFill>
+            <a:ln w="13550" cap="rnd">
+              <a:solidFill>
+                <a:srgbClr val="333333">
+                  <a:alpha val="100000"/>
+                </a:srgbClr>
+              </a:solidFill>
+              <a:prstDash val="solid"/>
+              <a:round/>
+            </a:ln>
+          </p:spPr>
+          <p:txBody>
+            <a:bodyPr/>
+            <a:lstStyle/>
+            <a:p/>
+          </p:txBody>
+        </p:sp>
+        <p:sp>
+          <p:nvSpPr>
+            <p:cNvPr id="143" name="tx143"/>
+            <p:cNvSpPr/>
+            <p:nvPr/>
+          </p:nvSpPr>
+          <p:spPr>
+            <a:xfrm>
+              <a:off x="4025487" y="1670045"/>
+              <a:ext cx="335280" cy="69850"/>
             </a:xfrm>
             <a:prstGeom prst="rect">
               <a:avLst/>
@@ -4280,30 +8307,65 @@
                 </a:spcAft>
               </a:pPr>
               <a:r>
-                <a:rPr sz="880" b="1">
+                <a:rPr sz="880">
                   <a:solidFill>
-                    <a:srgbClr val="4D4D4D">
+                    <a:srgbClr val="1A1A1A">
                       <a:alpha val="100000"/>
                     </a:srgbClr>
                   </a:solidFill>
                   <a:latin typeface="Arial"/>
                   <a:cs typeface="Arial"/>
                 </a:rPr>
-                <a:t>4</a:t>
+                <a:t>临床医生</a:t>
               </a:r>
             </a:p>
           </p:txBody>
         </p:sp>
         <p:sp>
           <p:nvSpPr>
-            <p:cNvPr id="33" name="tx33"/>
-            <p:cNvSpPr/>
-            <p:nvPr/>
-          </p:nvSpPr>
-          <p:spPr>
-            <a:xfrm>
-              <a:off x="1926599" y="3573080"/>
-              <a:ext cx="62155" cy="81691"/>
+            <p:cNvPr id="144" name="rc144"/>
+            <p:cNvSpPr/>
+            <p:nvPr/>
+          </p:nvSpPr>
+          <p:spPr>
+            <a:xfrm>
+              <a:off x="4910601" y="1590617"/>
+              <a:ext cx="1295770" cy="218555"/>
+            </a:xfrm>
+            <a:prstGeom prst="rect">
+              <a:avLst/>
+            </a:prstGeom>
+            <a:solidFill>
+              <a:srgbClr val="D9D9D9">
+                <a:alpha val="100000"/>
+              </a:srgbClr>
+            </a:solidFill>
+            <a:ln w="13550" cap="rnd">
+              <a:solidFill>
+                <a:srgbClr val="333333">
+                  <a:alpha val="100000"/>
+                </a:srgbClr>
+              </a:solidFill>
+              <a:prstDash val="solid"/>
+              <a:round/>
+            </a:ln>
+          </p:spPr>
+          <p:txBody>
+            <a:bodyPr/>
+            <a:lstStyle/>
+            <a:p/>
+          </p:txBody>
+        </p:sp>
+        <p:sp>
+          <p:nvSpPr>
+            <p:cNvPr id="145" name="tx145"/>
+            <p:cNvSpPr/>
+            <p:nvPr/>
+          </p:nvSpPr>
+          <p:spPr>
+            <a:xfrm>
+              <a:off x="5348937" y="1670045"/>
+              <a:ext cx="419100" cy="69850"/>
             </a:xfrm>
             <a:prstGeom prst="rect">
               <a:avLst/>
@@ -4326,30 +8388,65 @@
                 </a:spcAft>
               </a:pPr>
               <a:r>
-                <a:rPr sz="880" b="1">
+                <a:rPr sz="880">
                   <a:solidFill>
-                    <a:srgbClr val="4D4D4D">
+                    <a:srgbClr val="1A1A1A">
                       <a:alpha val="100000"/>
                     </a:srgbClr>
                   </a:solidFill>
                   <a:latin typeface="Arial"/>
                   <a:cs typeface="Arial"/>
                 </a:rPr>
-                <a:t>3</a:t>
+                <a:t>企业管理者</a:t>
               </a:r>
             </a:p>
           </p:txBody>
         </p:sp>
         <p:sp>
           <p:nvSpPr>
-            <p:cNvPr id="34" name="tx34"/>
-            <p:cNvSpPr/>
-            <p:nvPr/>
-          </p:nvSpPr>
-          <p:spPr>
-            <a:xfrm>
-              <a:off x="1926599" y="2795923"/>
-              <a:ext cx="62155" cy="80327"/>
+            <p:cNvPr id="146" name="rc146"/>
+            <p:cNvSpPr/>
+            <p:nvPr/>
+          </p:nvSpPr>
+          <p:spPr>
+            <a:xfrm>
+              <a:off x="6275961" y="1590617"/>
+              <a:ext cx="1295770" cy="218555"/>
+            </a:xfrm>
+            <a:prstGeom prst="rect">
+              <a:avLst/>
+            </a:prstGeom>
+            <a:solidFill>
+              <a:srgbClr val="D9D9D9">
+                <a:alpha val="100000"/>
+              </a:srgbClr>
+            </a:solidFill>
+            <a:ln w="13550" cap="rnd">
+              <a:solidFill>
+                <a:srgbClr val="333333">
+                  <a:alpha val="100000"/>
+                </a:srgbClr>
+              </a:solidFill>
+              <a:prstDash val="solid"/>
+              <a:round/>
+            </a:ln>
+          </p:spPr>
+          <p:txBody>
+            <a:bodyPr/>
+            <a:lstStyle/>
+            <a:p/>
+          </p:txBody>
+        </p:sp>
+        <p:sp>
+          <p:nvSpPr>
+            <p:cNvPr id="147" name="tx147"/>
+            <p:cNvSpPr/>
+            <p:nvPr/>
+          </p:nvSpPr>
+          <p:spPr>
+            <a:xfrm>
+              <a:off x="6672387" y="1670045"/>
+              <a:ext cx="502920" cy="69850"/>
             </a:xfrm>
             <a:prstGeom prst="rect">
               <a:avLst/>
@@ -4372,30 +8469,65 @@
                 </a:spcAft>
               </a:pPr>
               <a:r>
-                <a:rPr sz="880" b="1">
+                <a:rPr sz="880">
                   <a:solidFill>
-                    <a:srgbClr val="4D4D4D">
+                    <a:srgbClr val="1A1A1A">
                       <a:alpha val="100000"/>
                     </a:srgbClr>
                   </a:solidFill>
                   <a:latin typeface="Arial"/>
                   <a:cs typeface="Arial"/>
                 </a:rPr>
-                <a:t>2</a:t>
+                <a:t>企业研发人员</a:t>
               </a:r>
             </a:p>
           </p:txBody>
         </p:sp>
         <p:sp>
           <p:nvSpPr>
-            <p:cNvPr id="35" name="tx35"/>
-            <p:cNvSpPr/>
-            <p:nvPr/>
-          </p:nvSpPr>
-          <p:spPr>
-            <a:xfrm>
-              <a:off x="1926599" y="2017402"/>
-              <a:ext cx="62155" cy="80327"/>
+            <p:cNvPr id="148" name="rc148"/>
+            <p:cNvSpPr/>
+            <p:nvPr/>
+          </p:nvSpPr>
+          <p:spPr>
+            <a:xfrm>
+              <a:off x="7641321" y="1590617"/>
+              <a:ext cx="1295770" cy="218555"/>
+            </a:xfrm>
+            <a:prstGeom prst="rect">
+              <a:avLst/>
+            </a:prstGeom>
+            <a:solidFill>
+              <a:srgbClr val="D9D9D9">
+                <a:alpha val="100000"/>
+              </a:srgbClr>
+            </a:solidFill>
+            <a:ln w="13550" cap="rnd">
+              <a:solidFill>
+                <a:srgbClr val="333333">
+                  <a:alpha val="100000"/>
+                </a:srgbClr>
+              </a:solidFill>
+              <a:prstDash val="solid"/>
+              <a:round/>
+            </a:ln>
+          </p:spPr>
+          <p:txBody>
+            <a:bodyPr/>
+            <a:lstStyle/>
+            <a:p/>
+          </p:txBody>
+        </p:sp>
+        <p:sp>
+          <p:nvSpPr>
+            <p:cNvPr id="149" name="tx149"/>
+            <p:cNvSpPr/>
+            <p:nvPr/>
+          </p:nvSpPr>
+          <p:spPr>
+            <a:xfrm>
+              <a:off x="8205386" y="1670045"/>
+              <a:ext cx="167640" cy="69850"/>
             </a:xfrm>
             <a:prstGeom prst="rect">
               <a:avLst/>
@@ -4418,229 +8550,29 @@
                 </a:spcAft>
               </a:pPr>
               <a:r>
-                <a:rPr sz="880" b="1">
+                <a:rPr sz="880">
                   <a:solidFill>
-                    <a:srgbClr val="4D4D4D">
+                    <a:srgbClr val="1A1A1A">
                       <a:alpha val="100000"/>
                     </a:srgbClr>
                   </a:solidFill>
                   <a:latin typeface="Arial"/>
                   <a:cs typeface="Arial"/>
                 </a:rPr>
-                <a:t>1</a:t>
+                <a:t>其他</a:t>
               </a:r>
             </a:p>
           </p:txBody>
         </p:sp>
         <p:sp>
           <p:nvSpPr>
-            <p:cNvPr id="36" name="pl36"/>
-            <p:cNvSpPr/>
-            <p:nvPr/>
-          </p:nvSpPr>
-          <p:spPr>
-            <a:xfrm>
-              <a:off x="1988754" y="5171815"/>
-              <a:ext cx="34794" cy="0"/>
-            </a:xfrm>
-            <a:custGeom>
-              <a:avLst/>
-              <a:pathLst>
-                <a:path w="34794" h="0">
-                  <a:moveTo>
-                    <a:pt x="0" y="0"/>
-                  </a:moveTo>
-                  <a:lnTo>
-                    <a:pt x="34794" y="0"/>
-                  </a:lnTo>
-                </a:path>
-              </a:pathLst>
-            </a:custGeom>
-            <a:ln w="6775" cap="flat">
-              <a:solidFill>
-                <a:srgbClr val="B3B3B3">
-                  <a:alpha val="100000"/>
-                </a:srgbClr>
-              </a:solidFill>
-              <a:prstDash val="solid"/>
-              <a:round/>
-            </a:ln>
-          </p:spPr>
-          <p:txBody>
-            <a:bodyPr/>
-            <a:lstStyle/>
-            <a:p/>
-          </p:txBody>
-        </p:sp>
-        <p:sp>
-          <p:nvSpPr>
-            <p:cNvPr id="37" name="pl37"/>
-            <p:cNvSpPr/>
-            <p:nvPr/>
-          </p:nvSpPr>
-          <p:spPr>
-            <a:xfrm>
-              <a:off x="1988754" y="4393293"/>
-              <a:ext cx="34794" cy="0"/>
-            </a:xfrm>
-            <a:custGeom>
-              <a:avLst/>
-              <a:pathLst>
-                <a:path w="34794" h="0">
-                  <a:moveTo>
-                    <a:pt x="0" y="0"/>
-                  </a:moveTo>
-                  <a:lnTo>
-                    <a:pt x="34794" y="0"/>
-                  </a:lnTo>
-                </a:path>
-              </a:pathLst>
-            </a:custGeom>
-            <a:ln w="6775" cap="flat">
-              <a:solidFill>
-                <a:srgbClr val="B3B3B3">
-                  <a:alpha val="100000"/>
-                </a:srgbClr>
-              </a:solidFill>
-              <a:prstDash val="solid"/>
-              <a:round/>
-            </a:ln>
-          </p:spPr>
-          <p:txBody>
-            <a:bodyPr/>
-            <a:lstStyle/>
-            <a:p/>
-          </p:txBody>
-        </p:sp>
-        <p:sp>
-          <p:nvSpPr>
-            <p:cNvPr id="38" name="pl38"/>
-            <p:cNvSpPr/>
-            <p:nvPr/>
-          </p:nvSpPr>
-          <p:spPr>
-            <a:xfrm>
-              <a:off x="1988754" y="3614772"/>
-              <a:ext cx="34794" cy="0"/>
-            </a:xfrm>
-            <a:custGeom>
-              <a:avLst/>
-              <a:pathLst>
-                <a:path w="34794" h="0">
-                  <a:moveTo>
-                    <a:pt x="0" y="0"/>
-                  </a:moveTo>
-                  <a:lnTo>
-                    <a:pt x="34794" y="0"/>
-                  </a:lnTo>
-                </a:path>
-              </a:pathLst>
-            </a:custGeom>
-            <a:ln w="6775" cap="flat">
-              <a:solidFill>
-                <a:srgbClr val="B3B3B3">
-                  <a:alpha val="100000"/>
-                </a:srgbClr>
-              </a:solidFill>
-              <a:prstDash val="solid"/>
-              <a:round/>
-            </a:ln>
-          </p:spPr>
-          <p:txBody>
-            <a:bodyPr/>
-            <a:lstStyle/>
-            <a:p/>
-          </p:txBody>
-        </p:sp>
-        <p:sp>
-          <p:nvSpPr>
-            <p:cNvPr id="39" name="pl39"/>
-            <p:cNvSpPr/>
-            <p:nvPr/>
-          </p:nvSpPr>
-          <p:spPr>
-            <a:xfrm>
-              <a:off x="1988754" y="2836251"/>
-              <a:ext cx="34794" cy="0"/>
-            </a:xfrm>
-            <a:custGeom>
-              <a:avLst/>
-              <a:pathLst>
-                <a:path w="34794" h="0">
-                  <a:moveTo>
-                    <a:pt x="0" y="0"/>
-                  </a:moveTo>
-                  <a:lnTo>
-                    <a:pt x="34794" y="0"/>
-                  </a:lnTo>
-                </a:path>
-              </a:pathLst>
-            </a:custGeom>
-            <a:ln w="6775" cap="flat">
-              <a:solidFill>
-                <a:srgbClr val="B3B3B3">
-                  <a:alpha val="100000"/>
-                </a:srgbClr>
-              </a:solidFill>
-              <a:prstDash val="solid"/>
-              <a:round/>
-            </a:ln>
-          </p:spPr>
-          <p:txBody>
-            <a:bodyPr/>
-            <a:lstStyle/>
-            <a:p/>
-          </p:txBody>
-        </p:sp>
-        <p:sp>
-          <p:nvSpPr>
-            <p:cNvPr id="40" name="pl40"/>
-            <p:cNvSpPr/>
-            <p:nvPr/>
-          </p:nvSpPr>
-          <p:spPr>
-            <a:xfrm>
-              <a:off x="1988754" y="2057730"/>
-              <a:ext cx="34794" cy="0"/>
-            </a:xfrm>
-            <a:custGeom>
-              <a:avLst/>
-              <a:pathLst>
-                <a:path w="34794" h="0">
-                  <a:moveTo>
-                    <a:pt x="0" y="0"/>
-                  </a:moveTo>
-                  <a:lnTo>
-                    <a:pt x="34794" y="0"/>
-                  </a:lnTo>
-                </a:path>
-              </a:pathLst>
-            </a:custGeom>
-            <a:ln w="6775" cap="flat">
-              <a:solidFill>
-                <a:srgbClr val="B3B3B3">
-                  <a:alpha val="100000"/>
-                </a:srgbClr>
-              </a:solidFill>
-              <a:prstDash val="solid"/>
-              <a:round/>
-            </a:ln>
-          </p:spPr>
-          <p:txBody>
-            <a:bodyPr/>
-            <a:lstStyle/>
-            <a:p/>
-          </p:txBody>
-        </p:sp>
-        <p:sp>
-          <p:nvSpPr>
-            <p:cNvPr id="41" name="pl41"/>
-            <p:cNvSpPr/>
-            <p:nvPr/>
-          </p:nvSpPr>
-          <p:spPr>
-            <a:xfrm>
-              <a:off x="2023549" y="5638927"/>
+            <p:cNvPr id="150" name="pl150"/>
+            <p:cNvSpPr/>
+            <p:nvPr/>
+          </p:nvSpPr>
+          <p:spPr>
+            <a:xfrm>
+              <a:off x="2274694" y="5054641"/>
               <a:ext cx="0" cy="34794"/>
             </a:xfrm>
             <a:custGeom>
@@ -4656,31 +8588,31 @@
                 </a:path>
               </a:pathLst>
             </a:custGeom>
-            <a:ln w="6775" cap="flat">
-              <a:solidFill>
-                <a:srgbClr val="B3B3B3">
-                  <a:alpha val="100000"/>
-                </a:srgbClr>
-              </a:solidFill>
-              <a:prstDash val="solid"/>
-              <a:round/>
-            </a:ln>
-          </p:spPr>
-          <p:txBody>
-            <a:bodyPr/>
-            <a:lstStyle/>
-            <a:p/>
-          </p:txBody>
-        </p:sp>
-        <p:sp>
-          <p:nvSpPr>
-            <p:cNvPr id="42" name="pl42"/>
-            <p:cNvSpPr/>
-            <p:nvPr/>
-          </p:nvSpPr>
-          <p:spPr>
-            <a:xfrm>
-              <a:off x="3641978" y="5638927"/>
+            <a:ln w="13550" cap="flat">
+              <a:solidFill>
+                <a:srgbClr val="333333">
+                  <a:alpha val="100000"/>
+                </a:srgbClr>
+              </a:solidFill>
+              <a:prstDash val="solid"/>
+              <a:round/>
+            </a:ln>
+          </p:spPr>
+          <p:txBody>
+            <a:bodyPr/>
+            <a:lstStyle/>
+            <a:p/>
+          </p:txBody>
+        </p:sp>
+        <p:sp>
+          <p:nvSpPr>
+            <p:cNvPr id="151" name="pl151"/>
+            <p:cNvSpPr/>
+            <p:nvPr/>
+          </p:nvSpPr>
+          <p:spPr>
+            <a:xfrm>
+              <a:off x="2432715" y="5054641"/>
               <a:ext cx="0" cy="34794"/>
             </a:xfrm>
             <a:custGeom>
@@ -4696,31 +8628,31 @@
                 </a:path>
               </a:pathLst>
             </a:custGeom>
-            <a:ln w="6775" cap="flat">
-              <a:solidFill>
-                <a:srgbClr val="B3B3B3">
-                  <a:alpha val="100000"/>
-                </a:srgbClr>
-              </a:solidFill>
-              <a:prstDash val="solid"/>
-              <a:round/>
-            </a:ln>
-          </p:spPr>
-          <p:txBody>
-            <a:bodyPr/>
-            <a:lstStyle/>
-            <a:p/>
-          </p:txBody>
-        </p:sp>
-        <p:sp>
-          <p:nvSpPr>
-            <p:cNvPr id="43" name="pl43"/>
-            <p:cNvSpPr/>
-            <p:nvPr/>
-          </p:nvSpPr>
-          <p:spPr>
-            <a:xfrm>
-              <a:off x="5260408" y="5638927"/>
+            <a:ln w="13550" cap="flat">
+              <a:solidFill>
+                <a:srgbClr val="333333">
+                  <a:alpha val="100000"/>
+                </a:srgbClr>
+              </a:solidFill>
+              <a:prstDash val="solid"/>
+              <a:round/>
+            </a:ln>
+          </p:spPr>
+          <p:txBody>
+            <a:bodyPr/>
+            <a:lstStyle/>
+            <a:p/>
+          </p:txBody>
+        </p:sp>
+        <p:sp>
+          <p:nvSpPr>
+            <p:cNvPr id="152" name="pl152"/>
+            <p:cNvSpPr/>
+            <p:nvPr/>
+          </p:nvSpPr>
+          <p:spPr>
+            <a:xfrm>
+              <a:off x="2590735" y="5054641"/>
               <a:ext cx="0" cy="34794"/>
             </a:xfrm>
             <a:custGeom>
@@ -4736,31 +8668,31 @@
                 </a:path>
               </a:pathLst>
             </a:custGeom>
-            <a:ln w="6775" cap="flat">
-              <a:solidFill>
-                <a:srgbClr val="B3B3B3">
-                  <a:alpha val="100000"/>
-                </a:srgbClr>
-              </a:solidFill>
-              <a:prstDash val="solid"/>
-              <a:round/>
-            </a:ln>
-          </p:spPr>
-          <p:txBody>
-            <a:bodyPr/>
-            <a:lstStyle/>
-            <a:p/>
-          </p:txBody>
-        </p:sp>
-        <p:sp>
-          <p:nvSpPr>
-            <p:cNvPr id="44" name="pl44"/>
-            <p:cNvSpPr/>
-            <p:nvPr/>
-          </p:nvSpPr>
-          <p:spPr>
-            <a:xfrm>
-              <a:off x="6878838" y="5638927"/>
+            <a:ln w="13550" cap="flat">
+              <a:solidFill>
+                <a:srgbClr val="333333">
+                  <a:alpha val="100000"/>
+                </a:srgbClr>
+              </a:solidFill>
+              <a:prstDash val="solid"/>
+              <a:round/>
+            </a:ln>
+          </p:spPr>
+          <p:txBody>
+            <a:bodyPr/>
+            <a:lstStyle/>
+            <a:p/>
+          </p:txBody>
+        </p:sp>
+        <p:sp>
+          <p:nvSpPr>
+            <p:cNvPr id="153" name="pl153"/>
+            <p:cNvSpPr/>
+            <p:nvPr/>
+          </p:nvSpPr>
+          <p:spPr>
+            <a:xfrm>
+              <a:off x="2748756" y="5054641"/>
               <a:ext cx="0" cy="34794"/>
             </a:xfrm>
             <a:custGeom>
@@ -4776,31 +8708,31 @@
                 </a:path>
               </a:pathLst>
             </a:custGeom>
-            <a:ln w="6775" cap="flat">
-              <a:solidFill>
-                <a:srgbClr val="B3B3B3">
-                  <a:alpha val="100000"/>
-                </a:srgbClr>
-              </a:solidFill>
-              <a:prstDash val="solid"/>
-              <a:round/>
-            </a:ln>
-          </p:spPr>
-          <p:txBody>
-            <a:bodyPr/>
-            <a:lstStyle/>
-            <a:p/>
-          </p:txBody>
-        </p:sp>
-        <p:sp>
-          <p:nvSpPr>
-            <p:cNvPr id="45" name="pl45"/>
-            <p:cNvSpPr/>
-            <p:nvPr/>
-          </p:nvSpPr>
-          <p:spPr>
-            <a:xfrm>
-              <a:off x="8497268" y="5638927"/>
+            <a:ln w="13550" cap="flat">
+              <a:solidFill>
+                <a:srgbClr val="333333">
+                  <a:alpha val="100000"/>
+                </a:srgbClr>
+              </a:solidFill>
+              <a:prstDash val="solid"/>
+              <a:round/>
+            </a:ln>
+          </p:spPr>
+          <p:txBody>
+            <a:bodyPr/>
+            <a:lstStyle/>
+            <a:p/>
+          </p:txBody>
+        </p:sp>
+        <p:sp>
+          <p:nvSpPr>
+            <p:cNvPr id="154" name="pl154"/>
+            <p:cNvSpPr/>
+            <p:nvPr/>
+          </p:nvSpPr>
+          <p:spPr>
+            <a:xfrm>
+              <a:off x="2906777" y="5054641"/>
               <a:ext cx="0" cy="34794"/>
             </a:xfrm>
             <a:custGeom>
@@ -4816,31 +8748,1431 @@
                 </a:path>
               </a:pathLst>
             </a:custGeom>
-            <a:ln w="6775" cap="flat">
-              <a:solidFill>
-                <a:srgbClr val="B3B3B3">
-                  <a:alpha val="100000"/>
-                </a:srgbClr>
-              </a:solidFill>
-              <a:prstDash val="solid"/>
-              <a:round/>
-            </a:ln>
-          </p:spPr>
-          <p:txBody>
-            <a:bodyPr/>
-            <a:lstStyle/>
-            <a:p/>
-          </p:txBody>
-        </p:sp>
-        <p:sp>
-          <p:nvSpPr>
-            <p:cNvPr id="46" name="tx46"/>
-            <p:cNvSpPr/>
-            <p:nvPr/>
-          </p:nvSpPr>
-          <p:spPr>
-            <a:xfrm>
-              <a:off x="1992471" y="5699866"/>
+            <a:ln w="13550" cap="flat">
+              <a:solidFill>
+                <a:srgbClr val="333333">
+                  <a:alpha val="100000"/>
+                </a:srgbClr>
+              </a:solidFill>
+              <a:prstDash val="solid"/>
+              <a:round/>
+            </a:ln>
+          </p:spPr>
+          <p:txBody>
+            <a:bodyPr/>
+            <a:lstStyle/>
+            <a:p/>
+          </p:txBody>
+        </p:sp>
+        <p:sp>
+          <p:nvSpPr>
+            <p:cNvPr id="155" name="pl155"/>
+            <p:cNvSpPr/>
+            <p:nvPr/>
+          </p:nvSpPr>
+          <p:spPr>
+            <a:xfrm>
+              <a:off x="3064798" y="5054641"/>
+              <a:ext cx="0" cy="34794"/>
+            </a:xfrm>
+            <a:custGeom>
+              <a:avLst/>
+              <a:pathLst>
+                <a:path w="0" h="34794">
+                  <a:moveTo>
+                    <a:pt x="0" y="34794"/>
+                  </a:moveTo>
+                  <a:lnTo>
+                    <a:pt x="0" y="0"/>
+                  </a:lnTo>
+                </a:path>
+              </a:pathLst>
+            </a:custGeom>
+            <a:ln w="13550" cap="flat">
+              <a:solidFill>
+                <a:srgbClr val="333333">
+                  <a:alpha val="100000"/>
+                </a:srgbClr>
+              </a:solidFill>
+              <a:prstDash val="solid"/>
+              <a:round/>
+            </a:ln>
+          </p:spPr>
+          <p:txBody>
+            <a:bodyPr/>
+            <a:lstStyle/>
+            <a:p/>
+          </p:txBody>
+        </p:sp>
+        <p:sp>
+          <p:nvSpPr>
+            <p:cNvPr id="156" name="pl156"/>
+            <p:cNvSpPr/>
+            <p:nvPr/>
+          </p:nvSpPr>
+          <p:spPr>
+            <a:xfrm>
+              <a:off x="3222819" y="5054641"/>
+              <a:ext cx="0" cy="34794"/>
+            </a:xfrm>
+            <a:custGeom>
+              <a:avLst/>
+              <a:pathLst>
+                <a:path w="0" h="34794">
+                  <a:moveTo>
+                    <a:pt x="0" y="34794"/>
+                  </a:moveTo>
+                  <a:lnTo>
+                    <a:pt x="0" y="0"/>
+                  </a:lnTo>
+                </a:path>
+              </a:pathLst>
+            </a:custGeom>
+            <a:ln w="13550" cap="flat">
+              <a:solidFill>
+                <a:srgbClr val="333333">
+                  <a:alpha val="100000"/>
+                </a:srgbClr>
+              </a:solidFill>
+              <a:prstDash val="solid"/>
+              <a:round/>
+            </a:ln>
+          </p:spPr>
+          <p:txBody>
+            <a:bodyPr/>
+            <a:lstStyle/>
+            <a:p/>
+          </p:txBody>
+        </p:sp>
+        <p:sp>
+          <p:nvSpPr>
+            <p:cNvPr id="157" name="pl157"/>
+            <p:cNvSpPr/>
+            <p:nvPr/>
+          </p:nvSpPr>
+          <p:spPr>
+            <a:xfrm>
+              <a:off x="3380840" y="5054641"/>
+              <a:ext cx="0" cy="34794"/>
+            </a:xfrm>
+            <a:custGeom>
+              <a:avLst/>
+              <a:pathLst>
+                <a:path w="0" h="34794">
+                  <a:moveTo>
+                    <a:pt x="0" y="34794"/>
+                  </a:moveTo>
+                  <a:lnTo>
+                    <a:pt x="0" y="0"/>
+                  </a:lnTo>
+                </a:path>
+              </a:pathLst>
+            </a:custGeom>
+            <a:ln w="13550" cap="flat">
+              <a:solidFill>
+                <a:srgbClr val="333333">
+                  <a:alpha val="100000"/>
+                </a:srgbClr>
+              </a:solidFill>
+              <a:prstDash val="solid"/>
+              <a:round/>
+            </a:ln>
+          </p:spPr>
+          <p:txBody>
+            <a:bodyPr/>
+            <a:lstStyle/>
+            <a:p/>
+          </p:txBody>
+        </p:sp>
+        <p:sp>
+          <p:nvSpPr>
+            <p:cNvPr id="158" name="pl158"/>
+            <p:cNvSpPr/>
+            <p:nvPr/>
+          </p:nvSpPr>
+          <p:spPr>
+            <a:xfrm>
+              <a:off x="3640054" y="5054641"/>
+              <a:ext cx="0" cy="34794"/>
+            </a:xfrm>
+            <a:custGeom>
+              <a:avLst/>
+              <a:pathLst>
+                <a:path w="0" h="34794">
+                  <a:moveTo>
+                    <a:pt x="0" y="34794"/>
+                  </a:moveTo>
+                  <a:lnTo>
+                    <a:pt x="0" y="0"/>
+                  </a:lnTo>
+                </a:path>
+              </a:pathLst>
+            </a:custGeom>
+            <a:ln w="13550" cap="flat">
+              <a:solidFill>
+                <a:srgbClr val="333333">
+                  <a:alpha val="100000"/>
+                </a:srgbClr>
+              </a:solidFill>
+              <a:prstDash val="solid"/>
+              <a:round/>
+            </a:ln>
+          </p:spPr>
+          <p:txBody>
+            <a:bodyPr/>
+            <a:lstStyle/>
+            <a:p/>
+          </p:txBody>
+        </p:sp>
+        <p:sp>
+          <p:nvSpPr>
+            <p:cNvPr id="159" name="pl159"/>
+            <p:cNvSpPr/>
+            <p:nvPr/>
+          </p:nvSpPr>
+          <p:spPr>
+            <a:xfrm>
+              <a:off x="3798075" y="5054641"/>
+              <a:ext cx="0" cy="34794"/>
+            </a:xfrm>
+            <a:custGeom>
+              <a:avLst/>
+              <a:pathLst>
+                <a:path w="0" h="34794">
+                  <a:moveTo>
+                    <a:pt x="0" y="34794"/>
+                  </a:moveTo>
+                  <a:lnTo>
+                    <a:pt x="0" y="0"/>
+                  </a:lnTo>
+                </a:path>
+              </a:pathLst>
+            </a:custGeom>
+            <a:ln w="13550" cap="flat">
+              <a:solidFill>
+                <a:srgbClr val="333333">
+                  <a:alpha val="100000"/>
+                </a:srgbClr>
+              </a:solidFill>
+              <a:prstDash val="solid"/>
+              <a:round/>
+            </a:ln>
+          </p:spPr>
+          <p:txBody>
+            <a:bodyPr/>
+            <a:lstStyle/>
+            <a:p/>
+          </p:txBody>
+        </p:sp>
+        <p:sp>
+          <p:nvSpPr>
+            <p:cNvPr id="160" name="pl160"/>
+            <p:cNvSpPr/>
+            <p:nvPr/>
+          </p:nvSpPr>
+          <p:spPr>
+            <a:xfrm>
+              <a:off x="3956095" y="5054641"/>
+              <a:ext cx="0" cy="34794"/>
+            </a:xfrm>
+            <a:custGeom>
+              <a:avLst/>
+              <a:pathLst>
+                <a:path w="0" h="34794">
+                  <a:moveTo>
+                    <a:pt x="0" y="34794"/>
+                  </a:moveTo>
+                  <a:lnTo>
+                    <a:pt x="0" y="0"/>
+                  </a:lnTo>
+                </a:path>
+              </a:pathLst>
+            </a:custGeom>
+            <a:ln w="13550" cap="flat">
+              <a:solidFill>
+                <a:srgbClr val="333333">
+                  <a:alpha val="100000"/>
+                </a:srgbClr>
+              </a:solidFill>
+              <a:prstDash val="solid"/>
+              <a:round/>
+            </a:ln>
+          </p:spPr>
+          <p:txBody>
+            <a:bodyPr/>
+            <a:lstStyle/>
+            <a:p/>
+          </p:txBody>
+        </p:sp>
+        <p:sp>
+          <p:nvSpPr>
+            <p:cNvPr id="161" name="pl161"/>
+            <p:cNvSpPr/>
+            <p:nvPr/>
+          </p:nvSpPr>
+          <p:spPr>
+            <a:xfrm>
+              <a:off x="4114116" y="5054641"/>
+              <a:ext cx="0" cy="34794"/>
+            </a:xfrm>
+            <a:custGeom>
+              <a:avLst/>
+              <a:pathLst>
+                <a:path w="0" h="34794">
+                  <a:moveTo>
+                    <a:pt x="0" y="34794"/>
+                  </a:moveTo>
+                  <a:lnTo>
+                    <a:pt x="0" y="0"/>
+                  </a:lnTo>
+                </a:path>
+              </a:pathLst>
+            </a:custGeom>
+            <a:ln w="13550" cap="flat">
+              <a:solidFill>
+                <a:srgbClr val="333333">
+                  <a:alpha val="100000"/>
+                </a:srgbClr>
+              </a:solidFill>
+              <a:prstDash val="solid"/>
+              <a:round/>
+            </a:ln>
+          </p:spPr>
+          <p:txBody>
+            <a:bodyPr/>
+            <a:lstStyle/>
+            <a:p/>
+          </p:txBody>
+        </p:sp>
+        <p:sp>
+          <p:nvSpPr>
+            <p:cNvPr id="162" name="pl162"/>
+            <p:cNvSpPr/>
+            <p:nvPr/>
+          </p:nvSpPr>
+          <p:spPr>
+            <a:xfrm>
+              <a:off x="4272137" y="5054641"/>
+              <a:ext cx="0" cy="34794"/>
+            </a:xfrm>
+            <a:custGeom>
+              <a:avLst/>
+              <a:pathLst>
+                <a:path w="0" h="34794">
+                  <a:moveTo>
+                    <a:pt x="0" y="34794"/>
+                  </a:moveTo>
+                  <a:lnTo>
+                    <a:pt x="0" y="0"/>
+                  </a:lnTo>
+                </a:path>
+              </a:pathLst>
+            </a:custGeom>
+            <a:ln w="13550" cap="flat">
+              <a:solidFill>
+                <a:srgbClr val="333333">
+                  <a:alpha val="100000"/>
+                </a:srgbClr>
+              </a:solidFill>
+              <a:prstDash val="solid"/>
+              <a:round/>
+            </a:ln>
+          </p:spPr>
+          <p:txBody>
+            <a:bodyPr/>
+            <a:lstStyle/>
+            <a:p/>
+          </p:txBody>
+        </p:sp>
+        <p:sp>
+          <p:nvSpPr>
+            <p:cNvPr id="163" name="pl163"/>
+            <p:cNvSpPr/>
+            <p:nvPr/>
+          </p:nvSpPr>
+          <p:spPr>
+            <a:xfrm>
+              <a:off x="4430158" y="5054641"/>
+              <a:ext cx="0" cy="34794"/>
+            </a:xfrm>
+            <a:custGeom>
+              <a:avLst/>
+              <a:pathLst>
+                <a:path w="0" h="34794">
+                  <a:moveTo>
+                    <a:pt x="0" y="34794"/>
+                  </a:moveTo>
+                  <a:lnTo>
+                    <a:pt x="0" y="0"/>
+                  </a:lnTo>
+                </a:path>
+              </a:pathLst>
+            </a:custGeom>
+            <a:ln w="13550" cap="flat">
+              <a:solidFill>
+                <a:srgbClr val="333333">
+                  <a:alpha val="100000"/>
+                </a:srgbClr>
+              </a:solidFill>
+              <a:prstDash val="solid"/>
+              <a:round/>
+            </a:ln>
+          </p:spPr>
+          <p:txBody>
+            <a:bodyPr/>
+            <a:lstStyle/>
+            <a:p/>
+          </p:txBody>
+        </p:sp>
+        <p:sp>
+          <p:nvSpPr>
+            <p:cNvPr id="164" name="pl164"/>
+            <p:cNvSpPr/>
+            <p:nvPr/>
+          </p:nvSpPr>
+          <p:spPr>
+            <a:xfrm>
+              <a:off x="4588179" y="5054641"/>
+              <a:ext cx="0" cy="34794"/>
+            </a:xfrm>
+            <a:custGeom>
+              <a:avLst/>
+              <a:pathLst>
+                <a:path w="0" h="34794">
+                  <a:moveTo>
+                    <a:pt x="0" y="34794"/>
+                  </a:moveTo>
+                  <a:lnTo>
+                    <a:pt x="0" y="0"/>
+                  </a:lnTo>
+                </a:path>
+              </a:pathLst>
+            </a:custGeom>
+            <a:ln w="13550" cap="flat">
+              <a:solidFill>
+                <a:srgbClr val="333333">
+                  <a:alpha val="100000"/>
+                </a:srgbClr>
+              </a:solidFill>
+              <a:prstDash val="solid"/>
+              <a:round/>
+            </a:ln>
+          </p:spPr>
+          <p:txBody>
+            <a:bodyPr/>
+            <a:lstStyle/>
+            <a:p/>
+          </p:txBody>
+        </p:sp>
+        <p:sp>
+          <p:nvSpPr>
+            <p:cNvPr id="165" name="pl165"/>
+            <p:cNvSpPr/>
+            <p:nvPr/>
+          </p:nvSpPr>
+          <p:spPr>
+            <a:xfrm>
+              <a:off x="4746200" y="5054641"/>
+              <a:ext cx="0" cy="34794"/>
+            </a:xfrm>
+            <a:custGeom>
+              <a:avLst/>
+              <a:pathLst>
+                <a:path w="0" h="34794">
+                  <a:moveTo>
+                    <a:pt x="0" y="34794"/>
+                  </a:moveTo>
+                  <a:lnTo>
+                    <a:pt x="0" y="0"/>
+                  </a:lnTo>
+                </a:path>
+              </a:pathLst>
+            </a:custGeom>
+            <a:ln w="13550" cap="flat">
+              <a:solidFill>
+                <a:srgbClr val="333333">
+                  <a:alpha val="100000"/>
+                </a:srgbClr>
+              </a:solidFill>
+              <a:prstDash val="solid"/>
+              <a:round/>
+            </a:ln>
+          </p:spPr>
+          <p:txBody>
+            <a:bodyPr/>
+            <a:lstStyle/>
+            <a:p/>
+          </p:txBody>
+        </p:sp>
+        <p:sp>
+          <p:nvSpPr>
+            <p:cNvPr id="166" name="pl166"/>
+            <p:cNvSpPr/>
+            <p:nvPr/>
+          </p:nvSpPr>
+          <p:spPr>
+            <a:xfrm>
+              <a:off x="5005414" y="5054641"/>
+              <a:ext cx="0" cy="34794"/>
+            </a:xfrm>
+            <a:custGeom>
+              <a:avLst/>
+              <a:pathLst>
+                <a:path w="0" h="34794">
+                  <a:moveTo>
+                    <a:pt x="0" y="34794"/>
+                  </a:moveTo>
+                  <a:lnTo>
+                    <a:pt x="0" y="0"/>
+                  </a:lnTo>
+                </a:path>
+              </a:pathLst>
+            </a:custGeom>
+            <a:ln w="13550" cap="flat">
+              <a:solidFill>
+                <a:srgbClr val="333333">
+                  <a:alpha val="100000"/>
+                </a:srgbClr>
+              </a:solidFill>
+              <a:prstDash val="solid"/>
+              <a:round/>
+            </a:ln>
+          </p:spPr>
+          <p:txBody>
+            <a:bodyPr/>
+            <a:lstStyle/>
+            <a:p/>
+          </p:txBody>
+        </p:sp>
+        <p:sp>
+          <p:nvSpPr>
+            <p:cNvPr id="167" name="pl167"/>
+            <p:cNvSpPr/>
+            <p:nvPr/>
+          </p:nvSpPr>
+          <p:spPr>
+            <a:xfrm>
+              <a:off x="5163434" y="5054641"/>
+              <a:ext cx="0" cy="34794"/>
+            </a:xfrm>
+            <a:custGeom>
+              <a:avLst/>
+              <a:pathLst>
+                <a:path w="0" h="34794">
+                  <a:moveTo>
+                    <a:pt x="0" y="34794"/>
+                  </a:moveTo>
+                  <a:lnTo>
+                    <a:pt x="0" y="0"/>
+                  </a:lnTo>
+                </a:path>
+              </a:pathLst>
+            </a:custGeom>
+            <a:ln w="13550" cap="flat">
+              <a:solidFill>
+                <a:srgbClr val="333333">
+                  <a:alpha val="100000"/>
+                </a:srgbClr>
+              </a:solidFill>
+              <a:prstDash val="solid"/>
+              <a:round/>
+            </a:ln>
+          </p:spPr>
+          <p:txBody>
+            <a:bodyPr/>
+            <a:lstStyle/>
+            <a:p/>
+          </p:txBody>
+        </p:sp>
+        <p:sp>
+          <p:nvSpPr>
+            <p:cNvPr id="168" name="pl168"/>
+            <p:cNvSpPr/>
+            <p:nvPr/>
+          </p:nvSpPr>
+          <p:spPr>
+            <a:xfrm>
+              <a:off x="5321455" y="5054641"/>
+              <a:ext cx="0" cy="34794"/>
+            </a:xfrm>
+            <a:custGeom>
+              <a:avLst/>
+              <a:pathLst>
+                <a:path w="0" h="34794">
+                  <a:moveTo>
+                    <a:pt x="0" y="34794"/>
+                  </a:moveTo>
+                  <a:lnTo>
+                    <a:pt x="0" y="0"/>
+                  </a:lnTo>
+                </a:path>
+              </a:pathLst>
+            </a:custGeom>
+            <a:ln w="13550" cap="flat">
+              <a:solidFill>
+                <a:srgbClr val="333333">
+                  <a:alpha val="100000"/>
+                </a:srgbClr>
+              </a:solidFill>
+              <a:prstDash val="solid"/>
+              <a:round/>
+            </a:ln>
+          </p:spPr>
+          <p:txBody>
+            <a:bodyPr/>
+            <a:lstStyle/>
+            <a:p/>
+          </p:txBody>
+        </p:sp>
+        <p:sp>
+          <p:nvSpPr>
+            <p:cNvPr id="169" name="pl169"/>
+            <p:cNvSpPr/>
+            <p:nvPr/>
+          </p:nvSpPr>
+          <p:spPr>
+            <a:xfrm>
+              <a:off x="5479476" y="5054641"/>
+              <a:ext cx="0" cy="34794"/>
+            </a:xfrm>
+            <a:custGeom>
+              <a:avLst/>
+              <a:pathLst>
+                <a:path w="0" h="34794">
+                  <a:moveTo>
+                    <a:pt x="0" y="34794"/>
+                  </a:moveTo>
+                  <a:lnTo>
+                    <a:pt x="0" y="0"/>
+                  </a:lnTo>
+                </a:path>
+              </a:pathLst>
+            </a:custGeom>
+            <a:ln w="13550" cap="flat">
+              <a:solidFill>
+                <a:srgbClr val="333333">
+                  <a:alpha val="100000"/>
+                </a:srgbClr>
+              </a:solidFill>
+              <a:prstDash val="solid"/>
+              <a:round/>
+            </a:ln>
+          </p:spPr>
+          <p:txBody>
+            <a:bodyPr/>
+            <a:lstStyle/>
+            <a:p/>
+          </p:txBody>
+        </p:sp>
+        <p:sp>
+          <p:nvSpPr>
+            <p:cNvPr id="170" name="pl170"/>
+            <p:cNvSpPr/>
+            <p:nvPr/>
+          </p:nvSpPr>
+          <p:spPr>
+            <a:xfrm>
+              <a:off x="5637497" y="5054641"/>
+              <a:ext cx="0" cy="34794"/>
+            </a:xfrm>
+            <a:custGeom>
+              <a:avLst/>
+              <a:pathLst>
+                <a:path w="0" h="34794">
+                  <a:moveTo>
+                    <a:pt x="0" y="34794"/>
+                  </a:moveTo>
+                  <a:lnTo>
+                    <a:pt x="0" y="0"/>
+                  </a:lnTo>
+                </a:path>
+              </a:pathLst>
+            </a:custGeom>
+            <a:ln w="13550" cap="flat">
+              <a:solidFill>
+                <a:srgbClr val="333333">
+                  <a:alpha val="100000"/>
+                </a:srgbClr>
+              </a:solidFill>
+              <a:prstDash val="solid"/>
+              <a:round/>
+            </a:ln>
+          </p:spPr>
+          <p:txBody>
+            <a:bodyPr/>
+            <a:lstStyle/>
+            <a:p/>
+          </p:txBody>
+        </p:sp>
+        <p:sp>
+          <p:nvSpPr>
+            <p:cNvPr id="171" name="pl171"/>
+            <p:cNvSpPr/>
+            <p:nvPr/>
+          </p:nvSpPr>
+          <p:spPr>
+            <a:xfrm>
+              <a:off x="5795518" y="5054641"/>
+              <a:ext cx="0" cy="34794"/>
+            </a:xfrm>
+            <a:custGeom>
+              <a:avLst/>
+              <a:pathLst>
+                <a:path w="0" h="34794">
+                  <a:moveTo>
+                    <a:pt x="0" y="34794"/>
+                  </a:moveTo>
+                  <a:lnTo>
+                    <a:pt x="0" y="0"/>
+                  </a:lnTo>
+                </a:path>
+              </a:pathLst>
+            </a:custGeom>
+            <a:ln w="13550" cap="flat">
+              <a:solidFill>
+                <a:srgbClr val="333333">
+                  <a:alpha val="100000"/>
+                </a:srgbClr>
+              </a:solidFill>
+              <a:prstDash val="solid"/>
+              <a:round/>
+            </a:ln>
+          </p:spPr>
+          <p:txBody>
+            <a:bodyPr/>
+            <a:lstStyle/>
+            <a:p/>
+          </p:txBody>
+        </p:sp>
+        <p:sp>
+          <p:nvSpPr>
+            <p:cNvPr id="172" name="pl172"/>
+            <p:cNvSpPr/>
+            <p:nvPr/>
+          </p:nvSpPr>
+          <p:spPr>
+            <a:xfrm>
+              <a:off x="5953539" y="5054641"/>
+              <a:ext cx="0" cy="34794"/>
+            </a:xfrm>
+            <a:custGeom>
+              <a:avLst/>
+              <a:pathLst>
+                <a:path w="0" h="34794">
+                  <a:moveTo>
+                    <a:pt x="0" y="34794"/>
+                  </a:moveTo>
+                  <a:lnTo>
+                    <a:pt x="0" y="0"/>
+                  </a:lnTo>
+                </a:path>
+              </a:pathLst>
+            </a:custGeom>
+            <a:ln w="13550" cap="flat">
+              <a:solidFill>
+                <a:srgbClr val="333333">
+                  <a:alpha val="100000"/>
+                </a:srgbClr>
+              </a:solidFill>
+              <a:prstDash val="solid"/>
+              <a:round/>
+            </a:ln>
+          </p:spPr>
+          <p:txBody>
+            <a:bodyPr/>
+            <a:lstStyle/>
+            <a:p/>
+          </p:txBody>
+        </p:sp>
+        <p:sp>
+          <p:nvSpPr>
+            <p:cNvPr id="173" name="pl173"/>
+            <p:cNvSpPr/>
+            <p:nvPr/>
+          </p:nvSpPr>
+          <p:spPr>
+            <a:xfrm>
+              <a:off x="6111560" y="5054641"/>
+              <a:ext cx="0" cy="34794"/>
+            </a:xfrm>
+            <a:custGeom>
+              <a:avLst/>
+              <a:pathLst>
+                <a:path w="0" h="34794">
+                  <a:moveTo>
+                    <a:pt x="0" y="34794"/>
+                  </a:moveTo>
+                  <a:lnTo>
+                    <a:pt x="0" y="0"/>
+                  </a:lnTo>
+                </a:path>
+              </a:pathLst>
+            </a:custGeom>
+            <a:ln w="13550" cap="flat">
+              <a:solidFill>
+                <a:srgbClr val="333333">
+                  <a:alpha val="100000"/>
+                </a:srgbClr>
+              </a:solidFill>
+              <a:prstDash val="solid"/>
+              <a:round/>
+            </a:ln>
+          </p:spPr>
+          <p:txBody>
+            <a:bodyPr/>
+            <a:lstStyle/>
+            <a:p/>
+          </p:txBody>
+        </p:sp>
+        <p:sp>
+          <p:nvSpPr>
+            <p:cNvPr id="174" name="pl174"/>
+            <p:cNvSpPr/>
+            <p:nvPr/>
+          </p:nvSpPr>
+          <p:spPr>
+            <a:xfrm>
+              <a:off x="6370774" y="5054641"/>
+              <a:ext cx="0" cy="34794"/>
+            </a:xfrm>
+            <a:custGeom>
+              <a:avLst/>
+              <a:pathLst>
+                <a:path w="0" h="34794">
+                  <a:moveTo>
+                    <a:pt x="0" y="34794"/>
+                  </a:moveTo>
+                  <a:lnTo>
+                    <a:pt x="0" y="0"/>
+                  </a:lnTo>
+                </a:path>
+              </a:pathLst>
+            </a:custGeom>
+            <a:ln w="13550" cap="flat">
+              <a:solidFill>
+                <a:srgbClr val="333333">
+                  <a:alpha val="100000"/>
+                </a:srgbClr>
+              </a:solidFill>
+              <a:prstDash val="solid"/>
+              <a:round/>
+            </a:ln>
+          </p:spPr>
+          <p:txBody>
+            <a:bodyPr/>
+            <a:lstStyle/>
+            <a:p/>
+          </p:txBody>
+        </p:sp>
+        <p:sp>
+          <p:nvSpPr>
+            <p:cNvPr id="175" name="pl175"/>
+            <p:cNvSpPr/>
+            <p:nvPr/>
+          </p:nvSpPr>
+          <p:spPr>
+            <a:xfrm>
+              <a:off x="6528794" y="5054641"/>
+              <a:ext cx="0" cy="34794"/>
+            </a:xfrm>
+            <a:custGeom>
+              <a:avLst/>
+              <a:pathLst>
+                <a:path w="0" h="34794">
+                  <a:moveTo>
+                    <a:pt x="0" y="34794"/>
+                  </a:moveTo>
+                  <a:lnTo>
+                    <a:pt x="0" y="0"/>
+                  </a:lnTo>
+                </a:path>
+              </a:pathLst>
+            </a:custGeom>
+            <a:ln w="13550" cap="flat">
+              <a:solidFill>
+                <a:srgbClr val="333333">
+                  <a:alpha val="100000"/>
+                </a:srgbClr>
+              </a:solidFill>
+              <a:prstDash val="solid"/>
+              <a:round/>
+            </a:ln>
+          </p:spPr>
+          <p:txBody>
+            <a:bodyPr/>
+            <a:lstStyle/>
+            <a:p/>
+          </p:txBody>
+        </p:sp>
+        <p:sp>
+          <p:nvSpPr>
+            <p:cNvPr id="176" name="pl176"/>
+            <p:cNvSpPr/>
+            <p:nvPr/>
+          </p:nvSpPr>
+          <p:spPr>
+            <a:xfrm>
+              <a:off x="6686815" y="5054641"/>
+              <a:ext cx="0" cy="34794"/>
+            </a:xfrm>
+            <a:custGeom>
+              <a:avLst/>
+              <a:pathLst>
+                <a:path w="0" h="34794">
+                  <a:moveTo>
+                    <a:pt x="0" y="34794"/>
+                  </a:moveTo>
+                  <a:lnTo>
+                    <a:pt x="0" y="0"/>
+                  </a:lnTo>
+                </a:path>
+              </a:pathLst>
+            </a:custGeom>
+            <a:ln w="13550" cap="flat">
+              <a:solidFill>
+                <a:srgbClr val="333333">
+                  <a:alpha val="100000"/>
+                </a:srgbClr>
+              </a:solidFill>
+              <a:prstDash val="solid"/>
+              <a:round/>
+            </a:ln>
+          </p:spPr>
+          <p:txBody>
+            <a:bodyPr/>
+            <a:lstStyle/>
+            <a:p/>
+          </p:txBody>
+        </p:sp>
+        <p:sp>
+          <p:nvSpPr>
+            <p:cNvPr id="177" name="pl177"/>
+            <p:cNvSpPr/>
+            <p:nvPr/>
+          </p:nvSpPr>
+          <p:spPr>
+            <a:xfrm>
+              <a:off x="6844836" y="5054641"/>
+              <a:ext cx="0" cy="34794"/>
+            </a:xfrm>
+            <a:custGeom>
+              <a:avLst/>
+              <a:pathLst>
+                <a:path w="0" h="34794">
+                  <a:moveTo>
+                    <a:pt x="0" y="34794"/>
+                  </a:moveTo>
+                  <a:lnTo>
+                    <a:pt x="0" y="0"/>
+                  </a:lnTo>
+                </a:path>
+              </a:pathLst>
+            </a:custGeom>
+            <a:ln w="13550" cap="flat">
+              <a:solidFill>
+                <a:srgbClr val="333333">
+                  <a:alpha val="100000"/>
+                </a:srgbClr>
+              </a:solidFill>
+              <a:prstDash val="solid"/>
+              <a:round/>
+            </a:ln>
+          </p:spPr>
+          <p:txBody>
+            <a:bodyPr/>
+            <a:lstStyle/>
+            <a:p/>
+          </p:txBody>
+        </p:sp>
+        <p:sp>
+          <p:nvSpPr>
+            <p:cNvPr id="178" name="pl178"/>
+            <p:cNvSpPr/>
+            <p:nvPr/>
+          </p:nvSpPr>
+          <p:spPr>
+            <a:xfrm>
+              <a:off x="7002857" y="5054641"/>
+              <a:ext cx="0" cy="34794"/>
+            </a:xfrm>
+            <a:custGeom>
+              <a:avLst/>
+              <a:pathLst>
+                <a:path w="0" h="34794">
+                  <a:moveTo>
+                    <a:pt x="0" y="34794"/>
+                  </a:moveTo>
+                  <a:lnTo>
+                    <a:pt x="0" y="0"/>
+                  </a:lnTo>
+                </a:path>
+              </a:pathLst>
+            </a:custGeom>
+            <a:ln w="13550" cap="flat">
+              <a:solidFill>
+                <a:srgbClr val="333333">
+                  <a:alpha val="100000"/>
+                </a:srgbClr>
+              </a:solidFill>
+              <a:prstDash val="solid"/>
+              <a:round/>
+            </a:ln>
+          </p:spPr>
+          <p:txBody>
+            <a:bodyPr/>
+            <a:lstStyle/>
+            <a:p/>
+          </p:txBody>
+        </p:sp>
+        <p:sp>
+          <p:nvSpPr>
+            <p:cNvPr id="179" name="pl179"/>
+            <p:cNvSpPr/>
+            <p:nvPr/>
+          </p:nvSpPr>
+          <p:spPr>
+            <a:xfrm>
+              <a:off x="7160878" y="5054641"/>
+              <a:ext cx="0" cy="34794"/>
+            </a:xfrm>
+            <a:custGeom>
+              <a:avLst/>
+              <a:pathLst>
+                <a:path w="0" h="34794">
+                  <a:moveTo>
+                    <a:pt x="0" y="34794"/>
+                  </a:moveTo>
+                  <a:lnTo>
+                    <a:pt x="0" y="0"/>
+                  </a:lnTo>
+                </a:path>
+              </a:pathLst>
+            </a:custGeom>
+            <a:ln w="13550" cap="flat">
+              <a:solidFill>
+                <a:srgbClr val="333333">
+                  <a:alpha val="100000"/>
+                </a:srgbClr>
+              </a:solidFill>
+              <a:prstDash val="solid"/>
+              <a:round/>
+            </a:ln>
+          </p:spPr>
+          <p:txBody>
+            <a:bodyPr/>
+            <a:lstStyle/>
+            <a:p/>
+          </p:txBody>
+        </p:sp>
+        <p:sp>
+          <p:nvSpPr>
+            <p:cNvPr id="180" name="pl180"/>
+            <p:cNvSpPr/>
+            <p:nvPr/>
+          </p:nvSpPr>
+          <p:spPr>
+            <a:xfrm>
+              <a:off x="7318899" y="5054641"/>
+              <a:ext cx="0" cy="34794"/>
+            </a:xfrm>
+            <a:custGeom>
+              <a:avLst/>
+              <a:pathLst>
+                <a:path w="0" h="34794">
+                  <a:moveTo>
+                    <a:pt x="0" y="34794"/>
+                  </a:moveTo>
+                  <a:lnTo>
+                    <a:pt x="0" y="0"/>
+                  </a:lnTo>
+                </a:path>
+              </a:pathLst>
+            </a:custGeom>
+            <a:ln w="13550" cap="flat">
+              <a:solidFill>
+                <a:srgbClr val="333333">
+                  <a:alpha val="100000"/>
+                </a:srgbClr>
+              </a:solidFill>
+              <a:prstDash val="solid"/>
+              <a:round/>
+            </a:ln>
+          </p:spPr>
+          <p:txBody>
+            <a:bodyPr/>
+            <a:lstStyle/>
+            <a:p/>
+          </p:txBody>
+        </p:sp>
+        <p:sp>
+          <p:nvSpPr>
+            <p:cNvPr id="181" name="pl181"/>
+            <p:cNvSpPr/>
+            <p:nvPr/>
+          </p:nvSpPr>
+          <p:spPr>
+            <a:xfrm>
+              <a:off x="7476919" y="5054641"/>
+              <a:ext cx="0" cy="34794"/>
+            </a:xfrm>
+            <a:custGeom>
+              <a:avLst/>
+              <a:pathLst>
+                <a:path w="0" h="34794">
+                  <a:moveTo>
+                    <a:pt x="0" y="34794"/>
+                  </a:moveTo>
+                  <a:lnTo>
+                    <a:pt x="0" y="0"/>
+                  </a:lnTo>
+                </a:path>
+              </a:pathLst>
+            </a:custGeom>
+            <a:ln w="13550" cap="flat">
+              <a:solidFill>
+                <a:srgbClr val="333333">
+                  <a:alpha val="100000"/>
+                </a:srgbClr>
+              </a:solidFill>
+              <a:prstDash val="solid"/>
+              <a:round/>
+            </a:ln>
+          </p:spPr>
+          <p:txBody>
+            <a:bodyPr/>
+            <a:lstStyle/>
+            <a:p/>
+          </p:txBody>
+        </p:sp>
+        <p:sp>
+          <p:nvSpPr>
+            <p:cNvPr id="182" name="pl182"/>
+            <p:cNvSpPr/>
+            <p:nvPr/>
+          </p:nvSpPr>
+          <p:spPr>
+            <a:xfrm>
+              <a:off x="7736134" y="5054641"/>
+              <a:ext cx="0" cy="34794"/>
+            </a:xfrm>
+            <a:custGeom>
+              <a:avLst/>
+              <a:pathLst>
+                <a:path w="0" h="34794">
+                  <a:moveTo>
+                    <a:pt x="0" y="34794"/>
+                  </a:moveTo>
+                  <a:lnTo>
+                    <a:pt x="0" y="0"/>
+                  </a:lnTo>
+                </a:path>
+              </a:pathLst>
+            </a:custGeom>
+            <a:ln w="13550" cap="flat">
+              <a:solidFill>
+                <a:srgbClr val="333333">
+                  <a:alpha val="100000"/>
+                </a:srgbClr>
+              </a:solidFill>
+              <a:prstDash val="solid"/>
+              <a:round/>
+            </a:ln>
+          </p:spPr>
+          <p:txBody>
+            <a:bodyPr/>
+            <a:lstStyle/>
+            <a:p/>
+          </p:txBody>
+        </p:sp>
+        <p:sp>
+          <p:nvSpPr>
+            <p:cNvPr id="183" name="pl183"/>
+            <p:cNvSpPr/>
+            <p:nvPr/>
+          </p:nvSpPr>
+          <p:spPr>
+            <a:xfrm>
+              <a:off x="7894154" y="5054641"/>
+              <a:ext cx="0" cy="34794"/>
+            </a:xfrm>
+            <a:custGeom>
+              <a:avLst/>
+              <a:pathLst>
+                <a:path w="0" h="34794">
+                  <a:moveTo>
+                    <a:pt x="0" y="34794"/>
+                  </a:moveTo>
+                  <a:lnTo>
+                    <a:pt x="0" y="0"/>
+                  </a:lnTo>
+                </a:path>
+              </a:pathLst>
+            </a:custGeom>
+            <a:ln w="13550" cap="flat">
+              <a:solidFill>
+                <a:srgbClr val="333333">
+                  <a:alpha val="100000"/>
+                </a:srgbClr>
+              </a:solidFill>
+              <a:prstDash val="solid"/>
+              <a:round/>
+            </a:ln>
+          </p:spPr>
+          <p:txBody>
+            <a:bodyPr/>
+            <a:lstStyle/>
+            <a:p/>
+          </p:txBody>
+        </p:sp>
+        <p:sp>
+          <p:nvSpPr>
+            <p:cNvPr id="184" name="pl184"/>
+            <p:cNvSpPr/>
+            <p:nvPr/>
+          </p:nvSpPr>
+          <p:spPr>
+            <a:xfrm>
+              <a:off x="8052175" y="5054641"/>
+              <a:ext cx="0" cy="34794"/>
+            </a:xfrm>
+            <a:custGeom>
+              <a:avLst/>
+              <a:pathLst>
+                <a:path w="0" h="34794">
+                  <a:moveTo>
+                    <a:pt x="0" y="34794"/>
+                  </a:moveTo>
+                  <a:lnTo>
+                    <a:pt x="0" y="0"/>
+                  </a:lnTo>
+                </a:path>
+              </a:pathLst>
+            </a:custGeom>
+            <a:ln w="13550" cap="flat">
+              <a:solidFill>
+                <a:srgbClr val="333333">
+                  <a:alpha val="100000"/>
+                </a:srgbClr>
+              </a:solidFill>
+              <a:prstDash val="solid"/>
+              <a:round/>
+            </a:ln>
+          </p:spPr>
+          <p:txBody>
+            <a:bodyPr/>
+            <a:lstStyle/>
+            <a:p/>
+          </p:txBody>
+        </p:sp>
+        <p:sp>
+          <p:nvSpPr>
+            <p:cNvPr id="185" name="pl185"/>
+            <p:cNvSpPr/>
+            <p:nvPr/>
+          </p:nvSpPr>
+          <p:spPr>
+            <a:xfrm>
+              <a:off x="8210196" y="5054641"/>
+              <a:ext cx="0" cy="34794"/>
+            </a:xfrm>
+            <a:custGeom>
+              <a:avLst/>
+              <a:pathLst>
+                <a:path w="0" h="34794">
+                  <a:moveTo>
+                    <a:pt x="0" y="34794"/>
+                  </a:moveTo>
+                  <a:lnTo>
+                    <a:pt x="0" y="0"/>
+                  </a:lnTo>
+                </a:path>
+              </a:pathLst>
+            </a:custGeom>
+            <a:ln w="13550" cap="flat">
+              <a:solidFill>
+                <a:srgbClr val="333333">
+                  <a:alpha val="100000"/>
+                </a:srgbClr>
+              </a:solidFill>
+              <a:prstDash val="solid"/>
+              <a:round/>
+            </a:ln>
+          </p:spPr>
+          <p:txBody>
+            <a:bodyPr/>
+            <a:lstStyle/>
+            <a:p/>
+          </p:txBody>
+        </p:sp>
+        <p:sp>
+          <p:nvSpPr>
+            <p:cNvPr id="186" name="pl186"/>
+            <p:cNvSpPr/>
+            <p:nvPr/>
+          </p:nvSpPr>
+          <p:spPr>
+            <a:xfrm>
+              <a:off x="8368217" y="5054641"/>
+              <a:ext cx="0" cy="34794"/>
+            </a:xfrm>
+            <a:custGeom>
+              <a:avLst/>
+              <a:pathLst>
+                <a:path w="0" h="34794">
+                  <a:moveTo>
+                    <a:pt x="0" y="34794"/>
+                  </a:moveTo>
+                  <a:lnTo>
+                    <a:pt x="0" y="0"/>
+                  </a:lnTo>
+                </a:path>
+              </a:pathLst>
+            </a:custGeom>
+            <a:ln w="13550" cap="flat">
+              <a:solidFill>
+                <a:srgbClr val="333333">
+                  <a:alpha val="100000"/>
+                </a:srgbClr>
+              </a:solidFill>
+              <a:prstDash val="solid"/>
+              <a:round/>
+            </a:ln>
+          </p:spPr>
+          <p:txBody>
+            <a:bodyPr/>
+            <a:lstStyle/>
+            <a:p/>
+          </p:txBody>
+        </p:sp>
+        <p:sp>
+          <p:nvSpPr>
+            <p:cNvPr id="187" name="pl187"/>
+            <p:cNvSpPr/>
+            <p:nvPr/>
+          </p:nvSpPr>
+          <p:spPr>
+            <a:xfrm>
+              <a:off x="8526238" y="5054641"/>
+              <a:ext cx="0" cy="34794"/>
+            </a:xfrm>
+            <a:custGeom>
+              <a:avLst/>
+              <a:pathLst>
+                <a:path w="0" h="34794">
+                  <a:moveTo>
+                    <a:pt x="0" y="34794"/>
+                  </a:moveTo>
+                  <a:lnTo>
+                    <a:pt x="0" y="0"/>
+                  </a:lnTo>
+                </a:path>
+              </a:pathLst>
+            </a:custGeom>
+            <a:ln w="13550" cap="flat">
+              <a:solidFill>
+                <a:srgbClr val="333333">
+                  <a:alpha val="100000"/>
+                </a:srgbClr>
+              </a:solidFill>
+              <a:prstDash val="solid"/>
+              <a:round/>
+            </a:ln>
+          </p:spPr>
+          <p:txBody>
+            <a:bodyPr/>
+            <a:lstStyle/>
+            <a:p/>
+          </p:txBody>
+        </p:sp>
+        <p:sp>
+          <p:nvSpPr>
+            <p:cNvPr id="188" name="pl188"/>
+            <p:cNvSpPr/>
+            <p:nvPr/>
+          </p:nvSpPr>
+          <p:spPr>
+            <a:xfrm>
+              <a:off x="8684259" y="5054641"/>
+              <a:ext cx="0" cy="34794"/>
+            </a:xfrm>
+            <a:custGeom>
+              <a:avLst/>
+              <a:pathLst>
+                <a:path w="0" h="34794">
+                  <a:moveTo>
+                    <a:pt x="0" y="34794"/>
+                  </a:moveTo>
+                  <a:lnTo>
+                    <a:pt x="0" y="0"/>
+                  </a:lnTo>
+                </a:path>
+              </a:pathLst>
+            </a:custGeom>
+            <a:ln w="13550" cap="flat">
+              <a:solidFill>
+                <a:srgbClr val="333333">
+                  <a:alpha val="100000"/>
+                </a:srgbClr>
+              </a:solidFill>
+              <a:prstDash val="solid"/>
+              <a:round/>
+            </a:ln>
+          </p:spPr>
+          <p:txBody>
+            <a:bodyPr/>
+            <a:lstStyle/>
+            <a:p/>
+          </p:txBody>
+        </p:sp>
+        <p:sp>
+          <p:nvSpPr>
+            <p:cNvPr id="189" name="pl189"/>
+            <p:cNvSpPr/>
+            <p:nvPr/>
+          </p:nvSpPr>
+          <p:spPr>
+            <a:xfrm>
+              <a:off x="8842279" y="5054641"/>
+              <a:ext cx="0" cy="34794"/>
+            </a:xfrm>
+            <a:custGeom>
+              <a:avLst/>
+              <a:pathLst>
+                <a:path w="0" h="34794">
+                  <a:moveTo>
+                    <a:pt x="0" y="34794"/>
+                  </a:moveTo>
+                  <a:lnTo>
+                    <a:pt x="0" y="0"/>
+                  </a:lnTo>
+                </a:path>
+              </a:pathLst>
+            </a:custGeom>
+            <a:ln w="13550" cap="flat">
+              <a:solidFill>
+                <a:srgbClr val="333333">
+                  <a:alpha val="100000"/>
+                </a:srgbClr>
+              </a:solidFill>
+              <a:prstDash val="solid"/>
+              <a:round/>
+            </a:ln>
+          </p:spPr>
+          <p:txBody>
+            <a:bodyPr/>
+            <a:lstStyle/>
+            <a:p/>
+          </p:txBody>
+        </p:sp>
+        <p:sp>
+          <p:nvSpPr>
+            <p:cNvPr id="190" name="tx190"/>
+            <p:cNvSpPr/>
+            <p:nvPr/>
+          </p:nvSpPr>
+          <p:spPr>
+            <a:xfrm>
+              <a:off x="2055095" y="4865428"/>
               <a:ext cx="62155" cy="81691"/>
             </a:xfrm>
             <a:prstGeom prst="rect">
@@ -4880,14 +10212,14 @@
         </p:sp>
         <p:sp>
           <p:nvSpPr>
-            <p:cNvPr id="47" name="tx47"/>
-            <p:cNvSpPr/>
-            <p:nvPr/>
-          </p:nvSpPr>
-          <p:spPr>
-            <a:xfrm>
-              <a:off x="3548745" y="5699866"/>
-              <a:ext cx="186466" cy="81691"/>
+            <p:cNvPr id="191" name="tx191"/>
+            <p:cNvSpPr/>
+            <p:nvPr/>
+          </p:nvSpPr>
+          <p:spPr>
+            <a:xfrm>
+              <a:off x="1992940" y="4149305"/>
+              <a:ext cx="124311" cy="81691"/>
             </a:xfrm>
             <a:prstGeom prst="rect">
               <a:avLst/>
@@ -4919,21 +10251,21 @@
                   <a:latin typeface="Arial"/>
                   <a:cs typeface="Arial"/>
                 </a:rPr>
-                <a:t>500</a:t>
+                <a:t>25</a:t>
               </a:r>
             </a:p>
           </p:txBody>
         </p:sp>
         <p:sp>
           <p:nvSpPr>
-            <p:cNvPr id="48" name="tx48"/>
-            <p:cNvSpPr/>
-            <p:nvPr/>
-          </p:nvSpPr>
-          <p:spPr>
-            <a:xfrm>
-              <a:off x="5136097" y="5699866"/>
-              <a:ext cx="248622" cy="81691"/>
+            <p:cNvPr id="192" name="tx192"/>
+            <p:cNvSpPr/>
+            <p:nvPr/>
+          </p:nvSpPr>
+          <p:spPr>
+            <a:xfrm>
+              <a:off x="1992940" y="3433182"/>
+              <a:ext cx="124311" cy="81691"/>
             </a:xfrm>
             <a:prstGeom prst="rect">
               <a:avLst/>
@@ -4965,21 +10297,21 @@
                   <a:latin typeface="Arial"/>
                   <a:cs typeface="Arial"/>
                 </a:rPr>
-                <a:t>1000</a:t>
+                <a:t>50</a:t>
               </a:r>
             </a:p>
           </p:txBody>
         </p:sp>
         <p:sp>
           <p:nvSpPr>
-            <p:cNvPr id="49" name="tx49"/>
-            <p:cNvSpPr/>
-            <p:nvPr/>
-          </p:nvSpPr>
-          <p:spPr>
-            <a:xfrm>
-              <a:off x="6754527" y="5699866"/>
-              <a:ext cx="248622" cy="81691"/>
+            <p:cNvPr id="193" name="tx193"/>
+            <p:cNvSpPr/>
+            <p:nvPr/>
+          </p:nvSpPr>
+          <p:spPr>
+            <a:xfrm>
+              <a:off x="1992940" y="2718424"/>
+              <a:ext cx="124311" cy="80327"/>
             </a:xfrm>
             <a:prstGeom prst="rect">
               <a:avLst/>
@@ -5011,21 +10343,21 @@
                   <a:latin typeface="Arial"/>
                   <a:cs typeface="Arial"/>
                 </a:rPr>
-                <a:t>1500</a:t>
+                <a:t>75</a:t>
               </a:r>
             </a:p>
           </p:txBody>
         </p:sp>
         <p:sp>
           <p:nvSpPr>
-            <p:cNvPr id="50" name="tx50"/>
-            <p:cNvSpPr/>
-            <p:nvPr/>
-          </p:nvSpPr>
-          <p:spPr>
-            <a:xfrm>
-              <a:off x="8372956" y="5699866"/>
-              <a:ext cx="248622" cy="81691"/>
+            <p:cNvPr id="194" name="tx194"/>
+            <p:cNvSpPr/>
+            <p:nvPr/>
+          </p:nvSpPr>
+          <p:spPr>
+            <a:xfrm>
+              <a:off x="1930784" y="2000937"/>
+              <a:ext cx="186466" cy="81691"/>
             </a:xfrm>
             <a:prstGeom prst="rect">
               <a:avLst/>
@@ -5057,7 +10389,1017 @@
                   <a:latin typeface="Arial"/>
                   <a:cs typeface="Arial"/>
                 </a:rPr>
-                <a:t>2000</a:t>
+                <a:t>100</a:t>
+              </a:r>
+            </a:p>
+          </p:txBody>
+        </p:sp>
+        <p:sp>
+          <p:nvSpPr>
+            <p:cNvPr id="195" name="pl195"/>
+            <p:cNvSpPr/>
+            <p:nvPr/>
+          </p:nvSpPr>
+          <p:spPr>
+            <a:xfrm>
+              <a:off x="2145087" y="4907120"/>
+              <a:ext cx="34794" cy="0"/>
+            </a:xfrm>
+            <a:custGeom>
+              <a:avLst/>
+              <a:pathLst>
+                <a:path w="34794" h="0">
+                  <a:moveTo>
+                    <a:pt x="0" y="0"/>
+                  </a:moveTo>
+                  <a:lnTo>
+                    <a:pt x="34794" y="0"/>
+                  </a:lnTo>
+                </a:path>
+              </a:pathLst>
+            </a:custGeom>
+            <a:ln w="13550" cap="flat">
+              <a:solidFill>
+                <a:srgbClr val="333333">
+                  <a:alpha val="100000"/>
+                </a:srgbClr>
+              </a:solidFill>
+              <a:prstDash val="solid"/>
+              <a:round/>
+            </a:ln>
+          </p:spPr>
+          <p:txBody>
+            <a:bodyPr/>
+            <a:lstStyle/>
+            <a:p/>
+          </p:txBody>
+        </p:sp>
+        <p:sp>
+          <p:nvSpPr>
+            <p:cNvPr id="196" name="pl196"/>
+            <p:cNvSpPr/>
+            <p:nvPr/>
+          </p:nvSpPr>
+          <p:spPr>
+            <a:xfrm>
+              <a:off x="2145087" y="4190997"/>
+              <a:ext cx="34794" cy="0"/>
+            </a:xfrm>
+            <a:custGeom>
+              <a:avLst/>
+              <a:pathLst>
+                <a:path w="34794" h="0">
+                  <a:moveTo>
+                    <a:pt x="0" y="0"/>
+                  </a:moveTo>
+                  <a:lnTo>
+                    <a:pt x="34794" y="0"/>
+                  </a:lnTo>
+                </a:path>
+              </a:pathLst>
+            </a:custGeom>
+            <a:ln w="13550" cap="flat">
+              <a:solidFill>
+                <a:srgbClr val="333333">
+                  <a:alpha val="100000"/>
+                </a:srgbClr>
+              </a:solidFill>
+              <a:prstDash val="solid"/>
+              <a:round/>
+            </a:ln>
+          </p:spPr>
+          <p:txBody>
+            <a:bodyPr/>
+            <a:lstStyle/>
+            <a:p/>
+          </p:txBody>
+        </p:sp>
+        <p:sp>
+          <p:nvSpPr>
+            <p:cNvPr id="197" name="pl197"/>
+            <p:cNvSpPr/>
+            <p:nvPr/>
+          </p:nvSpPr>
+          <p:spPr>
+            <a:xfrm>
+              <a:off x="2145087" y="3474874"/>
+              <a:ext cx="34794" cy="0"/>
+            </a:xfrm>
+            <a:custGeom>
+              <a:avLst/>
+              <a:pathLst>
+                <a:path w="34794" h="0">
+                  <a:moveTo>
+                    <a:pt x="0" y="0"/>
+                  </a:moveTo>
+                  <a:lnTo>
+                    <a:pt x="34794" y="0"/>
+                  </a:lnTo>
+                </a:path>
+              </a:pathLst>
+            </a:custGeom>
+            <a:ln w="13550" cap="flat">
+              <a:solidFill>
+                <a:srgbClr val="333333">
+                  <a:alpha val="100000"/>
+                </a:srgbClr>
+              </a:solidFill>
+              <a:prstDash val="solid"/>
+              <a:round/>
+            </a:ln>
+          </p:spPr>
+          <p:txBody>
+            <a:bodyPr/>
+            <a:lstStyle/>
+            <a:p/>
+          </p:txBody>
+        </p:sp>
+        <p:sp>
+          <p:nvSpPr>
+            <p:cNvPr id="198" name="pl198"/>
+            <p:cNvSpPr/>
+            <p:nvPr/>
+          </p:nvSpPr>
+          <p:spPr>
+            <a:xfrm>
+              <a:off x="2145087" y="2758751"/>
+              <a:ext cx="34794" cy="0"/>
+            </a:xfrm>
+            <a:custGeom>
+              <a:avLst/>
+              <a:pathLst>
+                <a:path w="34794" h="0">
+                  <a:moveTo>
+                    <a:pt x="0" y="0"/>
+                  </a:moveTo>
+                  <a:lnTo>
+                    <a:pt x="34794" y="0"/>
+                  </a:lnTo>
+                </a:path>
+              </a:pathLst>
+            </a:custGeom>
+            <a:ln w="13550" cap="flat">
+              <a:solidFill>
+                <a:srgbClr val="333333">
+                  <a:alpha val="100000"/>
+                </a:srgbClr>
+              </a:solidFill>
+              <a:prstDash val="solid"/>
+              <a:round/>
+            </a:ln>
+          </p:spPr>
+          <p:txBody>
+            <a:bodyPr/>
+            <a:lstStyle/>
+            <a:p/>
+          </p:txBody>
+        </p:sp>
+        <p:sp>
+          <p:nvSpPr>
+            <p:cNvPr id="199" name="pl199"/>
+            <p:cNvSpPr/>
+            <p:nvPr/>
+          </p:nvSpPr>
+          <p:spPr>
+            <a:xfrm>
+              <a:off x="2145087" y="2042629"/>
+              <a:ext cx="34794" cy="0"/>
+            </a:xfrm>
+            <a:custGeom>
+              <a:avLst/>
+              <a:pathLst>
+                <a:path w="34794" h="0">
+                  <a:moveTo>
+                    <a:pt x="0" y="0"/>
+                  </a:moveTo>
+                  <a:lnTo>
+                    <a:pt x="34794" y="0"/>
+                  </a:lnTo>
+                </a:path>
+              </a:pathLst>
+            </a:custGeom>
+            <a:ln w="13550" cap="flat">
+              <a:solidFill>
+                <a:srgbClr val="333333">
+                  <a:alpha val="100000"/>
+                </a:srgbClr>
+              </a:solidFill>
+              <a:prstDash val="solid"/>
+              <a:round/>
+            </a:ln>
+          </p:spPr>
+          <p:txBody>
+            <a:bodyPr/>
+            <a:lstStyle/>
+            <a:p/>
+          </p:txBody>
+        </p:sp>
+        <p:sp>
+          <p:nvSpPr>
+            <p:cNvPr id="200" name="rc200"/>
+            <p:cNvSpPr/>
+            <p:nvPr/>
+          </p:nvSpPr>
+          <p:spPr>
+            <a:xfrm>
+              <a:off x="2202794" y="5394142"/>
+              <a:ext cx="6711385" cy="578090"/>
+            </a:xfrm>
+            <a:prstGeom prst="rect">
+              <a:avLst/>
+            </a:prstGeom>
+            <a:solidFill>
+              <a:srgbClr val="FFFFFF">
+                <a:alpha val="100000"/>
+              </a:srgbClr>
+            </a:solidFill>
+          </p:spPr>
+          <p:txBody>
+            <a:bodyPr/>
+            <a:lstStyle/>
+            <a:p/>
+          </p:txBody>
+        </p:sp>
+        <p:sp>
+          <p:nvSpPr>
+            <p:cNvPr id="201" name="rc201"/>
+            <p:cNvSpPr/>
+            <p:nvPr/>
+          </p:nvSpPr>
+          <p:spPr>
+            <a:xfrm>
+              <a:off x="2341972" y="5463731"/>
+              <a:ext cx="219456" cy="219455"/>
+            </a:xfrm>
+            <a:prstGeom prst="rect">
+              <a:avLst/>
+            </a:prstGeom>
+            <a:solidFill>
+              <a:srgbClr val="FFFFFF">
+                <a:alpha val="100000"/>
+              </a:srgbClr>
+            </a:solidFill>
+          </p:spPr>
+          <p:txBody>
+            <a:bodyPr/>
+            <a:lstStyle/>
+            <a:p/>
+          </p:txBody>
+        </p:sp>
+        <p:sp>
+          <p:nvSpPr>
+            <p:cNvPr id="202" name="rc202"/>
+            <p:cNvSpPr/>
+            <p:nvPr/>
+          </p:nvSpPr>
+          <p:spPr>
+            <a:xfrm>
+              <a:off x="2350972" y="5472731"/>
+              <a:ext cx="201455" cy="201456"/>
+            </a:xfrm>
+            <a:prstGeom prst="rect">
+              <a:avLst/>
+            </a:prstGeom>
+            <a:solidFill>
+              <a:srgbClr val="FFF5F0">
+                <a:alpha val="100000"/>
+              </a:srgbClr>
+            </a:solidFill>
+          </p:spPr>
+          <p:txBody>
+            <a:bodyPr/>
+            <a:lstStyle/>
+            <a:p/>
+          </p:txBody>
+        </p:sp>
+        <p:sp>
+          <p:nvSpPr>
+            <p:cNvPr id="203" name="rc203"/>
+            <p:cNvSpPr/>
+            <p:nvPr/>
+          </p:nvSpPr>
+          <p:spPr>
+            <a:xfrm>
+              <a:off x="2341972" y="5683187"/>
+              <a:ext cx="219456" cy="219455"/>
+            </a:xfrm>
+            <a:prstGeom prst="rect">
+              <a:avLst/>
+            </a:prstGeom>
+            <a:solidFill>
+              <a:srgbClr val="FFFFFF">
+                <a:alpha val="100000"/>
+              </a:srgbClr>
+            </a:solidFill>
+          </p:spPr>
+          <p:txBody>
+            <a:bodyPr/>
+            <a:lstStyle/>
+            <a:p/>
+          </p:txBody>
+        </p:sp>
+        <p:sp>
+          <p:nvSpPr>
+            <p:cNvPr id="204" name="rc204"/>
+            <p:cNvSpPr/>
+            <p:nvPr/>
+          </p:nvSpPr>
+          <p:spPr>
+            <a:xfrm>
+              <a:off x="2350972" y="5692187"/>
+              <a:ext cx="201455" cy="201456"/>
+            </a:xfrm>
+            <a:prstGeom prst="rect">
+              <a:avLst/>
+            </a:prstGeom>
+            <a:solidFill>
+              <a:srgbClr val="FEE0D2">
+                <a:alpha val="100000"/>
+              </a:srgbClr>
+            </a:solidFill>
+          </p:spPr>
+          <p:txBody>
+            <a:bodyPr/>
+            <a:lstStyle/>
+            <a:p/>
+          </p:txBody>
+        </p:sp>
+        <p:sp>
+          <p:nvSpPr>
+            <p:cNvPr id="205" name="rc205"/>
+            <p:cNvSpPr/>
+            <p:nvPr/>
+          </p:nvSpPr>
+          <p:spPr>
+            <a:xfrm>
+              <a:off x="3669642" y="5463731"/>
+              <a:ext cx="219455" cy="219455"/>
+            </a:xfrm>
+            <a:prstGeom prst="rect">
+              <a:avLst/>
+            </a:prstGeom>
+            <a:solidFill>
+              <a:srgbClr val="FFFFFF">
+                <a:alpha val="100000"/>
+              </a:srgbClr>
+            </a:solidFill>
+          </p:spPr>
+          <p:txBody>
+            <a:bodyPr/>
+            <a:lstStyle/>
+            <a:p/>
+          </p:txBody>
+        </p:sp>
+        <p:sp>
+          <p:nvSpPr>
+            <p:cNvPr id="206" name="rc206"/>
+            <p:cNvSpPr/>
+            <p:nvPr/>
+          </p:nvSpPr>
+          <p:spPr>
+            <a:xfrm>
+              <a:off x="3678642" y="5472731"/>
+              <a:ext cx="201456" cy="201456"/>
+            </a:xfrm>
+            <a:prstGeom prst="rect">
+              <a:avLst/>
+            </a:prstGeom>
+            <a:solidFill>
+              <a:srgbClr val="FCBBA1">
+                <a:alpha val="100000"/>
+              </a:srgbClr>
+            </a:solidFill>
+          </p:spPr>
+          <p:txBody>
+            <a:bodyPr/>
+            <a:lstStyle/>
+            <a:p/>
+          </p:txBody>
+        </p:sp>
+        <p:sp>
+          <p:nvSpPr>
+            <p:cNvPr id="207" name="rc207"/>
+            <p:cNvSpPr/>
+            <p:nvPr/>
+          </p:nvSpPr>
+          <p:spPr>
+            <a:xfrm>
+              <a:off x="3669642" y="5683187"/>
+              <a:ext cx="219455" cy="219455"/>
+            </a:xfrm>
+            <a:prstGeom prst="rect">
+              <a:avLst/>
+            </a:prstGeom>
+            <a:solidFill>
+              <a:srgbClr val="FFFFFF">
+                <a:alpha val="100000"/>
+              </a:srgbClr>
+            </a:solidFill>
+          </p:spPr>
+          <p:txBody>
+            <a:bodyPr/>
+            <a:lstStyle/>
+            <a:p/>
+          </p:txBody>
+        </p:sp>
+        <p:sp>
+          <p:nvSpPr>
+            <p:cNvPr id="208" name="rc208"/>
+            <p:cNvSpPr/>
+            <p:nvPr/>
+          </p:nvSpPr>
+          <p:spPr>
+            <a:xfrm>
+              <a:off x="3678642" y="5692187"/>
+              <a:ext cx="201456" cy="201456"/>
+            </a:xfrm>
+            <a:prstGeom prst="rect">
+              <a:avLst/>
+            </a:prstGeom>
+            <a:solidFill>
+              <a:srgbClr val="FC9272">
+                <a:alpha val="100000"/>
+              </a:srgbClr>
+            </a:solidFill>
+          </p:spPr>
+          <p:txBody>
+            <a:bodyPr/>
+            <a:lstStyle/>
+            <a:p/>
+          </p:txBody>
+        </p:sp>
+        <p:sp>
+          <p:nvSpPr>
+            <p:cNvPr id="209" name="rc209"/>
+            <p:cNvSpPr/>
+            <p:nvPr/>
+          </p:nvSpPr>
+          <p:spPr>
+            <a:xfrm>
+              <a:off x="4571658" y="5463731"/>
+              <a:ext cx="219455" cy="219455"/>
+            </a:xfrm>
+            <a:prstGeom prst="rect">
+              <a:avLst/>
+            </a:prstGeom>
+            <a:solidFill>
+              <a:srgbClr val="FFFFFF">
+                <a:alpha val="100000"/>
+              </a:srgbClr>
+            </a:solidFill>
+          </p:spPr>
+          <p:txBody>
+            <a:bodyPr/>
+            <a:lstStyle/>
+            <a:p/>
+          </p:txBody>
+        </p:sp>
+        <p:sp>
+          <p:nvSpPr>
+            <p:cNvPr id="210" name="rc210"/>
+            <p:cNvSpPr/>
+            <p:nvPr/>
+          </p:nvSpPr>
+          <p:spPr>
+            <a:xfrm>
+              <a:off x="4580658" y="5472731"/>
+              <a:ext cx="201456" cy="201456"/>
+            </a:xfrm>
+            <a:prstGeom prst="rect">
+              <a:avLst/>
+            </a:prstGeom>
+            <a:solidFill>
+              <a:srgbClr val="FB6A4A">
+                <a:alpha val="100000"/>
+              </a:srgbClr>
+            </a:solidFill>
+          </p:spPr>
+          <p:txBody>
+            <a:bodyPr/>
+            <a:lstStyle/>
+            <a:p/>
+          </p:txBody>
+        </p:sp>
+        <p:sp>
+          <p:nvSpPr>
+            <p:cNvPr id="211" name="rc211"/>
+            <p:cNvSpPr/>
+            <p:nvPr/>
+          </p:nvSpPr>
+          <p:spPr>
+            <a:xfrm>
+              <a:off x="4571658" y="5683187"/>
+              <a:ext cx="219455" cy="219455"/>
+            </a:xfrm>
+            <a:prstGeom prst="rect">
+              <a:avLst/>
+            </a:prstGeom>
+            <a:solidFill>
+              <a:srgbClr val="FFFFFF">
+                <a:alpha val="100000"/>
+              </a:srgbClr>
+            </a:solidFill>
+          </p:spPr>
+          <p:txBody>
+            <a:bodyPr/>
+            <a:lstStyle/>
+            <a:p/>
+          </p:txBody>
+        </p:sp>
+        <p:sp>
+          <p:nvSpPr>
+            <p:cNvPr id="212" name="rc212"/>
+            <p:cNvSpPr/>
+            <p:nvPr/>
+          </p:nvSpPr>
+          <p:spPr>
+            <a:xfrm>
+              <a:off x="4580658" y="5692187"/>
+              <a:ext cx="201456" cy="201456"/>
+            </a:xfrm>
+            <a:prstGeom prst="rect">
+              <a:avLst/>
+            </a:prstGeom>
+            <a:solidFill>
+              <a:srgbClr val="EF3B2C">
+                <a:alpha val="100000"/>
+              </a:srgbClr>
+            </a:solidFill>
+          </p:spPr>
+          <p:txBody>
+            <a:bodyPr/>
+            <a:lstStyle/>
+            <a:p/>
+          </p:txBody>
+        </p:sp>
+        <p:sp>
+          <p:nvSpPr>
+            <p:cNvPr id="213" name="rc213"/>
+            <p:cNvSpPr/>
+            <p:nvPr/>
+          </p:nvSpPr>
+          <p:spPr>
+            <a:xfrm>
+              <a:off x="5772226" y="5463731"/>
+              <a:ext cx="219455" cy="219455"/>
+            </a:xfrm>
+            <a:prstGeom prst="rect">
+              <a:avLst/>
+            </a:prstGeom>
+            <a:solidFill>
+              <a:srgbClr val="FFFFFF">
+                <a:alpha val="100000"/>
+              </a:srgbClr>
+            </a:solidFill>
+          </p:spPr>
+          <p:txBody>
+            <a:bodyPr/>
+            <a:lstStyle/>
+            <a:p/>
+          </p:txBody>
+        </p:sp>
+        <p:sp>
+          <p:nvSpPr>
+            <p:cNvPr id="214" name="rc214"/>
+            <p:cNvSpPr/>
+            <p:nvPr/>
+          </p:nvSpPr>
+          <p:spPr>
+            <a:xfrm>
+              <a:off x="5781226" y="5472731"/>
+              <a:ext cx="201456" cy="201456"/>
+            </a:xfrm>
+            <a:prstGeom prst="rect">
+              <a:avLst/>
+            </a:prstGeom>
+            <a:solidFill>
+              <a:srgbClr val="CB181D">
+                <a:alpha val="100000"/>
+              </a:srgbClr>
+            </a:solidFill>
+          </p:spPr>
+          <p:txBody>
+            <a:bodyPr/>
+            <a:lstStyle/>
+            <a:p/>
+          </p:txBody>
+        </p:sp>
+        <p:sp>
+          <p:nvSpPr>
+            <p:cNvPr id="215" name="rc215"/>
+            <p:cNvSpPr/>
+            <p:nvPr/>
+          </p:nvSpPr>
+          <p:spPr>
+            <a:xfrm>
+              <a:off x="5772226" y="5683187"/>
+              <a:ext cx="219455" cy="219455"/>
+            </a:xfrm>
+            <a:prstGeom prst="rect">
+              <a:avLst/>
+            </a:prstGeom>
+            <a:solidFill>
+              <a:srgbClr val="FFFFFF">
+                <a:alpha val="100000"/>
+              </a:srgbClr>
+            </a:solidFill>
+          </p:spPr>
+          <p:txBody>
+            <a:bodyPr/>
+            <a:lstStyle/>
+            <a:p/>
+          </p:txBody>
+        </p:sp>
+        <p:sp>
+          <p:nvSpPr>
+            <p:cNvPr id="216" name="rc216"/>
+            <p:cNvSpPr/>
+            <p:nvPr/>
+          </p:nvSpPr>
+          <p:spPr>
+            <a:xfrm>
+              <a:off x="5781226" y="5692187"/>
+              <a:ext cx="201456" cy="201456"/>
+            </a:xfrm>
+            <a:prstGeom prst="rect">
+              <a:avLst/>
+            </a:prstGeom>
+            <a:solidFill>
+              <a:srgbClr val="99000D">
+                <a:alpha val="100000"/>
+              </a:srgbClr>
+            </a:solidFill>
+          </p:spPr>
+          <p:txBody>
+            <a:bodyPr/>
+            <a:lstStyle/>
+            <a:p/>
+          </p:txBody>
+        </p:sp>
+        <p:sp>
+          <p:nvSpPr>
+            <p:cNvPr id="217" name="tx217"/>
+            <p:cNvSpPr/>
+            <p:nvPr/>
+          </p:nvSpPr>
+          <p:spPr>
+            <a:xfrm>
+              <a:off x="2631017" y="5531767"/>
+              <a:ext cx="999346" cy="81691"/>
+            </a:xfrm>
+            <a:prstGeom prst="rect">
+              <a:avLst/>
+            </a:prstGeom>
+            <a:noFill/>
+          </p:spPr>
+          <p:txBody>
+            <a:bodyPr lIns="0" rIns="0" tIns="0" bIns="0" anchorCtr="1" anchor="ctr" wrap="none"/>
+            <a:lstStyle/>
+            <a:p>
+              <a:pPr algn="l" marL="0" marR="0" indent="0">
+                <a:lnSpc>
+                  <a:spcPts val="880"/>
+                </a:lnSpc>
+                <a:spcBef>
+                  <a:spcPts val="0"/>
+                </a:spcBef>
+                <a:spcAft>
+                  <a:spcPts val="0"/>
+                </a:spcAft>
+              </a:pPr>
+              <a:r>
+                <a:rPr sz="880">
+                  <a:solidFill>
+                    <a:srgbClr val="000000">
+                      <a:alpha val="100000"/>
+                    </a:srgbClr>
+                  </a:solidFill>
+                  <a:latin typeface="Arial"/>
+                  <a:cs typeface="Arial"/>
+                </a:rPr>
+                <a:t>≥10的10次方（100亿）</a:t>
+              </a:r>
+            </a:p>
+          </p:txBody>
+        </p:sp>
+        <p:sp>
+          <p:nvSpPr>
+            <p:cNvPr id="218" name="tx218"/>
+            <p:cNvSpPr/>
+            <p:nvPr/>
+          </p:nvSpPr>
+          <p:spPr>
+            <a:xfrm>
+              <a:off x="2631017" y="5751223"/>
+              <a:ext cx="499263" cy="81691"/>
+            </a:xfrm>
+            <a:prstGeom prst="rect">
+              <a:avLst/>
+            </a:prstGeom>
+            <a:noFill/>
+          </p:spPr>
+          <p:txBody>
+            <a:bodyPr lIns="0" rIns="0" tIns="0" bIns="0" anchorCtr="1" anchor="ctr" wrap="none"/>
+            <a:lstStyle/>
+            <a:p>
+              <a:pPr algn="l" marL="0" marR="0" indent="0">
+                <a:lnSpc>
+                  <a:spcPts val="880"/>
+                </a:lnSpc>
+                <a:spcBef>
+                  <a:spcPts val="0"/>
+                </a:spcBef>
+                <a:spcAft>
+                  <a:spcPts val="0"/>
+                </a:spcAft>
+              </a:pPr>
+              <a:r>
+                <a:rPr sz="880">
+                  <a:solidFill>
+                    <a:srgbClr val="000000">
+                      <a:alpha val="100000"/>
+                    </a:srgbClr>
+                  </a:solidFill>
+                  <a:latin typeface="Arial"/>
+                  <a:cs typeface="Arial"/>
+                </a:rPr>
+                <a:t>≥10的5次方</a:t>
+              </a:r>
+            </a:p>
+          </p:txBody>
+        </p:sp>
+        <p:sp>
+          <p:nvSpPr>
+            <p:cNvPr id="219" name="tx219"/>
+            <p:cNvSpPr/>
+            <p:nvPr/>
+          </p:nvSpPr>
+          <p:spPr>
+            <a:xfrm>
+              <a:off x="3958687" y="5531767"/>
+              <a:ext cx="499263" cy="81691"/>
+            </a:xfrm>
+            <a:prstGeom prst="rect">
+              <a:avLst/>
+            </a:prstGeom>
+            <a:noFill/>
+          </p:spPr>
+          <p:txBody>
+            <a:bodyPr lIns="0" rIns="0" tIns="0" bIns="0" anchorCtr="1" anchor="ctr" wrap="none"/>
+            <a:lstStyle/>
+            <a:p>
+              <a:pPr algn="l" marL="0" marR="0" indent="0">
+                <a:lnSpc>
+                  <a:spcPts val="880"/>
+                </a:lnSpc>
+                <a:spcBef>
+                  <a:spcPts val="0"/>
+                </a:spcBef>
+                <a:spcAft>
+                  <a:spcPts val="0"/>
+                </a:spcAft>
+              </a:pPr>
+              <a:r>
+                <a:rPr sz="880">
+                  <a:solidFill>
+                    <a:srgbClr val="000000">
+                      <a:alpha val="100000"/>
+                    </a:srgbClr>
+                  </a:solidFill>
+                  <a:latin typeface="Arial"/>
+                  <a:cs typeface="Arial"/>
+                </a:rPr>
+                <a:t>≥10的6次方</a:t>
+              </a:r>
+            </a:p>
+          </p:txBody>
+        </p:sp>
+        <p:sp>
+          <p:nvSpPr>
+            <p:cNvPr id="220" name="tx220"/>
+            <p:cNvSpPr/>
+            <p:nvPr/>
+          </p:nvSpPr>
+          <p:spPr>
+            <a:xfrm>
+              <a:off x="3958687" y="5751223"/>
+              <a:ext cx="499263" cy="81691"/>
+            </a:xfrm>
+            <a:prstGeom prst="rect">
+              <a:avLst/>
+            </a:prstGeom>
+            <a:noFill/>
+          </p:spPr>
+          <p:txBody>
+            <a:bodyPr lIns="0" rIns="0" tIns="0" bIns="0" anchorCtr="1" anchor="ctr" wrap="none"/>
+            <a:lstStyle/>
+            <a:p>
+              <a:pPr algn="l" marL="0" marR="0" indent="0">
+                <a:lnSpc>
+                  <a:spcPts val="880"/>
+                </a:lnSpc>
+                <a:spcBef>
+                  <a:spcPts val="0"/>
+                </a:spcBef>
+                <a:spcAft>
+                  <a:spcPts val="0"/>
+                </a:spcAft>
+              </a:pPr>
+              <a:r>
+                <a:rPr sz="880">
+                  <a:solidFill>
+                    <a:srgbClr val="000000">
+                      <a:alpha val="100000"/>
+                    </a:srgbClr>
+                  </a:solidFill>
+                  <a:latin typeface="Arial"/>
+                  <a:cs typeface="Arial"/>
+                </a:rPr>
+                <a:t>≥10的7次方</a:t>
+              </a:r>
+            </a:p>
+          </p:txBody>
+        </p:sp>
+        <p:sp>
+          <p:nvSpPr>
+            <p:cNvPr id="221" name="tx221"/>
+            <p:cNvSpPr/>
+            <p:nvPr/>
+          </p:nvSpPr>
+          <p:spPr>
+            <a:xfrm>
+              <a:off x="4860703" y="5531767"/>
+              <a:ext cx="812879" cy="81691"/>
+            </a:xfrm>
+            <a:prstGeom prst="rect">
+              <a:avLst/>
+            </a:prstGeom>
+            <a:noFill/>
+          </p:spPr>
+          <p:txBody>
+            <a:bodyPr lIns="0" rIns="0" tIns="0" bIns="0" anchorCtr="1" anchor="ctr" wrap="none"/>
+            <a:lstStyle/>
+            <a:p>
+              <a:pPr algn="l" marL="0" marR="0" indent="0">
+                <a:lnSpc>
+                  <a:spcPts val="880"/>
+                </a:lnSpc>
+                <a:spcBef>
+                  <a:spcPts val="0"/>
+                </a:spcBef>
+                <a:spcAft>
+                  <a:spcPts val="0"/>
+                </a:spcAft>
+              </a:pPr>
+              <a:r>
+                <a:rPr sz="880">
+                  <a:solidFill>
+                    <a:srgbClr val="000000">
+                      <a:alpha val="100000"/>
+                    </a:srgbClr>
+                  </a:solidFill>
+                  <a:latin typeface="Arial"/>
+                  <a:cs typeface="Arial"/>
+                </a:rPr>
+                <a:t>≥10的8次方（1亿）</a:t>
+              </a:r>
+            </a:p>
+          </p:txBody>
+        </p:sp>
+        <p:sp>
+          <p:nvSpPr>
+            <p:cNvPr id="222" name="tx222"/>
+            <p:cNvSpPr/>
+            <p:nvPr/>
+          </p:nvSpPr>
+          <p:spPr>
+            <a:xfrm>
+              <a:off x="4860703" y="5751223"/>
+              <a:ext cx="875034" cy="81691"/>
+            </a:xfrm>
+            <a:prstGeom prst="rect">
+              <a:avLst/>
+            </a:prstGeom>
+            <a:noFill/>
+          </p:spPr>
+          <p:txBody>
+            <a:bodyPr lIns="0" rIns="0" tIns="0" bIns="0" anchorCtr="1" anchor="ctr" wrap="none"/>
+            <a:lstStyle/>
+            <a:p>
+              <a:pPr algn="l" marL="0" marR="0" indent="0">
+                <a:lnSpc>
+                  <a:spcPts val="880"/>
+                </a:lnSpc>
+                <a:spcBef>
+                  <a:spcPts val="0"/>
+                </a:spcBef>
+                <a:spcAft>
+                  <a:spcPts val="0"/>
+                </a:spcAft>
+              </a:pPr>
+              <a:r>
+                <a:rPr sz="880">
+                  <a:solidFill>
+                    <a:srgbClr val="000000">
+                      <a:alpha val="100000"/>
+                    </a:srgbClr>
+                  </a:solidFill>
+                  <a:latin typeface="Arial"/>
+                  <a:cs typeface="Arial"/>
+                </a:rPr>
+                <a:t>≥10的9次方（10亿）</a:t>
+              </a:r>
+            </a:p>
+          </p:txBody>
+        </p:sp>
+        <p:sp>
+          <p:nvSpPr>
+            <p:cNvPr id="223" name="tx223"/>
+            <p:cNvSpPr/>
+            <p:nvPr/>
+          </p:nvSpPr>
+          <p:spPr>
+            <a:xfrm>
+              <a:off x="6061271" y="5509885"/>
+              <a:ext cx="2694954" cy="103574"/>
+            </a:xfrm>
+            <a:prstGeom prst="rect">
+              <a:avLst/>
+            </a:prstGeom>
+            <a:noFill/>
+          </p:spPr>
+          <p:txBody>
+            <a:bodyPr lIns="0" rIns="0" tIns="0" bIns="0" anchorCtr="1" anchor="ctr" wrap="none"/>
+            <a:lstStyle/>
+            <a:p>
+              <a:pPr algn="l" marL="0" marR="0" indent="0">
+                <a:lnSpc>
+                  <a:spcPts val="880"/>
+                </a:lnSpc>
+                <a:spcBef>
+                  <a:spcPts val="0"/>
+                </a:spcBef>
+                <a:spcAft>
+                  <a:spcPts val="0"/>
+                </a:spcAft>
+              </a:pPr>
+              <a:r>
+                <a:rPr sz="880">
+                  <a:solidFill>
+                    <a:srgbClr val="000000">
+                      <a:alpha val="100000"/>
+                    </a:srgbClr>
+                  </a:solidFill>
+                  <a:latin typeface="Arial"/>
+                  <a:cs typeface="Arial"/>
+                </a:rPr>
+                <a:t>不能低于出厂活菌数的一定百分比：____%（如选该项，请填写数值）</a:t>
+              </a:r>
+            </a:p>
+          </p:txBody>
+        </p:sp>
+        <p:sp>
+          <p:nvSpPr>
+            <p:cNvPr id="224" name="tx224"/>
+            <p:cNvSpPr/>
+            <p:nvPr/>
+          </p:nvSpPr>
+          <p:spPr>
+            <a:xfrm>
+              <a:off x="6061271" y="5763065"/>
+              <a:ext cx="1089659" cy="69850"/>
+            </a:xfrm>
+            <a:prstGeom prst="rect">
+              <a:avLst/>
+            </a:prstGeom>
+            <a:noFill/>
+          </p:spPr>
+          <p:txBody>
+            <a:bodyPr lIns="0" rIns="0" tIns="0" bIns="0" anchorCtr="1" anchor="ctr" wrap="none"/>
+            <a:lstStyle/>
+            <a:p>
+              <a:pPr algn="l" marL="0" marR="0" indent="0">
+                <a:lnSpc>
+                  <a:spcPts val="880"/>
+                </a:lnSpc>
+                <a:spcBef>
+                  <a:spcPts val="0"/>
+                </a:spcBef>
+                <a:spcAft>
+                  <a:spcPts val="0"/>
+                </a:spcAft>
+              </a:pPr>
+              <a:r>
+                <a:rPr sz="880">
+                  <a:solidFill>
+                    <a:srgbClr val="000000">
+                      <a:alpha val="100000"/>
+                    </a:srgbClr>
+                  </a:solidFill>
+                  <a:latin typeface="Arial"/>
+                  <a:cs typeface="Arial"/>
+                </a:rPr>
+                <a:t>无所谓死活，只要产品还有效</a:t>
               </a:r>
             </a:p>
           </p:txBody>

--- a/_book/plot/unnamed-chunk-53-1.pptx
+++ b/_book/plot/unnamed-chunk-53-1.pptx
@@ -3192,8 +3192,8 @@
           </p:nvSpPr>
           <p:spPr>
             <a:xfrm>
-              <a:off x="2209024" y="1803995"/>
-              <a:ext cx="2196296" cy="3473990"/>
+              <a:off x="2207281" y="1802041"/>
+              <a:ext cx="2196877" cy="3477687"/>
             </a:xfrm>
             <a:prstGeom prst="rect">
               <a:avLst/>
@@ -3218,21 +3218,21 @@
           </p:nvSpPr>
           <p:spPr>
             <a:xfrm>
-              <a:off x="2209024" y="4811529"/>
-              <a:ext cx="2196296" cy="0"/>
+              <a:off x="2207281" y="4812776"/>
+              <a:ext cx="2196877" cy="0"/>
             </a:xfrm>
             <a:custGeom>
               <a:avLst/>
               <a:pathLst>
-                <a:path w="2196296" h="0">
+                <a:path w="2196877" h="0">
                   <a:moveTo>
                     <a:pt x="0" y="0"/>
                   </a:moveTo>
                   <a:lnTo>
-                    <a:pt x="2196296" y="0"/>
-                  </a:lnTo>
-                  <a:lnTo>
-                    <a:pt x="2196296" y="0"/>
+                    <a:pt x="2196877" y="0"/>
+                  </a:lnTo>
+                  <a:lnTo>
+                    <a:pt x="2196877" y="0"/>
                   </a:lnTo>
                 </a:path>
               </a:pathLst>
@@ -3261,21 +3261,21 @@
           </p:nvSpPr>
           <p:spPr>
             <a:xfrm>
-              <a:off x="2209024" y="3878616"/>
-              <a:ext cx="2196296" cy="0"/>
+              <a:off x="2207281" y="3878870"/>
+              <a:ext cx="2196877" cy="0"/>
             </a:xfrm>
             <a:custGeom>
               <a:avLst/>
               <a:pathLst>
-                <a:path w="2196296" h="0">
+                <a:path w="2196877" h="0">
                   <a:moveTo>
                     <a:pt x="0" y="0"/>
                   </a:moveTo>
                   <a:lnTo>
-                    <a:pt x="2196296" y="0"/>
-                  </a:lnTo>
-                  <a:lnTo>
-                    <a:pt x="2196296" y="0"/>
+                    <a:pt x="2196877" y="0"/>
+                  </a:lnTo>
+                  <a:lnTo>
+                    <a:pt x="2196877" y="0"/>
                   </a:lnTo>
                 </a:path>
               </a:pathLst>
@@ -3304,21 +3304,21 @@
           </p:nvSpPr>
           <p:spPr>
             <a:xfrm>
-              <a:off x="2209024" y="2945703"/>
-              <a:ext cx="2196296" cy="0"/>
+              <a:off x="2207281" y="2944964"/>
+              <a:ext cx="2196877" cy="0"/>
             </a:xfrm>
             <a:custGeom>
               <a:avLst/>
               <a:pathLst>
-                <a:path w="2196296" h="0">
+                <a:path w="2196877" h="0">
                   <a:moveTo>
                     <a:pt x="0" y="0"/>
                   </a:moveTo>
                   <a:lnTo>
-                    <a:pt x="2196296" y="0"/>
-                  </a:lnTo>
-                  <a:lnTo>
-                    <a:pt x="2196296" y="0"/>
+                    <a:pt x="2196877" y="0"/>
+                  </a:lnTo>
+                  <a:lnTo>
+                    <a:pt x="2196877" y="0"/>
                   </a:lnTo>
                 </a:path>
               </a:pathLst>
@@ -3347,21 +3347,21 @@
           </p:nvSpPr>
           <p:spPr>
             <a:xfrm>
-              <a:off x="2209024" y="2012790"/>
-              <a:ext cx="2196296" cy="0"/>
+              <a:off x="2207281" y="2011058"/>
+              <a:ext cx="2196877" cy="0"/>
             </a:xfrm>
             <a:custGeom>
               <a:avLst/>
               <a:pathLst>
-                <a:path w="2196296" h="0">
+                <a:path w="2196877" h="0">
                   <a:moveTo>
                     <a:pt x="0" y="0"/>
                   </a:moveTo>
                   <a:lnTo>
-                    <a:pt x="2196296" y="0"/>
-                  </a:lnTo>
-                  <a:lnTo>
-                    <a:pt x="2196296" y="0"/>
+                    <a:pt x="2196877" y="0"/>
+                  </a:lnTo>
+                  <a:lnTo>
+                    <a:pt x="2196877" y="0"/>
                   </a:lnTo>
                 </a:path>
               </a:pathLst>
@@ -3390,21 +3390,21 @@
           </p:nvSpPr>
           <p:spPr>
             <a:xfrm>
-              <a:off x="2209024" y="5277985"/>
-              <a:ext cx="2196296" cy="0"/>
+              <a:off x="2207281" y="5279729"/>
+              <a:ext cx="2196877" cy="0"/>
             </a:xfrm>
             <a:custGeom>
               <a:avLst/>
               <a:pathLst>
-                <a:path w="2196296" h="0">
+                <a:path w="2196877" h="0">
                   <a:moveTo>
                     <a:pt x="0" y="0"/>
                   </a:moveTo>
                   <a:lnTo>
-                    <a:pt x="2196296" y="0"/>
-                  </a:lnTo>
-                  <a:lnTo>
-                    <a:pt x="2196296" y="0"/>
+                    <a:pt x="2196877" y="0"/>
+                  </a:lnTo>
+                  <a:lnTo>
+                    <a:pt x="2196877" y="0"/>
                   </a:lnTo>
                 </a:path>
               </a:pathLst>
@@ -3433,21 +3433,21 @@
           </p:nvSpPr>
           <p:spPr>
             <a:xfrm>
-              <a:off x="2209024" y="4345072"/>
-              <a:ext cx="2196296" cy="0"/>
+              <a:off x="2207281" y="4345823"/>
+              <a:ext cx="2196877" cy="0"/>
             </a:xfrm>
             <a:custGeom>
               <a:avLst/>
               <a:pathLst>
-                <a:path w="2196296" h="0">
+                <a:path w="2196877" h="0">
                   <a:moveTo>
                     <a:pt x="0" y="0"/>
                   </a:moveTo>
                   <a:lnTo>
-                    <a:pt x="2196296" y="0"/>
-                  </a:lnTo>
-                  <a:lnTo>
-                    <a:pt x="2196296" y="0"/>
+                    <a:pt x="2196877" y="0"/>
+                  </a:lnTo>
+                  <a:lnTo>
+                    <a:pt x="2196877" y="0"/>
                   </a:lnTo>
                 </a:path>
               </a:pathLst>
@@ -3476,21 +3476,21 @@
           </p:nvSpPr>
           <p:spPr>
             <a:xfrm>
-              <a:off x="2209024" y="3412159"/>
-              <a:ext cx="2196296" cy="0"/>
+              <a:off x="2207281" y="3411917"/>
+              <a:ext cx="2196877" cy="0"/>
             </a:xfrm>
             <a:custGeom>
               <a:avLst/>
               <a:pathLst>
-                <a:path w="2196296" h="0">
+                <a:path w="2196877" h="0">
                   <a:moveTo>
                     <a:pt x="0" y="0"/>
                   </a:moveTo>
                   <a:lnTo>
-                    <a:pt x="2196296" y="0"/>
-                  </a:lnTo>
-                  <a:lnTo>
-                    <a:pt x="2196296" y="0"/>
+                    <a:pt x="2196877" y="0"/>
+                  </a:lnTo>
+                  <a:lnTo>
+                    <a:pt x="2196877" y="0"/>
                   </a:lnTo>
                 </a:path>
               </a:pathLst>
@@ -3519,21 +3519,21 @@
           </p:nvSpPr>
           <p:spPr>
             <a:xfrm>
-              <a:off x="2209024" y="2479246"/>
-              <a:ext cx="2196296" cy="0"/>
+              <a:off x="2207281" y="2478011"/>
+              <a:ext cx="2196877" cy="0"/>
             </a:xfrm>
             <a:custGeom>
               <a:avLst/>
               <a:pathLst>
-                <a:path w="2196296" h="0">
+                <a:path w="2196877" h="0">
                   <a:moveTo>
                     <a:pt x="0" y="0"/>
                   </a:moveTo>
                   <a:lnTo>
-                    <a:pt x="2196296" y="0"/>
-                  </a:lnTo>
-                  <a:lnTo>
-                    <a:pt x="2196296" y="0"/>
+                    <a:pt x="2196877" y="0"/>
+                  </a:lnTo>
+                  <a:lnTo>
+                    <a:pt x="2196877" y="0"/>
                   </a:lnTo>
                 </a:path>
               </a:pathLst>
@@ -3562,15 +3562,15 @@
           </p:nvSpPr>
           <p:spPr>
             <a:xfrm>
-              <a:off x="2808014" y="1803995"/>
-              <a:ext cx="0" cy="3473990"/>
+              <a:off x="2806429" y="1802041"/>
+              <a:ext cx="0" cy="3477687"/>
             </a:xfrm>
             <a:custGeom>
               <a:avLst/>
               <a:pathLst>
-                <a:path w="0" h="3473990">
+                <a:path w="0" h="3477687">
                   <a:moveTo>
-                    <a:pt x="0" y="3473990"/>
+                    <a:pt x="0" y="3477687"/>
                   </a:moveTo>
                   <a:lnTo>
                     <a:pt x="0" y="0"/>
@@ -3605,15 +3605,15 @@
           </p:nvSpPr>
           <p:spPr>
             <a:xfrm>
-              <a:off x="3806331" y="1803995"/>
-              <a:ext cx="0" cy="3473990"/>
+              <a:off x="3805010" y="1802041"/>
+              <a:ext cx="0" cy="3477687"/>
             </a:xfrm>
             <a:custGeom>
               <a:avLst/>
               <a:pathLst>
-                <a:path w="0" h="3473990">
+                <a:path w="0" h="3477687">
                   <a:moveTo>
-                    <a:pt x="0" y="3473990"/>
+                    <a:pt x="0" y="3477687"/>
                   </a:moveTo>
                   <a:lnTo>
                     <a:pt x="0" y="0"/>
@@ -3648,8 +3648,8 @@
           </p:nvSpPr>
           <p:spPr>
             <a:xfrm>
-              <a:off x="2358772" y="2388432"/>
-              <a:ext cx="898484" cy="2889553"/>
+              <a:off x="2357068" y="2387100"/>
+              <a:ext cx="898722" cy="2892628"/>
             </a:xfrm>
             <a:prstGeom prst="rect">
               <a:avLst/>
@@ -3674,8 +3674,8 @@
           </p:nvSpPr>
           <p:spPr>
             <a:xfrm>
-              <a:off x="3357088" y="4435887"/>
-              <a:ext cx="898484" cy="842098"/>
+              <a:off x="3355649" y="4436734"/>
+              <a:ext cx="898722" cy="842994"/>
             </a:xfrm>
             <a:prstGeom prst="rect">
               <a:avLst/>
@@ -3700,7 +3700,7 @@
           </p:nvSpPr>
           <p:spPr>
             <a:xfrm>
-              <a:off x="2674896" y="2272681"/>
+              <a:off x="2673311" y="2271350"/>
               <a:ext cx="63735" cy="96458"/>
             </a:xfrm>
             <a:custGeom>
@@ -3986,7 +3986,7 @@
           </p:nvSpPr>
           <p:spPr>
             <a:xfrm>
-              <a:off x="2752871" y="2272681"/>
+              <a:off x="2751286" y="2271350"/>
               <a:ext cx="63735" cy="96458"/>
             </a:xfrm>
             <a:custGeom>
@@ -4272,7 +4272,7 @@
           </p:nvSpPr>
           <p:spPr>
             <a:xfrm>
-              <a:off x="2899852" y="2308554"/>
+              <a:off x="2898267" y="2307222"/>
               <a:ext cx="43471" cy="61407"/>
             </a:xfrm>
             <a:custGeom>
@@ -4783,7 +4783,7 @@
           </p:nvSpPr>
           <p:spPr>
             <a:xfrm>
-              <a:off x="2849124" y="2272681"/>
+              <a:off x="2847539" y="2271350"/>
               <a:ext cx="73867" cy="96458"/>
             </a:xfrm>
             <a:custGeom>
@@ -4826,7 +4826,7 @@
           </p:nvSpPr>
           <p:spPr>
             <a:xfrm>
-              <a:off x="2828655" y="2271860"/>
+              <a:off x="2827070" y="2270528"/>
               <a:ext cx="43402" cy="61407"/>
             </a:xfrm>
             <a:custGeom>
@@ -5337,7 +5337,7 @@
           </p:nvSpPr>
           <p:spPr>
             <a:xfrm>
-              <a:off x="2909915" y="2316153"/>
+              <a:off x="2908330" y="2314821"/>
               <a:ext cx="23276" cy="46278"/>
             </a:xfrm>
             <a:custGeom>
@@ -5848,7 +5848,7 @@
           </p:nvSpPr>
           <p:spPr>
             <a:xfrm>
-              <a:off x="2838718" y="2279253"/>
+              <a:off x="2837133" y="2277922"/>
               <a:ext cx="23276" cy="46278"/>
             </a:xfrm>
             <a:custGeom>
@@ -6359,7 +6359,7 @@
           </p:nvSpPr>
           <p:spPr>
             <a:xfrm>
-              <a:off x="3673076" y="4318699"/>
+              <a:off x="3671755" y="4319546"/>
               <a:ext cx="63872" cy="97896"/>
             </a:xfrm>
             <a:custGeom>
@@ -7305,7 +7305,7 @@
           </p:nvSpPr>
           <p:spPr>
             <a:xfrm>
-              <a:off x="3749339" y="4318699"/>
+              <a:off x="3748018" y="4319546"/>
               <a:ext cx="66473" cy="99265"/>
             </a:xfrm>
             <a:custGeom>
@@ -8614,7 +8614,7 @@
           </p:nvSpPr>
           <p:spPr>
             <a:xfrm>
-              <a:off x="3898169" y="4356009"/>
+              <a:off x="3896848" y="4356856"/>
               <a:ext cx="43471" cy="61407"/>
             </a:xfrm>
             <a:custGeom>
@@ -9125,7 +9125,7 @@
           </p:nvSpPr>
           <p:spPr>
             <a:xfrm>
-              <a:off x="3847440" y="4320136"/>
+              <a:off x="3846120" y="4320984"/>
               <a:ext cx="73867" cy="96458"/>
             </a:xfrm>
             <a:custGeom>
@@ -9168,7 +9168,7 @@
           </p:nvSpPr>
           <p:spPr>
             <a:xfrm>
-              <a:off x="3826971" y="4319315"/>
+              <a:off x="3825650" y="4320162"/>
               <a:ext cx="43402" cy="61407"/>
             </a:xfrm>
             <a:custGeom>
@@ -9679,7 +9679,7 @@
           </p:nvSpPr>
           <p:spPr>
             <a:xfrm>
-              <a:off x="3908232" y="4363608"/>
+              <a:off x="3906911" y="4364455"/>
               <a:ext cx="23276" cy="46278"/>
             </a:xfrm>
             <a:custGeom>
@@ -10190,7 +10190,7 @@
           </p:nvSpPr>
           <p:spPr>
             <a:xfrm>
-              <a:off x="3837035" y="4326708"/>
+              <a:off x="3835714" y="4327556"/>
               <a:ext cx="23276" cy="46278"/>
             </a:xfrm>
             <a:custGeom>
@@ -10701,8 +10701,8 @@
           </p:nvSpPr>
           <p:spPr>
             <a:xfrm>
-              <a:off x="2209024" y="1803995"/>
-              <a:ext cx="2196296" cy="3473990"/>
+              <a:off x="2207281" y="1802041"/>
+              <a:ext cx="2196877" cy="3477687"/>
             </a:xfrm>
             <a:prstGeom prst="rect">
               <a:avLst/>
@@ -10731,8 +10731,8 @@
           </p:nvSpPr>
           <p:spPr>
             <a:xfrm>
-              <a:off x="4474910" y="1803995"/>
-              <a:ext cx="2196296" cy="3473990"/>
+              <a:off x="4473748" y="1802041"/>
+              <a:ext cx="2196877" cy="3477687"/>
             </a:xfrm>
             <a:prstGeom prst="rect">
               <a:avLst/>
@@ -10757,21 +10757,21 @@
           </p:nvSpPr>
           <p:spPr>
             <a:xfrm>
-              <a:off x="4474910" y="4811529"/>
-              <a:ext cx="2196296" cy="0"/>
+              <a:off x="4473748" y="4812776"/>
+              <a:ext cx="2196877" cy="0"/>
             </a:xfrm>
             <a:custGeom>
               <a:avLst/>
               <a:pathLst>
-                <a:path w="2196296" h="0">
+                <a:path w="2196877" h="0">
                   <a:moveTo>
                     <a:pt x="0" y="0"/>
                   </a:moveTo>
                   <a:lnTo>
-                    <a:pt x="2196296" y="0"/>
-                  </a:lnTo>
-                  <a:lnTo>
-                    <a:pt x="2196296" y="0"/>
+                    <a:pt x="2196877" y="0"/>
+                  </a:lnTo>
+                  <a:lnTo>
+                    <a:pt x="2196877" y="0"/>
                   </a:lnTo>
                 </a:path>
               </a:pathLst>
@@ -10800,21 +10800,21 @@
           </p:nvSpPr>
           <p:spPr>
             <a:xfrm>
-              <a:off x="4474910" y="3878616"/>
-              <a:ext cx="2196296" cy="0"/>
+              <a:off x="4473748" y="3878870"/>
+              <a:ext cx="2196877" cy="0"/>
             </a:xfrm>
             <a:custGeom>
               <a:avLst/>
               <a:pathLst>
-                <a:path w="2196296" h="0">
+                <a:path w="2196877" h="0">
                   <a:moveTo>
                     <a:pt x="0" y="0"/>
                   </a:moveTo>
                   <a:lnTo>
-                    <a:pt x="2196296" y="0"/>
-                  </a:lnTo>
-                  <a:lnTo>
-                    <a:pt x="2196296" y="0"/>
+                    <a:pt x="2196877" y="0"/>
+                  </a:lnTo>
+                  <a:lnTo>
+                    <a:pt x="2196877" y="0"/>
                   </a:lnTo>
                 </a:path>
               </a:pathLst>
@@ -10843,21 +10843,21 @@
           </p:nvSpPr>
           <p:spPr>
             <a:xfrm>
-              <a:off x="4474910" y="2945703"/>
-              <a:ext cx="2196296" cy="0"/>
+              <a:off x="4473748" y="2944964"/>
+              <a:ext cx="2196877" cy="0"/>
             </a:xfrm>
             <a:custGeom>
               <a:avLst/>
               <a:pathLst>
-                <a:path w="2196296" h="0">
+                <a:path w="2196877" h="0">
                   <a:moveTo>
                     <a:pt x="0" y="0"/>
                   </a:moveTo>
                   <a:lnTo>
-                    <a:pt x="2196296" y="0"/>
-                  </a:lnTo>
-                  <a:lnTo>
-                    <a:pt x="2196296" y="0"/>
+                    <a:pt x="2196877" y="0"/>
+                  </a:lnTo>
+                  <a:lnTo>
+                    <a:pt x="2196877" y="0"/>
                   </a:lnTo>
                 </a:path>
               </a:pathLst>
@@ -10886,21 +10886,21 @@
           </p:nvSpPr>
           <p:spPr>
             <a:xfrm>
-              <a:off x="4474910" y="2012790"/>
-              <a:ext cx="2196296" cy="0"/>
+              <a:off x="4473748" y="2011058"/>
+              <a:ext cx="2196877" cy="0"/>
             </a:xfrm>
             <a:custGeom>
               <a:avLst/>
               <a:pathLst>
-                <a:path w="2196296" h="0">
+                <a:path w="2196877" h="0">
                   <a:moveTo>
                     <a:pt x="0" y="0"/>
                   </a:moveTo>
                   <a:lnTo>
-                    <a:pt x="2196296" y="0"/>
-                  </a:lnTo>
-                  <a:lnTo>
-                    <a:pt x="2196296" y="0"/>
+                    <a:pt x="2196877" y="0"/>
+                  </a:lnTo>
+                  <a:lnTo>
+                    <a:pt x="2196877" y="0"/>
                   </a:lnTo>
                 </a:path>
               </a:pathLst>
@@ -10929,21 +10929,21 @@
           </p:nvSpPr>
           <p:spPr>
             <a:xfrm>
-              <a:off x="4474910" y="5277985"/>
-              <a:ext cx="2196296" cy="0"/>
+              <a:off x="4473748" y="5279729"/>
+              <a:ext cx="2196877" cy="0"/>
             </a:xfrm>
             <a:custGeom>
               <a:avLst/>
               <a:pathLst>
-                <a:path w="2196296" h="0">
+                <a:path w="2196877" h="0">
                   <a:moveTo>
                     <a:pt x="0" y="0"/>
                   </a:moveTo>
                   <a:lnTo>
-                    <a:pt x="2196296" y="0"/>
-                  </a:lnTo>
-                  <a:lnTo>
-                    <a:pt x="2196296" y="0"/>
+                    <a:pt x="2196877" y="0"/>
+                  </a:lnTo>
+                  <a:lnTo>
+                    <a:pt x="2196877" y="0"/>
                   </a:lnTo>
                 </a:path>
               </a:pathLst>
@@ -10972,21 +10972,21 @@
           </p:nvSpPr>
           <p:spPr>
             <a:xfrm>
-              <a:off x="4474910" y="4345072"/>
-              <a:ext cx="2196296" cy="0"/>
+              <a:off x="4473748" y="4345823"/>
+              <a:ext cx="2196877" cy="0"/>
             </a:xfrm>
             <a:custGeom>
               <a:avLst/>
               <a:pathLst>
-                <a:path w="2196296" h="0">
+                <a:path w="2196877" h="0">
                   <a:moveTo>
                     <a:pt x="0" y="0"/>
                   </a:moveTo>
                   <a:lnTo>
-                    <a:pt x="2196296" y="0"/>
-                  </a:lnTo>
-                  <a:lnTo>
-                    <a:pt x="2196296" y="0"/>
+                    <a:pt x="2196877" y="0"/>
+                  </a:lnTo>
+                  <a:lnTo>
+                    <a:pt x="2196877" y="0"/>
                   </a:lnTo>
                 </a:path>
               </a:pathLst>
@@ -11015,21 +11015,21 @@
           </p:nvSpPr>
           <p:spPr>
             <a:xfrm>
-              <a:off x="4474910" y="3412159"/>
-              <a:ext cx="2196296" cy="0"/>
+              <a:off x="4473748" y="3411917"/>
+              <a:ext cx="2196877" cy="0"/>
             </a:xfrm>
             <a:custGeom>
               <a:avLst/>
               <a:pathLst>
-                <a:path w="2196296" h="0">
+                <a:path w="2196877" h="0">
                   <a:moveTo>
                     <a:pt x="0" y="0"/>
                   </a:moveTo>
                   <a:lnTo>
-                    <a:pt x="2196296" y="0"/>
-                  </a:lnTo>
-                  <a:lnTo>
-                    <a:pt x="2196296" y="0"/>
+                    <a:pt x="2196877" y="0"/>
+                  </a:lnTo>
+                  <a:lnTo>
+                    <a:pt x="2196877" y="0"/>
                   </a:lnTo>
                 </a:path>
               </a:pathLst>
@@ -11058,21 +11058,21 @@
           </p:nvSpPr>
           <p:spPr>
             <a:xfrm>
-              <a:off x="4474910" y="2479246"/>
-              <a:ext cx="2196296" cy="0"/>
+              <a:off x="4473748" y="2478011"/>
+              <a:ext cx="2196877" cy="0"/>
             </a:xfrm>
             <a:custGeom>
               <a:avLst/>
               <a:pathLst>
-                <a:path w="2196296" h="0">
+                <a:path w="2196877" h="0">
                   <a:moveTo>
                     <a:pt x="0" y="0"/>
                   </a:moveTo>
                   <a:lnTo>
-                    <a:pt x="2196296" y="0"/>
-                  </a:lnTo>
-                  <a:lnTo>
-                    <a:pt x="2196296" y="0"/>
+                    <a:pt x="2196877" y="0"/>
+                  </a:lnTo>
+                  <a:lnTo>
+                    <a:pt x="2196877" y="0"/>
                   </a:lnTo>
                 </a:path>
               </a:pathLst>
@@ -11101,15 +11101,15 @@
           </p:nvSpPr>
           <p:spPr>
             <a:xfrm>
-              <a:off x="5073900" y="1803995"/>
-              <a:ext cx="0" cy="3473990"/>
+              <a:off x="5072896" y="1802041"/>
+              <a:ext cx="0" cy="3477687"/>
             </a:xfrm>
             <a:custGeom>
               <a:avLst/>
               <a:pathLst>
-                <a:path w="0" h="3473990">
+                <a:path w="0" h="3477687">
                   <a:moveTo>
-                    <a:pt x="0" y="3473990"/>
+                    <a:pt x="0" y="3477687"/>
                   </a:moveTo>
                   <a:lnTo>
                     <a:pt x="0" y="0"/>
@@ -11144,15 +11144,15 @@
           </p:nvSpPr>
           <p:spPr>
             <a:xfrm>
-              <a:off x="6072216" y="1803995"/>
-              <a:ext cx="0" cy="3473990"/>
+              <a:off x="6071477" y="1802041"/>
+              <a:ext cx="0" cy="3477687"/>
             </a:xfrm>
             <a:custGeom>
               <a:avLst/>
               <a:pathLst>
-                <a:path w="0" h="3473990">
+                <a:path w="0" h="3477687">
                   <a:moveTo>
-                    <a:pt x="0" y="3473990"/>
+                    <a:pt x="0" y="3477687"/>
                   </a:moveTo>
                   <a:lnTo>
                     <a:pt x="0" y="0"/>
@@ -11187,8 +11187,8 @@
           </p:nvSpPr>
           <p:spPr>
             <a:xfrm>
-              <a:off x="4624657" y="2257124"/>
-              <a:ext cx="898484" cy="3020861"/>
+              <a:off x="4623535" y="2255653"/>
+              <a:ext cx="898722" cy="3024076"/>
             </a:xfrm>
             <a:prstGeom prst="rect">
               <a:avLst/>
@@ -11213,8 +11213,8 @@
           </p:nvSpPr>
           <p:spPr>
             <a:xfrm>
-              <a:off x="5622974" y="4567194"/>
-              <a:ext cx="898484" cy="710790"/>
+              <a:off x="5622115" y="4568181"/>
+              <a:ext cx="898722" cy="711547"/>
             </a:xfrm>
             <a:prstGeom prst="rect">
               <a:avLst/>
@@ -11239,7 +11239,7 @@
           </p:nvSpPr>
           <p:spPr>
             <a:xfrm>
-              <a:off x="4939686" y="2139936"/>
+              <a:off x="4938682" y="2138465"/>
               <a:ext cx="65788" cy="99265"/>
             </a:xfrm>
             <a:custGeom>
@@ -12236,7 +12236,7 @@
           </p:nvSpPr>
           <p:spPr>
             <a:xfrm>
-              <a:off x="4954542" y="2149110"/>
+              <a:off x="4953538" y="2147638"/>
               <a:ext cx="35735" cy="33339"/>
             </a:xfrm>
             <a:custGeom>
@@ -12747,7 +12747,7 @@
           </p:nvSpPr>
           <p:spPr>
             <a:xfrm>
-              <a:off x="4952420" y="2191691"/>
+              <a:off x="4951416" y="2190220"/>
               <a:ext cx="40253" cy="38268"/>
             </a:xfrm>
             <a:custGeom>
@@ -13258,7 +13258,7 @@
           </p:nvSpPr>
           <p:spPr>
             <a:xfrm>
-              <a:off x="5022248" y="2141374"/>
+              <a:off x="5021244" y="2139902"/>
               <a:ext cx="60449" cy="96458"/>
             </a:xfrm>
             <a:custGeom>
@@ -13322,7 +13322,7 @@
           </p:nvSpPr>
           <p:spPr>
             <a:xfrm>
-              <a:off x="5165737" y="2177246"/>
+              <a:off x="5164734" y="2175775"/>
               <a:ext cx="43471" cy="61407"/>
             </a:xfrm>
             <a:custGeom>
@@ -13833,7 +13833,7 @@
           </p:nvSpPr>
           <p:spPr>
             <a:xfrm>
-              <a:off x="5115009" y="2141374"/>
+              <a:off x="5114006" y="2139902"/>
               <a:ext cx="73867" cy="96458"/>
             </a:xfrm>
             <a:custGeom>
@@ -13876,7 +13876,7 @@
           </p:nvSpPr>
           <p:spPr>
             <a:xfrm>
-              <a:off x="5094540" y="2140552"/>
+              <a:off x="5093536" y="2139081"/>
               <a:ext cx="43402" cy="61407"/>
             </a:xfrm>
             <a:custGeom>
@@ -14387,7 +14387,7 @@
           </p:nvSpPr>
           <p:spPr>
             <a:xfrm>
-              <a:off x="5175801" y="2184845"/>
+              <a:off x="5174797" y="2183374"/>
               <a:ext cx="23276" cy="46278"/>
             </a:xfrm>
             <a:custGeom>
@@ -14898,7 +14898,7 @@
           </p:nvSpPr>
           <p:spPr>
             <a:xfrm>
-              <a:off x="5104604" y="2147946"/>
+              <a:off x="5103600" y="2146474"/>
               <a:ext cx="23276" cy="46278"/>
             </a:xfrm>
             <a:custGeom>
@@ -15409,7 +15409,7 @@
           </p:nvSpPr>
           <p:spPr>
             <a:xfrm>
-              <a:off x="5942590" y="4451444"/>
+              <a:off x="5941850" y="4452431"/>
               <a:ext cx="60449" cy="96458"/>
             </a:xfrm>
             <a:custGeom>
@@ -15473,7 +15473,7 @@
           </p:nvSpPr>
           <p:spPr>
             <a:xfrm>
-              <a:off x="6016457" y="4450006"/>
+              <a:off x="6015717" y="4450993"/>
               <a:ext cx="64762" cy="99265"/>
             </a:xfrm>
             <a:custGeom>
@@ -16347,7 +16347,7 @@
           </p:nvSpPr>
           <p:spPr>
             <a:xfrm>
-              <a:off x="6028985" y="4460001"/>
+              <a:off x="6028245" y="4460988"/>
               <a:ext cx="38816" cy="45251"/>
             </a:xfrm>
             <a:custGeom>
@@ -16858,7 +16858,7 @@
           </p:nvSpPr>
           <p:spPr>
             <a:xfrm>
-              <a:off x="6164054" y="4487316"/>
+              <a:off x="6163314" y="4488303"/>
               <a:ext cx="43471" cy="61407"/>
             </a:xfrm>
             <a:custGeom>
@@ -17369,7 +17369,7 @@
           </p:nvSpPr>
           <p:spPr>
             <a:xfrm>
-              <a:off x="6113326" y="4451444"/>
+              <a:off x="6112586" y="4452431"/>
               <a:ext cx="73867" cy="96458"/>
             </a:xfrm>
             <a:custGeom>
@@ -17412,7 +17412,7 @@
           </p:nvSpPr>
           <p:spPr>
             <a:xfrm>
-              <a:off x="6092857" y="4450622"/>
+              <a:off x="6092117" y="4451610"/>
               <a:ext cx="43402" cy="61407"/>
             </a:xfrm>
             <a:custGeom>
@@ -17923,7 +17923,7 @@
           </p:nvSpPr>
           <p:spPr>
             <a:xfrm>
-              <a:off x="6174118" y="4494915"/>
+              <a:off x="6173378" y="4495902"/>
               <a:ext cx="23276" cy="46278"/>
             </a:xfrm>
             <a:custGeom>
@@ -18434,7 +18434,7 @@
           </p:nvSpPr>
           <p:spPr>
             <a:xfrm>
-              <a:off x="6102920" y="4458016"/>
+              <a:off x="6102181" y="4459003"/>
               <a:ext cx="23276" cy="46278"/>
             </a:xfrm>
             <a:custGeom>
@@ -18945,8 +18945,8 @@
           </p:nvSpPr>
           <p:spPr>
             <a:xfrm>
-              <a:off x="4474910" y="1803995"/>
-              <a:ext cx="2196296" cy="3473990"/>
+              <a:off x="4473748" y="1802041"/>
+              <a:ext cx="2196877" cy="3477687"/>
             </a:xfrm>
             <a:prstGeom prst="rect">
               <a:avLst/>
@@ -18975,8 +18975,8 @@
           </p:nvSpPr>
           <p:spPr>
             <a:xfrm>
-              <a:off x="6740795" y="1803995"/>
-              <a:ext cx="2196296" cy="3473990"/>
+              <a:off x="6740214" y="1802041"/>
+              <a:ext cx="2196877" cy="3477687"/>
             </a:xfrm>
             <a:prstGeom prst="rect">
               <a:avLst/>
@@ -19001,21 +19001,21 @@
           </p:nvSpPr>
           <p:spPr>
             <a:xfrm>
-              <a:off x="6740795" y="4811529"/>
-              <a:ext cx="2196296" cy="0"/>
+              <a:off x="6740214" y="4812776"/>
+              <a:ext cx="2196877" cy="0"/>
             </a:xfrm>
             <a:custGeom>
               <a:avLst/>
               <a:pathLst>
-                <a:path w="2196296" h="0">
+                <a:path w="2196877" h="0">
                   <a:moveTo>
                     <a:pt x="0" y="0"/>
                   </a:moveTo>
                   <a:lnTo>
-                    <a:pt x="2196296" y="0"/>
-                  </a:lnTo>
-                  <a:lnTo>
-                    <a:pt x="2196296" y="0"/>
+                    <a:pt x="2196877" y="0"/>
+                  </a:lnTo>
+                  <a:lnTo>
+                    <a:pt x="2196877" y="0"/>
                   </a:lnTo>
                 </a:path>
               </a:pathLst>
@@ -19044,21 +19044,21 @@
           </p:nvSpPr>
           <p:spPr>
             <a:xfrm>
-              <a:off x="6740795" y="3878616"/>
-              <a:ext cx="2196296" cy="0"/>
+              <a:off x="6740214" y="3878870"/>
+              <a:ext cx="2196877" cy="0"/>
             </a:xfrm>
             <a:custGeom>
               <a:avLst/>
               <a:pathLst>
-                <a:path w="2196296" h="0">
+                <a:path w="2196877" h="0">
                   <a:moveTo>
                     <a:pt x="0" y="0"/>
                   </a:moveTo>
                   <a:lnTo>
-                    <a:pt x="2196296" y="0"/>
-                  </a:lnTo>
-                  <a:lnTo>
-                    <a:pt x="2196296" y="0"/>
+                    <a:pt x="2196877" y="0"/>
+                  </a:lnTo>
+                  <a:lnTo>
+                    <a:pt x="2196877" y="0"/>
                   </a:lnTo>
                 </a:path>
               </a:pathLst>
@@ -19087,21 +19087,21 @@
           </p:nvSpPr>
           <p:spPr>
             <a:xfrm>
-              <a:off x="6740795" y="2945703"/>
-              <a:ext cx="2196296" cy="0"/>
+              <a:off x="6740214" y="2944964"/>
+              <a:ext cx="2196877" cy="0"/>
             </a:xfrm>
             <a:custGeom>
               <a:avLst/>
               <a:pathLst>
-                <a:path w="2196296" h="0">
+                <a:path w="2196877" h="0">
                   <a:moveTo>
                     <a:pt x="0" y="0"/>
                   </a:moveTo>
                   <a:lnTo>
-                    <a:pt x="2196296" y="0"/>
-                  </a:lnTo>
-                  <a:lnTo>
-                    <a:pt x="2196296" y="0"/>
+                    <a:pt x="2196877" y="0"/>
+                  </a:lnTo>
+                  <a:lnTo>
+                    <a:pt x="2196877" y="0"/>
                   </a:lnTo>
                 </a:path>
               </a:pathLst>
@@ -19130,21 +19130,21 @@
           </p:nvSpPr>
           <p:spPr>
             <a:xfrm>
-              <a:off x="6740795" y="2012790"/>
-              <a:ext cx="2196296" cy="0"/>
+              <a:off x="6740214" y="2011058"/>
+              <a:ext cx="2196877" cy="0"/>
             </a:xfrm>
             <a:custGeom>
               <a:avLst/>
               <a:pathLst>
-                <a:path w="2196296" h="0">
+                <a:path w="2196877" h="0">
                   <a:moveTo>
                     <a:pt x="0" y="0"/>
                   </a:moveTo>
                   <a:lnTo>
-                    <a:pt x="2196296" y="0"/>
-                  </a:lnTo>
-                  <a:lnTo>
-                    <a:pt x="2196296" y="0"/>
+                    <a:pt x="2196877" y="0"/>
+                  </a:lnTo>
+                  <a:lnTo>
+                    <a:pt x="2196877" y="0"/>
                   </a:lnTo>
                 </a:path>
               </a:pathLst>
@@ -19173,21 +19173,21 @@
           </p:nvSpPr>
           <p:spPr>
             <a:xfrm>
-              <a:off x="6740795" y="5277985"/>
-              <a:ext cx="2196296" cy="0"/>
+              <a:off x="6740214" y="5279729"/>
+              <a:ext cx="2196877" cy="0"/>
             </a:xfrm>
             <a:custGeom>
               <a:avLst/>
               <a:pathLst>
-                <a:path w="2196296" h="0">
+                <a:path w="2196877" h="0">
                   <a:moveTo>
                     <a:pt x="0" y="0"/>
                   </a:moveTo>
                   <a:lnTo>
-                    <a:pt x="2196296" y="0"/>
-                  </a:lnTo>
-                  <a:lnTo>
-                    <a:pt x="2196296" y="0"/>
+                    <a:pt x="2196877" y="0"/>
+                  </a:lnTo>
+                  <a:lnTo>
+                    <a:pt x="2196877" y="0"/>
                   </a:lnTo>
                 </a:path>
               </a:pathLst>
@@ -19216,21 +19216,21 @@
           </p:nvSpPr>
           <p:spPr>
             <a:xfrm>
-              <a:off x="6740795" y="4345072"/>
-              <a:ext cx="2196296" cy="0"/>
+              <a:off x="6740214" y="4345823"/>
+              <a:ext cx="2196877" cy="0"/>
             </a:xfrm>
             <a:custGeom>
               <a:avLst/>
               <a:pathLst>
-                <a:path w="2196296" h="0">
+                <a:path w="2196877" h="0">
                   <a:moveTo>
                     <a:pt x="0" y="0"/>
                   </a:moveTo>
                   <a:lnTo>
-                    <a:pt x="2196296" y="0"/>
-                  </a:lnTo>
-                  <a:lnTo>
-                    <a:pt x="2196296" y="0"/>
+                    <a:pt x="2196877" y="0"/>
+                  </a:lnTo>
+                  <a:lnTo>
+                    <a:pt x="2196877" y="0"/>
                   </a:lnTo>
                 </a:path>
               </a:pathLst>
@@ -19259,21 +19259,21 @@
           </p:nvSpPr>
           <p:spPr>
             <a:xfrm>
-              <a:off x="6740795" y="3412159"/>
-              <a:ext cx="2196296" cy="0"/>
+              <a:off x="6740214" y="3411917"/>
+              <a:ext cx="2196877" cy="0"/>
             </a:xfrm>
             <a:custGeom>
               <a:avLst/>
               <a:pathLst>
-                <a:path w="2196296" h="0">
+                <a:path w="2196877" h="0">
                   <a:moveTo>
                     <a:pt x="0" y="0"/>
                   </a:moveTo>
                   <a:lnTo>
-                    <a:pt x="2196296" y="0"/>
-                  </a:lnTo>
-                  <a:lnTo>
-                    <a:pt x="2196296" y="0"/>
+                    <a:pt x="2196877" y="0"/>
+                  </a:lnTo>
+                  <a:lnTo>
+                    <a:pt x="2196877" y="0"/>
                   </a:lnTo>
                 </a:path>
               </a:pathLst>
@@ -19302,21 +19302,21 @@
           </p:nvSpPr>
           <p:spPr>
             <a:xfrm>
-              <a:off x="6740795" y="2479246"/>
-              <a:ext cx="2196296" cy="0"/>
+              <a:off x="6740214" y="2478011"/>
+              <a:ext cx="2196877" cy="0"/>
             </a:xfrm>
             <a:custGeom>
               <a:avLst/>
               <a:pathLst>
-                <a:path w="2196296" h="0">
+                <a:path w="2196877" h="0">
                   <a:moveTo>
                     <a:pt x="0" y="0"/>
                   </a:moveTo>
                   <a:lnTo>
-                    <a:pt x="2196296" y="0"/>
-                  </a:lnTo>
-                  <a:lnTo>
-                    <a:pt x="2196296" y="0"/>
+                    <a:pt x="2196877" y="0"/>
+                  </a:lnTo>
+                  <a:lnTo>
+                    <a:pt x="2196877" y="0"/>
                   </a:lnTo>
                 </a:path>
               </a:pathLst>
@@ -19345,15 +19345,15 @@
           </p:nvSpPr>
           <p:spPr>
             <a:xfrm>
-              <a:off x="7339785" y="1803995"/>
-              <a:ext cx="0" cy="3473990"/>
+              <a:off x="7339363" y="1802041"/>
+              <a:ext cx="0" cy="3477687"/>
             </a:xfrm>
             <a:custGeom>
               <a:avLst/>
               <a:pathLst>
-                <a:path w="0" h="3473990">
+                <a:path w="0" h="3477687">
                   <a:moveTo>
-                    <a:pt x="0" y="3473990"/>
+                    <a:pt x="0" y="3477687"/>
                   </a:moveTo>
                   <a:lnTo>
                     <a:pt x="0" y="0"/>
@@ -19388,15 +19388,15 @@
           </p:nvSpPr>
           <p:spPr>
             <a:xfrm>
-              <a:off x="8338102" y="1803995"/>
-              <a:ext cx="0" cy="3473990"/>
+              <a:off x="8337944" y="1802041"/>
+              <a:ext cx="0" cy="3477687"/>
             </a:xfrm>
             <a:custGeom>
               <a:avLst/>
               <a:pathLst>
-                <a:path w="0" h="3473990">
+                <a:path w="0" h="3477687">
                   <a:moveTo>
-                    <a:pt x="0" y="3473990"/>
+                    <a:pt x="0" y="3477687"/>
                   </a:moveTo>
                   <a:lnTo>
                     <a:pt x="0" y="0"/>
@@ -19431,8 +19431,8 @@
           </p:nvSpPr>
           <p:spPr>
             <a:xfrm>
-              <a:off x="6890543" y="3469393"/>
-              <a:ext cx="898484" cy="1808592"/>
+              <a:off x="6890001" y="3469212"/>
+              <a:ext cx="898722" cy="1810516"/>
             </a:xfrm>
             <a:prstGeom prst="rect">
               <a:avLst/>
@@ -19457,8 +19457,8 @@
           </p:nvSpPr>
           <p:spPr>
             <a:xfrm>
-              <a:off x="7888860" y="3354925"/>
-              <a:ext cx="898484" cy="1923059"/>
+              <a:off x="7888582" y="3354622"/>
+              <a:ext cx="898722" cy="1925106"/>
             </a:xfrm>
             <a:prstGeom prst="rect">
               <a:avLst/>
@@ -19483,7 +19483,7 @@
           </p:nvSpPr>
           <p:spPr>
             <a:xfrm>
-              <a:off x="7202696" y="3353643"/>
+              <a:off x="7202274" y="3353461"/>
               <a:ext cx="70649" cy="96458"/>
             </a:xfrm>
             <a:custGeom>
@@ -19547,7 +19547,7 @@
           </p:nvSpPr>
           <p:spPr>
             <a:xfrm>
-              <a:off x="7214061" y="3367923"/>
+              <a:off x="7213638" y="3367742"/>
               <a:ext cx="34092" cy="50618"/>
             </a:xfrm>
             <a:custGeom>
@@ -19794,7 +19794,7 @@
           </p:nvSpPr>
           <p:spPr>
             <a:xfrm>
-              <a:off x="7283546" y="3352205"/>
+              <a:off x="7283124" y="3352024"/>
               <a:ext cx="65788" cy="99265"/>
             </a:xfrm>
             <a:custGeom>
@@ -20791,7 +20791,7 @@
           </p:nvSpPr>
           <p:spPr>
             <a:xfrm>
-              <a:off x="7298402" y="3361379"/>
+              <a:off x="7297979" y="3361197"/>
               <a:ext cx="35735" cy="33339"/>
             </a:xfrm>
             <a:custGeom>
@@ -21302,7 +21302,7 @@
           </p:nvSpPr>
           <p:spPr>
             <a:xfrm>
-              <a:off x="7296280" y="3403960"/>
+              <a:off x="7295857" y="3403779"/>
               <a:ext cx="40253" cy="38268"/>
             </a:xfrm>
             <a:custGeom>
@@ -21813,7 +21813,7 @@
           </p:nvSpPr>
           <p:spPr>
             <a:xfrm>
-              <a:off x="7431623" y="3389515"/>
+              <a:off x="7431200" y="3389334"/>
               <a:ext cx="43471" cy="61407"/>
             </a:xfrm>
             <a:custGeom>
@@ -22324,7 +22324,7 @@
           </p:nvSpPr>
           <p:spPr>
             <a:xfrm>
-              <a:off x="7380895" y="3353643"/>
+              <a:off x="7380472" y="3353461"/>
               <a:ext cx="73867" cy="96458"/>
             </a:xfrm>
             <a:custGeom>
@@ -22367,7 +22367,7 @@
           </p:nvSpPr>
           <p:spPr>
             <a:xfrm>
-              <a:off x="7360426" y="3352821"/>
+              <a:off x="7360003" y="3352640"/>
               <a:ext cx="43402" cy="61407"/>
             </a:xfrm>
             <a:custGeom>
@@ -22878,7 +22878,7 @@
           </p:nvSpPr>
           <p:spPr>
             <a:xfrm>
-              <a:off x="7441686" y="3397114"/>
+              <a:off x="7441264" y="3396933"/>
               <a:ext cx="23276" cy="46278"/>
             </a:xfrm>
             <a:custGeom>
@@ -23389,7 +23389,7 @@
           </p:nvSpPr>
           <p:spPr>
             <a:xfrm>
-              <a:off x="7370489" y="3360215"/>
+              <a:off x="7370067" y="3360034"/>
               <a:ext cx="23276" cy="46278"/>
             </a:xfrm>
             <a:custGeom>
@@ -23900,7 +23900,7 @@
           </p:nvSpPr>
           <p:spPr>
             <a:xfrm>
-              <a:off x="8203409" y="3239175"/>
+              <a:off x="8203251" y="3238872"/>
               <a:ext cx="66473" cy="97827"/>
             </a:xfrm>
             <a:custGeom>
@@ -24852,7 +24852,7 @@
           </p:nvSpPr>
           <p:spPr>
             <a:xfrm>
-              <a:off x="8282821" y="3237737"/>
+              <a:off x="8282663" y="3237434"/>
               <a:ext cx="63872" cy="97896"/>
             </a:xfrm>
             <a:custGeom>
@@ -25798,7 +25798,7 @@
           </p:nvSpPr>
           <p:spPr>
             <a:xfrm>
-              <a:off x="8429940" y="3275047"/>
+              <a:off x="8429781" y="3274744"/>
               <a:ext cx="43471" cy="61407"/>
             </a:xfrm>
             <a:custGeom>
@@ -26309,7 +26309,7 @@
           </p:nvSpPr>
           <p:spPr>
             <a:xfrm>
-              <a:off x="8379212" y="3239175"/>
+              <a:off x="8379053" y="3238872"/>
               <a:ext cx="73867" cy="96458"/>
             </a:xfrm>
             <a:custGeom>
@@ -26352,7 +26352,7 @@
           </p:nvSpPr>
           <p:spPr>
             <a:xfrm>
-              <a:off x="8358742" y="3238353"/>
+              <a:off x="8358584" y="3238050"/>
               <a:ext cx="43402" cy="61407"/>
             </a:xfrm>
             <a:custGeom>
@@ -26863,7 +26863,7 @@
           </p:nvSpPr>
           <p:spPr>
             <a:xfrm>
-              <a:off x="8440003" y="3282646"/>
+              <a:off x="8439845" y="3282343"/>
               <a:ext cx="23276" cy="46278"/>
             </a:xfrm>
             <a:custGeom>
@@ -27374,7 +27374,7 @@
           </p:nvSpPr>
           <p:spPr>
             <a:xfrm>
-              <a:off x="8368806" y="3245747"/>
+              <a:off x="8368647" y="3245444"/>
               <a:ext cx="23276" cy="46278"/>
             </a:xfrm>
             <a:custGeom>
@@ -27885,8 +27885,8 @@
           </p:nvSpPr>
           <p:spPr>
             <a:xfrm>
-              <a:off x="6740795" y="1803995"/>
-              <a:ext cx="2196296" cy="3473990"/>
+              <a:off x="6740214" y="1802041"/>
+              <a:ext cx="2196877" cy="3477687"/>
             </a:xfrm>
             <a:prstGeom prst="rect">
               <a:avLst/>
@@ -27915,8 +27915,8 @@
           </p:nvSpPr>
           <p:spPr>
             <a:xfrm>
-              <a:off x="2209024" y="1590617"/>
-              <a:ext cx="2196296" cy="213378"/>
+              <a:off x="2207281" y="1590617"/>
+              <a:ext cx="2196877" cy="211424"/>
             </a:xfrm>
             <a:prstGeom prst="rect">
               <a:avLst/>
@@ -27950,7 +27950,7 @@
           </p:nvSpPr>
           <p:spPr>
             <a:xfrm>
-              <a:off x="3032138" y="1645382"/>
+              <a:off x="3030685" y="1644405"/>
               <a:ext cx="103028" cy="82946"/>
             </a:xfrm>
             <a:custGeom>
@@ -28173,7 +28173,7 @@
           </p:nvSpPr>
           <p:spPr>
             <a:xfrm>
-              <a:off x="3062698" y="1660662"/>
+              <a:off x="3061245" y="1659685"/>
               <a:ext cx="41473" cy="6548"/>
             </a:xfrm>
             <a:custGeom>
@@ -28216,7 +28216,7 @@
           </p:nvSpPr>
           <p:spPr>
             <a:xfrm>
-              <a:off x="3062698" y="1674632"/>
+              <a:off x="3061245" y="1673655"/>
               <a:ext cx="41473" cy="7421"/>
             </a:xfrm>
             <a:custGeom>
@@ -28259,7 +28259,7 @@
           </p:nvSpPr>
           <p:spPr>
             <a:xfrm>
-              <a:off x="3062698" y="1689475"/>
+              <a:off x="3061245" y="1688498"/>
               <a:ext cx="41473" cy="7858"/>
             </a:xfrm>
             <a:custGeom>
@@ -28302,7 +28302,7 @@
           </p:nvSpPr>
           <p:spPr>
             <a:xfrm>
-              <a:off x="3042179" y="1708247"/>
+              <a:off x="3040726" y="1707270"/>
               <a:ext cx="83819" cy="34488"/>
             </a:xfrm>
             <a:custGeom>
@@ -28381,7 +28381,7 @@
           </p:nvSpPr>
           <p:spPr>
             <a:xfrm>
-              <a:off x="3143898" y="1652367"/>
+              <a:off x="3142445" y="1651390"/>
               <a:ext cx="42783" cy="89931"/>
             </a:xfrm>
             <a:custGeom>
@@ -28544,7 +28544,7 @@
           </p:nvSpPr>
           <p:spPr>
             <a:xfrm>
-              <a:off x="3163980" y="1694714"/>
+              <a:off x="3162527" y="1693737"/>
               <a:ext cx="10040" cy="29686"/>
             </a:xfrm>
             <a:custGeom>
@@ -28587,7 +28587,7 @@
           </p:nvSpPr>
           <p:spPr>
             <a:xfrm>
-              <a:off x="3191047" y="1645382"/>
+              <a:off x="3189594" y="1644405"/>
               <a:ext cx="51077" cy="100409"/>
             </a:xfrm>
             <a:custGeom>
@@ -28702,7 +28702,7 @@
           </p:nvSpPr>
           <p:spPr>
             <a:xfrm>
-              <a:off x="3255658" y="1652367"/>
+              <a:off x="3254205" y="1651390"/>
               <a:ext cx="42783" cy="89931"/>
             </a:xfrm>
             <a:custGeom>
@@ -28865,7 +28865,7 @@
           </p:nvSpPr>
           <p:spPr>
             <a:xfrm>
-              <a:off x="3275740" y="1694714"/>
+              <a:off x="3274287" y="1693737"/>
               <a:ext cx="10040" cy="29686"/>
             </a:xfrm>
             <a:custGeom>
@@ -28908,7 +28908,7 @@
           </p:nvSpPr>
           <p:spPr>
             <a:xfrm>
-              <a:off x="3294076" y="1649748"/>
+              <a:off x="3292623" y="1648771"/>
               <a:ext cx="63738" cy="96043"/>
             </a:xfrm>
             <a:custGeom>
@@ -29053,7 +29053,7 @@
           </p:nvSpPr>
           <p:spPr>
             <a:xfrm>
-              <a:off x="3320706" y="1658042"/>
+              <a:off x="3319253" y="1657066"/>
               <a:ext cx="14406" cy="33178"/>
             </a:xfrm>
             <a:custGeom>
@@ -29096,7 +29096,7 @@
           </p:nvSpPr>
           <p:spPr>
             <a:xfrm>
-              <a:off x="3371347" y="1644072"/>
+              <a:off x="3369894" y="1643096"/>
               <a:ext cx="95607" cy="29686"/>
             </a:xfrm>
             <a:custGeom>
@@ -29217,7 +29217,7 @@
           </p:nvSpPr>
           <p:spPr>
             <a:xfrm>
-              <a:off x="3427664" y="1665464"/>
+              <a:off x="3426211" y="1664487"/>
               <a:ext cx="36234" cy="24447"/>
             </a:xfrm>
             <a:custGeom>
@@ -29314,7 +29314,7 @@
           </p:nvSpPr>
           <p:spPr>
             <a:xfrm>
-              <a:off x="3374840" y="1665464"/>
+              <a:off x="3373387" y="1664487"/>
               <a:ext cx="38417" cy="22264"/>
             </a:xfrm>
             <a:custGeom>
@@ -29382,7 +29382,7 @@
                     <a:pt x="25211" y="5042"/>
                   </a:lnTo>
                   <a:lnTo>
-                    <a:pt x="27940" y="3405"/>
+                    <a:pt x="27939" y="3405"/>
                   </a:lnTo>
                   <a:lnTo>
                     <a:pt x="30450" y="1724"/>
@@ -29411,7 +29411,7 @@
           </p:nvSpPr>
           <p:spPr>
             <a:xfrm>
-              <a:off x="3370038" y="1681617"/>
+              <a:off x="3368585" y="1680640"/>
               <a:ext cx="100409" cy="64611"/>
             </a:xfrm>
             <a:custGeom>
@@ -29827,7 +29827,7 @@
                     <a:pt x="29948" y="36116"/>
                   </a:lnTo>
                   <a:lnTo>
-                    <a:pt x="32130" y="32427"/>
+                    <a:pt x="32131" y="32427"/>
                   </a:lnTo>
                   <a:lnTo>
                     <a:pt x="33789" y="28538"/>
@@ -29862,7 +29862,7 @@
           </p:nvSpPr>
           <p:spPr>
             <a:xfrm>
-              <a:off x="3480051" y="1644946"/>
+              <a:off x="3478598" y="1643969"/>
               <a:ext cx="100845" cy="101282"/>
             </a:xfrm>
             <a:custGeom>
@@ -29927,7 +29927,7 @@
                     <a:pt x="87884" y="9233"/>
                   </a:lnTo>
                   <a:lnTo>
-                    <a:pt x="90805" y="6548"/>
+                    <a:pt x="90804" y="6548"/>
                   </a:lnTo>
                   <a:lnTo>
                     <a:pt x="96480" y="13096"/>
@@ -30100,7 +30100,7 @@
           </p:nvSpPr>
           <p:spPr>
             <a:xfrm>
-              <a:off x="3510174" y="1703445"/>
+              <a:off x="3508721" y="1702468"/>
               <a:ext cx="49331" cy="10914"/>
             </a:xfrm>
             <a:custGeom>
@@ -30143,7 +30143,7 @@
           </p:nvSpPr>
           <p:spPr>
             <a:xfrm>
-              <a:off x="3510174" y="1721781"/>
+              <a:off x="3508721" y="1720804"/>
               <a:ext cx="49331" cy="10914"/>
             </a:xfrm>
             <a:custGeom>
@@ -30186,8 +30186,8 @@
           </p:nvSpPr>
           <p:spPr>
             <a:xfrm>
-              <a:off x="4474910" y="1590617"/>
-              <a:ext cx="2196296" cy="213378"/>
+              <a:off x="4473748" y="1590617"/>
+              <a:ext cx="2196877" cy="211424"/>
             </a:xfrm>
             <a:prstGeom prst="rect">
               <a:avLst/>
@@ -30221,7 +30221,7 @@
           </p:nvSpPr>
           <p:spPr>
             <a:xfrm>
-              <a:off x="5378351" y="1647128"/>
+              <a:off x="5377480" y="1646152"/>
               <a:ext cx="8294" cy="96916"/>
             </a:xfrm>
             <a:custGeom>
@@ -30264,7 +30264,7 @@
           </p:nvSpPr>
           <p:spPr>
             <a:xfrm>
-              <a:off x="5359143" y="1656296"/>
+              <a:off x="5358271" y="1655319"/>
               <a:ext cx="8731" cy="72032"/>
             </a:xfrm>
             <a:custGeom>
@@ -30307,7 +30307,7 @@
           </p:nvSpPr>
           <p:spPr>
             <a:xfrm>
-              <a:off x="5389702" y="1645382"/>
+              <a:off x="5388830" y="1644405"/>
               <a:ext cx="63738" cy="45839"/>
             </a:xfrm>
             <a:custGeom>
@@ -30443,7 +30443,7 @@
           </p:nvSpPr>
           <p:spPr>
             <a:xfrm>
-              <a:off x="5418078" y="1673759"/>
+              <a:off x="5417207" y="1672782"/>
               <a:ext cx="18335" cy="18772"/>
             </a:xfrm>
             <a:custGeom>
@@ -30540,7 +30540,7 @@
           </p:nvSpPr>
           <p:spPr>
             <a:xfrm>
-              <a:off x="5397560" y="1694714"/>
+              <a:off x="5396688" y="1693737"/>
               <a:ext cx="53260" cy="51514"/>
             </a:xfrm>
             <a:custGeom>
@@ -30595,7 +30595,7 @@
           </p:nvSpPr>
           <p:spPr>
             <a:xfrm>
-              <a:off x="5406291" y="1703008"/>
+              <a:off x="5405420" y="1702032"/>
               <a:ext cx="13096" cy="24447"/>
             </a:xfrm>
             <a:custGeom>
@@ -30638,7 +30638,7 @@
           </p:nvSpPr>
           <p:spPr>
             <a:xfrm>
-              <a:off x="5428119" y="1703008"/>
+              <a:off x="5427248" y="1702032"/>
               <a:ext cx="13970" cy="24447"/>
             </a:xfrm>
             <a:custGeom>
@@ -30681,7 +30681,7 @@
           </p:nvSpPr>
           <p:spPr>
             <a:xfrm>
-              <a:off x="5465664" y="1644946"/>
+              <a:off x="5464792" y="1643969"/>
               <a:ext cx="99099" cy="100845"/>
             </a:xfrm>
             <a:custGeom>
@@ -30886,7 +30886,7 @@
           </p:nvSpPr>
           <p:spPr>
             <a:xfrm>
-              <a:off x="5485746" y="1668083"/>
+              <a:off x="5484874" y="1667107"/>
               <a:ext cx="79454" cy="76835"/>
             </a:xfrm>
             <a:custGeom>
@@ -31079,7 +31079,7 @@
           </p:nvSpPr>
           <p:spPr>
             <a:xfrm>
-              <a:off x="5584409" y="1648875"/>
+              <a:off x="5583537" y="1647898"/>
               <a:ext cx="92551" cy="92987"/>
             </a:xfrm>
             <a:custGeom>
@@ -31134,7 +31134,7 @@
           </p:nvSpPr>
           <p:spPr>
             <a:xfrm>
-              <a:off x="5601871" y="1658916"/>
+              <a:off x="5601000" y="1657939"/>
               <a:ext cx="70286" cy="72905"/>
             </a:xfrm>
             <a:custGeom>
@@ -31480,7 +31480,7 @@
           </p:nvSpPr>
           <p:spPr>
             <a:xfrm>
-              <a:off x="5691803" y="1645382"/>
+              <a:off x="5690931" y="1644405"/>
               <a:ext cx="99099" cy="96480"/>
             </a:xfrm>
             <a:custGeom>
@@ -31676,8 +31676,8 @@
           </p:nvSpPr>
           <p:spPr>
             <a:xfrm>
-              <a:off x="6740795" y="1590617"/>
-              <a:ext cx="2196296" cy="213378"/>
+              <a:off x="6740214" y="1590617"/>
+              <a:ext cx="2196877" cy="211424"/>
             </a:xfrm>
             <a:prstGeom prst="rect">
               <a:avLst/>
@@ -31711,7 +31711,7 @@
           </p:nvSpPr>
           <p:spPr>
             <a:xfrm>
-              <a:off x="7619789" y="1644509"/>
+              <a:off x="7619499" y="1643532"/>
               <a:ext cx="103465" cy="47148"/>
             </a:xfrm>
             <a:custGeom>
@@ -31874,7 +31874,7 @@
           </p:nvSpPr>
           <p:spPr>
             <a:xfrm>
-              <a:off x="7622845" y="1673759"/>
+              <a:off x="7622555" y="1672782"/>
               <a:ext cx="96916" cy="68103"/>
             </a:xfrm>
             <a:custGeom>
@@ -31953,7 +31953,7 @@
           </p:nvSpPr>
           <p:spPr>
             <a:xfrm>
-              <a:off x="7733732" y="1647565"/>
+              <a:off x="7733442" y="1646588"/>
               <a:ext cx="98663" cy="92114"/>
             </a:xfrm>
             <a:custGeom>
@@ -32020,7 +32020,7 @@
           </p:nvSpPr>
           <p:spPr>
             <a:xfrm>
-              <a:off x="7803146" y="1666774"/>
+              <a:off x="7802855" y="1665797"/>
               <a:ext cx="25320" cy="48894"/>
             </a:xfrm>
             <a:custGeom>
@@ -32117,7 +32117,7 @@
           </p:nvSpPr>
           <p:spPr>
             <a:xfrm>
-              <a:off x="7738971" y="1668083"/>
+              <a:off x="7738680" y="1667107"/>
               <a:ext cx="22264" cy="47148"/>
             </a:xfrm>
             <a:custGeom>
@@ -32143,7 +32143,7 @@
                     <a:pt x="16807" y="20736"/>
                   </a:lnTo>
                   <a:lnTo>
-                    <a:pt x="18073" y="25146"/>
+                    <a:pt x="18073" y="25145"/>
                   </a:lnTo>
                   <a:lnTo>
                     <a:pt x="19252" y="29642"/>
@@ -32214,7 +32214,7 @@
           </p:nvSpPr>
           <p:spPr>
             <a:xfrm>
-              <a:off x="7843746" y="1647565"/>
+              <a:off x="7843455" y="1646588"/>
               <a:ext cx="102155" cy="98226"/>
             </a:xfrm>
             <a:custGeom>
@@ -32410,7 +32410,7 @@
           </p:nvSpPr>
           <p:spPr>
             <a:xfrm>
-              <a:off x="7972968" y="1648001"/>
+              <a:off x="7972678" y="1647025"/>
               <a:ext cx="65920" cy="27066"/>
             </a:xfrm>
             <a:custGeom>
@@ -32453,7 +32453,7 @@
           </p:nvSpPr>
           <p:spPr>
             <a:xfrm>
-              <a:off x="7981700" y="1656296"/>
+              <a:off x="7981409" y="1655319"/>
               <a:ext cx="48458" cy="10477"/>
             </a:xfrm>
             <a:custGeom>
@@ -32496,7 +32496,7 @@
           </p:nvSpPr>
           <p:spPr>
             <a:xfrm>
-              <a:off x="7967293" y="1682490"/>
+              <a:off x="7967002" y="1681513"/>
               <a:ext cx="77271" cy="41909"/>
             </a:xfrm>
             <a:custGeom>
@@ -32551,7 +32551,7 @@
           </p:nvSpPr>
           <p:spPr>
             <a:xfrm>
-              <a:off x="7957689" y="1696023"/>
+              <a:off x="7957398" y="1695047"/>
               <a:ext cx="51514" cy="50641"/>
             </a:xfrm>
             <a:custGeom>
@@ -32741,7 +32741,7 @@
           </p:nvSpPr>
           <p:spPr>
             <a:xfrm>
-              <a:off x="8013132" y="1719598"/>
+              <a:off x="8012842" y="1718621"/>
               <a:ext cx="41036" cy="27503"/>
             </a:xfrm>
             <a:custGeom>
@@ -32838,7 +32838,7 @@
           </p:nvSpPr>
           <p:spPr>
             <a:xfrm>
-              <a:off x="2808014" y="5277985"/>
+              <a:off x="2806429" y="5279729"/>
               <a:ext cx="0" cy="34794"/>
             </a:xfrm>
             <a:custGeom>
@@ -32878,7 +32878,7 @@
           </p:nvSpPr>
           <p:spPr>
             <a:xfrm>
-              <a:off x="3806331" y="5277985"/>
+              <a:off x="3805010" y="5279729"/>
               <a:ext cx="0" cy="34794"/>
             </a:xfrm>
             <a:custGeom>
@@ -32918,7 +32918,7 @@
           </p:nvSpPr>
           <p:spPr>
             <a:xfrm>
-              <a:off x="5073900" y="5277985"/>
+              <a:off x="5072896" y="5279729"/>
               <a:ext cx="0" cy="34794"/>
             </a:xfrm>
             <a:custGeom>
@@ -32958,7 +32958,7 @@
           </p:nvSpPr>
           <p:spPr>
             <a:xfrm>
-              <a:off x="6072216" y="5277985"/>
+              <a:off x="6071477" y="5279729"/>
               <a:ext cx="0" cy="34794"/>
             </a:xfrm>
             <a:custGeom>
@@ -32998,7 +32998,7 @@
           </p:nvSpPr>
           <p:spPr>
             <a:xfrm>
-              <a:off x="7339785" y="5277985"/>
+              <a:off x="7339363" y="5279729"/>
               <a:ext cx="0" cy="34794"/>
             </a:xfrm>
             <a:custGeom>
@@ -33038,7 +33038,7 @@
           </p:nvSpPr>
           <p:spPr>
             <a:xfrm>
-              <a:off x="8338102" y="5277985"/>
+              <a:off x="8337944" y="5279729"/>
               <a:ext cx="0" cy="34794"/>
             </a:xfrm>
             <a:custGeom>
@@ -33078,7 +33078,7 @@
           </p:nvSpPr>
           <p:spPr>
             <a:xfrm>
-              <a:off x="1989232" y="5238394"/>
+              <a:off x="1987488" y="5240138"/>
               <a:ext cx="53424" cy="79126"/>
             </a:xfrm>
             <a:custGeom>
@@ -33521,7 +33521,7 @@
                     <a:pt x="48312" y="12306"/>
                   </a:lnTo>
                   <a:lnTo>
-                    <a:pt x="48895" y="13492"/>
+                    <a:pt x="48894" y="13492"/>
                   </a:lnTo>
                   <a:lnTo>
                     <a:pt x="49447" y="14740"/>
@@ -33589,7 +33589,7 @@
           </p:nvSpPr>
           <p:spPr>
             <a:xfrm>
-              <a:off x="1999164" y="5246362"/>
+              <a:off x="1997420" y="5248105"/>
               <a:ext cx="33506" cy="63137"/>
             </a:xfrm>
             <a:custGeom>
@@ -34100,7 +34100,7 @@
           </p:nvSpPr>
           <p:spPr>
             <a:xfrm>
-              <a:off x="2107758" y="5268135"/>
+              <a:off x="2106015" y="5269879"/>
               <a:ext cx="34652" cy="48949"/>
             </a:xfrm>
             <a:custGeom>
@@ -34611,7 +34611,7 @@
           </p:nvSpPr>
           <p:spPr>
             <a:xfrm>
-              <a:off x="2067322" y="5239540"/>
+              <a:off x="2065578" y="5241284"/>
               <a:ext cx="58881" cy="76889"/>
             </a:xfrm>
             <a:custGeom>
@@ -34654,7 +34654,7 @@
           </p:nvSpPr>
           <p:spPr>
             <a:xfrm>
-              <a:off x="2051005" y="5238885"/>
+              <a:off x="2049262" y="5240629"/>
               <a:ext cx="34597" cy="48949"/>
             </a:xfrm>
             <a:custGeom>
@@ -35165,7 +35165,7 @@
           </p:nvSpPr>
           <p:spPr>
             <a:xfrm>
-              <a:off x="2115780" y="5274192"/>
+              <a:off x="2114037" y="5275936"/>
               <a:ext cx="18553" cy="36889"/>
             </a:xfrm>
             <a:custGeom>
@@ -35676,7 +35676,7 @@
           </p:nvSpPr>
           <p:spPr>
             <a:xfrm>
-              <a:off x="2059027" y="5244779"/>
+              <a:off x="2057284" y="5246523"/>
               <a:ext cx="18553" cy="36889"/>
             </a:xfrm>
             <a:custGeom>
@@ -36187,7 +36187,7 @@
           </p:nvSpPr>
           <p:spPr>
             <a:xfrm>
-              <a:off x="1928331" y="4305481"/>
+              <a:off x="1926588" y="4306232"/>
               <a:ext cx="50914" cy="78035"/>
             </a:xfrm>
             <a:custGeom>
@@ -37133,7 +37133,7 @@
           </p:nvSpPr>
           <p:spPr>
             <a:xfrm>
-              <a:off x="1989341" y="4306627"/>
+              <a:off x="1987597" y="4307378"/>
               <a:ext cx="52987" cy="77980"/>
             </a:xfrm>
             <a:custGeom>
@@ -37450,7 +37450,7 @@
                     <a:pt x="14960" y="66777"/>
                   </a:lnTo>
                   <a:lnTo>
-                    <a:pt x="15367" y="67075"/>
+                    <a:pt x="15366" y="67075"/>
                   </a:lnTo>
                   <a:lnTo>
                     <a:pt x="15789" y="67362"/>
@@ -38085,7 +38085,7 @@
           </p:nvSpPr>
           <p:spPr>
             <a:xfrm>
-              <a:off x="2107758" y="4335222"/>
+              <a:off x="2106015" y="4335973"/>
               <a:ext cx="34652" cy="48949"/>
             </a:xfrm>
             <a:custGeom>
@@ -38596,7 +38596,7 @@
           </p:nvSpPr>
           <p:spPr>
             <a:xfrm>
-              <a:off x="2067322" y="4306627"/>
+              <a:off x="2065578" y="4307378"/>
               <a:ext cx="58881" cy="76889"/>
             </a:xfrm>
             <a:custGeom>
@@ -38639,7 +38639,7 @@
           </p:nvSpPr>
           <p:spPr>
             <a:xfrm>
-              <a:off x="2051005" y="4305972"/>
+              <a:off x="2049262" y="4306723"/>
               <a:ext cx="34597" cy="48949"/>
             </a:xfrm>
             <a:custGeom>
@@ -39150,7 +39150,7 @@
           </p:nvSpPr>
           <p:spPr>
             <a:xfrm>
-              <a:off x="2115780" y="4341279"/>
+              <a:off x="2114037" y="4342030"/>
               <a:ext cx="18553" cy="36889"/>
             </a:xfrm>
             <a:custGeom>
@@ -39661,7 +39661,7 @@
           </p:nvSpPr>
           <p:spPr>
             <a:xfrm>
-              <a:off x="2059027" y="4311866"/>
+              <a:off x="2057284" y="4312617"/>
               <a:ext cx="18553" cy="36889"/>
             </a:xfrm>
             <a:custGeom>
@@ -40172,7 +40172,7 @@
           </p:nvSpPr>
           <p:spPr>
             <a:xfrm>
-              <a:off x="1927185" y="3373714"/>
+              <a:off x="1925442" y="3373472"/>
               <a:ext cx="52987" cy="77980"/>
             </a:xfrm>
             <a:custGeom>
@@ -41124,7 +41124,7 @@
           </p:nvSpPr>
           <p:spPr>
             <a:xfrm>
-              <a:off x="1989232" y="3372568"/>
+              <a:off x="1987488" y="3372326"/>
               <a:ext cx="53424" cy="79126"/>
             </a:xfrm>
             <a:custGeom>
@@ -41567,7 +41567,7 @@
                     <a:pt x="48312" y="12306"/>
                   </a:lnTo>
                   <a:lnTo>
-                    <a:pt x="48895" y="13492"/>
+                    <a:pt x="48894" y="13492"/>
                   </a:lnTo>
                   <a:lnTo>
                     <a:pt x="49447" y="14740"/>
@@ -41635,7 +41635,7 @@
           </p:nvSpPr>
           <p:spPr>
             <a:xfrm>
-              <a:off x="1999164" y="3380536"/>
+              <a:off x="1997420" y="3380293"/>
               <a:ext cx="33506" cy="63137"/>
             </a:xfrm>
             <a:custGeom>
@@ -42146,7 +42146,7 @@
           </p:nvSpPr>
           <p:spPr>
             <a:xfrm>
-              <a:off x="2107758" y="3402309"/>
+              <a:off x="2106015" y="3402067"/>
               <a:ext cx="34652" cy="48949"/>
             </a:xfrm>
             <a:custGeom>
@@ -42657,7 +42657,7 @@
           </p:nvSpPr>
           <p:spPr>
             <a:xfrm>
-              <a:off x="2067322" y="3373714"/>
+              <a:off x="2065578" y="3373472"/>
               <a:ext cx="58881" cy="76889"/>
             </a:xfrm>
             <a:custGeom>
@@ -42700,7 +42700,7 @@
           </p:nvSpPr>
           <p:spPr>
             <a:xfrm>
-              <a:off x="2051005" y="3373059"/>
+              <a:off x="2049262" y="3372817"/>
               <a:ext cx="34597" cy="48949"/>
             </a:xfrm>
             <a:custGeom>
@@ -43211,7 +43211,7 @@
           </p:nvSpPr>
           <p:spPr>
             <a:xfrm>
-              <a:off x="2115780" y="3408366"/>
+              <a:off x="2114037" y="3408124"/>
               <a:ext cx="18553" cy="36889"/>
             </a:xfrm>
             <a:custGeom>
@@ -43722,7 +43722,7 @@
           </p:nvSpPr>
           <p:spPr>
             <a:xfrm>
-              <a:off x="2059027" y="3378953"/>
+              <a:off x="2057284" y="3378711"/>
               <a:ext cx="18553" cy="36889"/>
             </a:xfrm>
             <a:custGeom>
@@ -44233,7 +44233,7 @@
           </p:nvSpPr>
           <p:spPr>
             <a:xfrm>
-              <a:off x="1928440" y="2440801"/>
+              <a:off x="1926697" y="2439566"/>
               <a:ext cx="50804" cy="76889"/>
             </a:xfrm>
             <a:custGeom>
@@ -44519,7 +44519,7 @@
           </p:nvSpPr>
           <p:spPr>
             <a:xfrm>
-              <a:off x="1989341" y="2440801"/>
+              <a:off x="1987597" y="2439566"/>
               <a:ext cx="52987" cy="77980"/>
             </a:xfrm>
             <a:custGeom>
@@ -44836,7 +44836,7 @@
                     <a:pt x="14960" y="66777"/>
                   </a:lnTo>
                   <a:lnTo>
-                    <a:pt x="15367" y="67075"/>
+                    <a:pt x="15366" y="67075"/>
                   </a:lnTo>
                   <a:lnTo>
                     <a:pt x="15789" y="67362"/>
@@ -45471,7 +45471,7 @@
           </p:nvSpPr>
           <p:spPr>
             <a:xfrm>
-              <a:off x="2107758" y="2469396"/>
+              <a:off x="2106015" y="2468161"/>
               <a:ext cx="34652" cy="48949"/>
             </a:xfrm>
             <a:custGeom>
@@ -45982,7 +45982,7 @@
           </p:nvSpPr>
           <p:spPr>
             <a:xfrm>
-              <a:off x="2067322" y="2440801"/>
+              <a:off x="2065578" y="2439566"/>
               <a:ext cx="58881" cy="76889"/>
             </a:xfrm>
             <a:custGeom>
@@ -46025,7 +46025,7 @@
           </p:nvSpPr>
           <p:spPr>
             <a:xfrm>
-              <a:off x="2051005" y="2440146"/>
+              <a:off x="2049262" y="2438911"/>
               <a:ext cx="34597" cy="48949"/>
             </a:xfrm>
             <a:custGeom>
@@ -46536,7 +46536,7 @@
           </p:nvSpPr>
           <p:spPr>
             <a:xfrm>
-              <a:off x="2115780" y="2475453"/>
+              <a:off x="2114037" y="2474218"/>
               <a:ext cx="18553" cy="36889"/>
             </a:xfrm>
             <a:custGeom>
@@ -47047,7 +47047,7 @@
           </p:nvSpPr>
           <p:spPr>
             <a:xfrm>
-              <a:off x="2059027" y="2446040"/>
+              <a:off x="2057284" y="2444805"/>
               <a:ext cx="18553" cy="36889"/>
             </a:xfrm>
             <a:custGeom>
@@ -47558,7 +47558,7 @@
           </p:nvSpPr>
           <p:spPr>
             <a:xfrm>
-              <a:off x="2174230" y="5277985"/>
+              <a:off x="2172486" y="5279729"/>
               <a:ext cx="34794" cy="0"/>
             </a:xfrm>
             <a:custGeom>
@@ -47598,7 +47598,7 @@
           </p:nvSpPr>
           <p:spPr>
             <a:xfrm>
-              <a:off x="2174230" y="4345072"/>
+              <a:off x="2172486" y="4345823"/>
               <a:ext cx="34794" cy="0"/>
             </a:xfrm>
             <a:custGeom>
@@ -47638,7 +47638,7 @@
           </p:nvSpPr>
           <p:spPr>
             <a:xfrm>
-              <a:off x="2174230" y="3412159"/>
+              <a:off x="2172486" y="3411917"/>
               <a:ext cx="34794" cy="0"/>
             </a:xfrm>
             <a:custGeom>
@@ -47678,7 +47678,7 @@
           </p:nvSpPr>
           <p:spPr>
             <a:xfrm>
-              <a:off x="2174230" y="2479246"/>
+              <a:off x="2172486" y="2478011"/>
               <a:ext cx="34794" cy="0"/>
             </a:xfrm>
             <a:custGeom>
@@ -47718,7 +47718,7 @@
           </p:nvSpPr>
           <p:spPr>
             <a:xfrm>
-              <a:off x="4865435" y="5613598"/>
+              <a:off x="4864563" y="5613598"/>
               <a:ext cx="1415246" cy="358634"/>
             </a:xfrm>
             <a:prstGeom prst="rect">
@@ -47744,7 +47744,7 @@
           </p:nvSpPr>
           <p:spPr>
             <a:xfrm>
-              <a:off x="5004613" y="5683187"/>
+              <a:off x="5003741" y="5683187"/>
               <a:ext cx="219455" cy="219455"/>
             </a:xfrm>
             <a:prstGeom prst="rect">
@@ -47770,7 +47770,7 @@
           </p:nvSpPr>
           <p:spPr>
             <a:xfrm>
-              <a:off x="5013613" y="5692187"/>
+              <a:off x="5012741" y="5692187"/>
               <a:ext cx="201456" cy="201456"/>
             </a:xfrm>
             <a:prstGeom prst="rect">
@@ -47796,7 +47796,7 @@
           </p:nvSpPr>
           <p:spPr>
             <a:xfrm>
-              <a:off x="5586767" y="5683187"/>
+              <a:off x="5585895" y="5683187"/>
               <a:ext cx="219455" cy="219455"/>
             </a:xfrm>
             <a:prstGeom prst="rect">
@@ -47822,7 +47822,7 @@
           </p:nvSpPr>
           <p:spPr>
             <a:xfrm>
-              <a:off x="5595767" y="5692187"/>
+              <a:off x="5594895" y="5692187"/>
               <a:ext cx="201456" cy="201456"/>
             </a:xfrm>
             <a:prstGeom prst="rect">
@@ -47848,7 +47848,7 @@
           </p:nvSpPr>
           <p:spPr>
             <a:xfrm>
-              <a:off x="5333822" y="5742301"/>
+              <a:off x="5332950" y="5742301"/>
               <a:ext cx="25757" cy="29686"/>
             </a:xfrm>
             <a:custGeom>
@@ -47945,7 +47945,7 @@
           </p:nvSpPr>
           <p:spPr>
             <a:xfrm>
-              <a:off x="5301953" y="5747103"/>
+              <a:off x="5301081" y="5747103"/>
               <a:ext cx="84256" cy="93424"/>
             </a:xfrm>
             <a:custGeom>
@@ -48420,7 +48420,7 @@
           </p:nvSpPr>
           <p:spPr>
             <a:xfrm>
-              <a:off x="5299333" y="5768932"/>
+              <a:off x="5298462" y="5768932"/>
               <a:ext cx="19645" cy="48021"/>
             </a:xfrm>
             <a:custGeom>
@@ -48517,7 +48517,7 @@
           </p:nvSpPr>
           <p:spPr>
             <a:xfrm>
-              <a:off x="5377478" y="5771988"/>
+              <a:off x="5376606" y="5771988"/>
               <a:ext cx="22701" cy="45402"/>
             </a:xfrm>
             <a:custGeom>
@@ -48614,7 +48614,7 @@
           </p:nvSpPr>
           <p:spPr>
             <a:xfrm>
-              <a:off x="5410220" y="5791196"/>
+              <a:off x="5409349" y="5791196"/>
               <a:ext cx="100845" cy="50641"/>
             </a:xfrm>
             <a:custGeom>
@@ -48861,7 +48861,7 @@
           </p:nvSpPr>
           <p:spPr>
             <a:xfrm>
-              <a:off x="5440780" y="5806476"/>
+              <a:off x="5439908" y="5806476"/>
               <a:ext cx="40163" cy="16152"/>
             </a:xfrm>
             <a:custGeom>
@@ -48958,7 +48958,7 @@
           </p:nvSpPr>
           <p:spPr>
             <a:xfrm>
-              <a:off x="5414149" y="5744048"/>
+              <a:off x="5413278" y="5744048"/>
               <a:ext cx="94297" cy="44529"/>
             </a:xfrm>
             <a:custGeom>
@@ -49025,7 +49025,7 @@
           </p:nvSpPr>
           <p:spPr>
             <a:xfrm>
-              <a:off x="5453003" y="5752342"/>
+              <a:off x="5452132" y="5752342"/>
               <a:ext cx="17462" cy="8731"/>
             </a:xfrm>
             <a:custGeom>
@@ -49068,7 +49068,7 @@
           </p:nvSpPr>
           <p:spPr>
             <a:xfrm>
-              <a:off x="5428119" y="5768495"/>
+              <a:off x="5427248" y="5768495"/>
               <a:ext cx="17025" cy="12660"/>
             </a:xfrm>
             <a:custGeom>
@@ -49111,7 +49111,7 @@
           </p:nvSpPr>
           <p:spPr>
             <a:xfrm>
-              <a:off x="5453003" y="5768495"/>
+              <a:off x="5452132" y="5768495"/>
               <a:ext cx="17462" cy="12660"/>
             </a:xfrm>
             <a:custGeom>
@@ -49154,7 +49154,7 @@
           </p:nvSpPr>
           <p:spPr>
             <a:xfrm>
-              <a:off x="5478324" y="5768495"/>
+              <a:off x="5477452" y="5768495"/>
               <a:ext cx="16152" cy="12660"/>
             </a:xfrm>
             <a:custGeom>
@@ -49197,7 +49197,7 @@
           </p:nvSpPr>
           <p:spPr>
             <a:xfrm>
-              <a:off x="5880614" y="5746230"/>
+              <a:off x="5879743" y="5746230"/>
               <a:ext cx="98226" cy="95170"/>
             </a:xfrm>
             <a:custGeom>
@@ -49345,7 +49345,7 @@
           </p:nvSpPr>
           <p:spPr>
             <a:xfrm>
-              <a:off x="5939987" y="5773734"/>
+              <a:off x="5939115" y="5773734"/>
               <a:ext cx="42783" cy="42346"/>
             </a:xfrm>
             <a:custGeom>
@@ -49442,7 +49442,7 @@
           </p:nvSpPr>
           <p:spPr>
             <a:xfrm>
-              <a:off x="6027736" y="5742301"/>
+              <a:off x="6026864" y="5742301"/>
               <a:ext cx="25757" cy="29686"/>
             </a:xfrm>
             <a:custGeom>
@@ -49507,7 +49507,7 @@
                     <a:pt x="6155" y="11992"/>
                   </a:lnTo>
                   <a:lnTo>
-                    <a:pt x="4191" y="9569"/>
+                    <a:pt x="4190" y="9569"/>
                   </a:lnTo>
                   <a:lnTo>
                     <a:pt x="2139" y="7172"/>
@@ -49539,7 +49539,7 @@
           </p:nvSpPr>
           <p:spPr>
             <a:xfrm>
-              <a:off x="5995867" y="5747103"/>
+              <a:off x="5994995" y="5747103"/>
               <a:ext cx="84256" cy="93424"/>
             </a:xfrm>
             <a:custGeom>
@@ -50014,7 +50014,7 @@
           </p:nvSpPr>
           <p:spPr>
             <a:xfrm>
-              <a:off x="5993248" y="5768932"/>
+              <a:off x="5992376" y="5768932"/>
               <a:ext cx="19645" cy="48021"/>
             </a:xfrm>
             <a:custGeom>
@@ -50111,7 +50111,7 @@
           </p:nvSpPr>
           <p:spPr>
             <a:xfrm>
-              <a:off x="6071392" y="5771988"/>
+              <a:off x="6070520" y="5771988"/>
               <a:ext cx="22701" cy="45402"/>
             </a:xfrm>
             <a:custGeom>
@@ -50208,7 +50208,7 @@
           </p:nvSpPr>
           <p:spPr>
             <a:xfrm>
-              <a:off x="6104134" y="5791196"/>
+              <a:off x="6103263" y="5791196"/>
               <a:ext cx="100845" cy="50641"/>
             </a:xfrm>
             <a:custGeom>
@@ -50455,7 +50455,7 @@
           </p:nvSpPr>
           <p:spPr>
             <a:xfrm>
-              <a:off x="6134694" y="5806476"/>
+              <a:off x="6133822" y="5806476"/>
               <a:ext cx="40163" cy="16152"/>
             </a:xfrm>
             <a:custGeom>
@@ -50490,7 +50490,7 @@
                     <a:pt x="37893" y="3719"/>
                   </a:lnTo>
                   <a:lnTo>
-                    <a:pt x="39115" y="1890"/>
+                    <a:pt x="39116" y="1890"/>
                   </a:lnTo>
                   <a:lnTo>
                     <a:pt x="40163" y="0"/>
@@ -50552,7 +50552,7 @@
           </p:nvSpPr>
           <p:spPr>
             <a:xfrm>
-              <a:off x="6108063" y="5744048"/>
+              <a:off x="6107192" y="5744048"/>
               <a:ext cx="94297" cy="44529"/>
             </a:xfrm>
             <a:custGeom>
@@ -50619,7 +50619,7 @@
           </p:nvSpPr>
           <p:spPr>
             <a:xfrm>
-              <a:off x="6146918" y="5752342"/>
+              <a:off x="6146046" y="5752342"/>
               <a:ext cx="17462" cy="8731"/>
             </a:xfrm>
             <a:custGeom>
@@ -50662,7 +50662,7 @@
           </p:nvSpPr>
           <p:spPr>
             <a:xfrm>
-              <a:off x="6122033" y="5768495"/>
+              <a:off x="6121162" y="5768495"/>
               <a:ext cx="17025" cy="12660"/>
             </a:xfrm>
             <a:custGeom>
@@ -50705,7 +50705,7 @@
           </p:nvSpPr>
           <p:spPr>
             <a:xfrm>
-              <a:off x="6146918" y="5768495"/>
+              <a:off x="6146046" y="5768495"/>
               <a:ext cx="17462" cy="12660"/>
             </a:xfrm>
             <a:custGeom>
@@ -50748,7 +50748,7 @@
           </p:nvSpPr>
           <p:spPr>
             <a:xfrm>
-              <a:off x="6172238" y="5768495"/>
+              <a:off x="6171366" y="5768495"/>
               <a:ext cx="16152" cy="12660"/>
             </a:xfrm>
             <a:custGeom>
